--- a/docs/diagrams/FilterCommandSequenceDiagram.pptx
+++ b/docs/diagrams/FilterCommandSequenceDiagram.pptx
@@ -10,14 +10,14 @@
   <p:sldIdLst>
     <p:sldId id="267" r:id="rId2"/>
   </p:sldIdLst>
-  <p:sldSz cx="14400213" cy="12599988"/>
+  <p:sldSz cx="35999738" cy="35999738"/>
   <p:notesSz cx="6858000" cy="9144000"/>
   <p:defaultTextStyle>
     <a:defPPr>
       <a:defRPr lang="en-US"/>
     </a:defPPr>
-    <a:lvl1pPr marL="0" algn="l" defTabSz="914303" rtl="0" eaLnBrk="1" latinLnBrk="0" hangingPunct="1">
-      <a:defRPr sz="1800" kern="1200">
+    <a:lvl1pPr marL="0" algn="l" defTabSz="4113293" rtl="0" eaLnBrk="1" latinLnBrk="0" hangingPunct="1">
+      <a:defRPr sz="8099" kern="1200">
         <a:solidFill>
           <a:schemeClr val="tx1"/>
         </a:solidFill>
@@ -26,8 +26,8 @@
         <a:cs typeface="+mn-cs"/>
       </a:defRPr>
     </a:lvl1pPr>
-    <a:lvl2pPr marL="457151" algn="l" defTabSz="914303" rtl="0" eaLnBrk="1" latinLnBrk="0" hangingPunct="1">
-      <a:defRPr sz="1800" kern="1200">
+    <a:lvl2pPr marL="2056644" algn="l" defTabSz="4113293" rtl="0" eaLnBrk="1" latinLnBrk="0" hangingPunct="1">
+      <a:defRPr sz="8099" kern="1200">
         <a:solidFill>
           <a:schemeClr val="tx1"/>
         </a:solidFill>
@@ -36,8 +36,8 @@
         <a:cs typeface="+mn-cs"/>
       </a:defRPr>
     </a:lvl2pPr>
-    <a:lvl3pPr marL="914303" algn="l" defTabSz="914303" rtl="0" eaLnBrk="1" latinLnBrk="0" hangingPunct="1">
-      <a:defRPr sz="1800" kern="1200">
+    <a:lvl3pPr marL="4113293" algn="l" defTabSz="4113293" rtl="0" eaLnBrk="1" latinLnBrk="0" hangingPunct="1">
+      <a:defRPr sz="8099" kern="1200">
         <a:solidFill>
           <a:schemeClr val="tx1"/>
         </a:solidFill>
@@ -46,8 +46,8 @@
         <a:cs typeface="+mn-cs"/>
       </a:defRPr>
     </a:lvl3pPr>
-    <a:lvl4pPr marL="1371454" algn="l" defTabSz="914303" rtl="0" eaLnBrk="1" latinLnBrk="0" hangingPunct="1">
-      <a:defRPr sz="1800" kern="1200">
+    <a:lvl4pPr marL="6169937" algn="l" defTabSz="4113293" rtl="0" eaLnBrk="1" latinLnBrk="0" hangingPunct="1">
+      <a:defRPr sz="8099" kern="1200">
         <a:solidFill>
           <a:schemeClr val="tx1"/>
         </a:solidFill>
@@ -56,8 +56,8 @@
         <a:cs typeface="+mn-cs"/>
       </a:defRPr>
     </a:lvl4pPr>
-    <a:lvl5pPr marL="1828606" algn="l" defTabSz="914303" rtl="0" eaLnBrk="1" latinLnBrk="0" hangingPunct="1">
-      <a:defRPr sz="1800" kern="1200">
+    <a:lvl5pPr marL="8226581" algn="l" defTabSz="4113293" rtl="0" eaLnBrk="1" latinLnBrk="0" hangingPunct="1">
+      <a:defRPr sz="8099" kern="1200">
         <a:solidFill>
           <a:schemeClr val="tx1"/>
         </a:solidFill>
@@ -66,8 +66,8 @@
         <a:cs typeface="+mn-cs"/>
       </a:defRPr>
     </a:lvl5pPr>
-    <a:lvl6pPr marL="2285757" algn="l" defTabSz="914303" rtl="0" eaLnBrk="1" latinLnBrk="0" hangingPunct="1">
-      <a:defRPr sz="1800" kern="1200">
+    <a:lvl6pPr marL="10283230" algn="l" defTabSz="4113293" rtl="0" eaLnBrk="1" latinLnBrk="0" hangingPunct="1">
+      <a:defRPr sz="8099" kern="1200">
         <a:solidFill>
           <a:schemeClr val="tx1"/>
         </a:solidFill>
@@ -76,8 +76,8 @@
         <a:cs typeface="+mn-cs"/>
       </a:defRPr>
     </a:lvl6pPr>
-    <a:lvl7pPr marL="2742909" algn="l" defTabSz="914303" rtl="0" eaLnBrk="1" latinLnBrk="0" hangingPunct="1">
-      <a:defRPr sz="1800" kern="1200">
+    <a:lvl7pPr marL="12339874" algn="l" defTabSz="4113293" rtl="0" eaLnBrk="1" latinLnBrk="0" hangingPunct="1">
+      <a:defRPr sz="8099" kern="1200">
         <a:solidFill>
           <a:schemeClr val="tx1"/>
         </a:solidFill>
@@ -86,8 +86,8 @@
         <a:cs typeface="+mn-cs"/>
       </a:defRPr>
     </a:lvl7pPr>
-    <a:lvl8pPr marL="3200060" algn="l" defTabSz="914303" rtl="0" eaLnBrk="1" latinLnBrk="0" hangingPunct="1">
-      <a:defRPr sz="1800" kern="1200">
+    <a:lvl8pPr marL="14396519" algn="l" defTabSz="4113293" rtl="0" eaLnBrk="1" latinLnBrk="0" hangingPunct="1">
+      <a:defRPr sz="8099" kern="1200">
         <a:solidFill>
           <a:schemeClr val="tx1"/>
         </a:solidFill>
@@ -96,8 +96,8 @@
         <a:cs typeface="+mn-cs"/>
       </a:defRPr>
     </a:lvl8pPr>
-    <a:lvl9pPr marL="3657212" algn="l" defTabSz="914303" rtl="0" eaLnBrk="1" latinLnBrk="0" hangingPunct="1">
-      <a:defRPr sz="1800" kern="1200">
+    <a:lvl9pPr marL="16453167" algn="l" defTabSz="4113293" rtl="0" eaLnBrk="1" latinLnBrk="0" hangingPunct="1">
+      <a:defRPr sz="8099" kern="1200">
         <a:solidFill>
           <a:schemeClr val="tx1"/>
         </a:solidFill>
@@ -110,12 +110,12 @@
   <p:extLst>
     <p:ext uri="{EFAFB233-063F-42B5-8137-9DF3F51BA10A}">
       <p15:sldGuideLst xmlns:p15="http://schemas.microsoft.com/office/powerpoint/2012/main">
-        <p15:guide id="1" orient="horz" pos="2734" userDrawn="1">
+        <p15:guide id="1" orient="horz" pos="7811" userDrawn="1">
           <p15:clr>
             <a:srgbClr val="A4A3A4"/>
           </p15:clr>
         </p15:guide>
-        <p15:guide id="2" pos="4536" userDrawn="1">
+        <p15:guide id="2" pos="11339" userDrawn="1">
           <p15:clr>
             <a:srgbClr val="A4A3A4"/>
           </p15:clr>
@@ -208,7 +208,7 @@
           <a:p>
             <a:fld id="{F5CC4B3F-88C1-4FFA-B1B6-F41C21DC6924}" type="datetimeFigureOut">
               <a:rPr lang="en-US" smtClean="0"/>
-              <a:t>3/21/2019</a:t>
+              <a:t>4/2/2019</a:t>
             </a:fld>
             <a:endParaRPr lang="en-US"/>
           </a:p>
@@ -226,8 +226,8 @@
         </p:nvSpPr>
         <p:spPr>
           <a:xfrm>
-            <a:off x="1470025" y="685800"/>
-            <a:ext cx="3917950" cy="3429000"/>
+            <a:off x="1714500" y="685800"/>
+            <a:ext cx="3429000" cy="3429000"/>
           </a:xfrm>
           <a:prstGeom prst="rect">
             <a:avLst/>
@@ -381,8 +381,8 @@
   </p:cSld>
   <p:clrMap bg1="lt1" tx1="dk1" bg2="lt2" tx2="dk2" accent1="accent1" accent2="accent2" accent3="accent3" accent4="accent4" accent5="accent5" accent6="accent6" hlink="hlink" folHlink="folHlink"/>
   <p:notesStyle>
-    <a:lvl1pPr marL="0" algn="l" defTabSz="914303" rtl="0" eaLnBrk="1" latinLnBrk="0" hangingPunct="1">
-      <a:defRPr sz="1200" kern="1200">
+    <a:lvl1pPr marL="0" algn="l" defTabSz="4113293" rtl="0" eaLnBrk="1" latinLnBrk="0" hangingPunct="1">
+      <a:defRPr sz="5399" kern="1200">
         <a:solidFill>
           <a:schemeClr val="tx1"/>
         </a:solidFill>
@@ -391,8 +391,8 @@
         <a:cs typeface="+mn-cs"/>
       </a:defRPr>
     </a:lvl1pPr>
-    <a:lvl2pPr marL="457151" algn="l" defTabSz="914303" rtl="0" eaLnBrk="1" latinLnBrk="0" hangingPunct="1">
-      <a:defRPr sz="1200" kern="1200">
+    <a:lvl2pPr marL="2056644" algn="l" defTabSz="4113293" rtl="0" eaLnBrk="1" latinLnBrk="0" hangingPunct="1">
+      <a:defRPr sz="5399" kern="1200">
         <a:solidFill>
           <a:schemeClr val="tx1"/>
         </a:solidFill>
@@ -401,8 +401,8 @@
         <a:cs typeface="+mn-cs"/>
       </a:defRPr>
     </a:lvl2pPr>
-    <a:lvl3pPr marL="914303" algn="l" defTabSz="914303" rtl="0" eaLnBrk="1" latinLnBrk="0" hangingPunct="1">
-      <a:defRPr sz="1200" kern="1200">
+    <a:lvl3pPr marL="4113293" algn="l" defTabSz="4113293" rtl="0" eaLnBrk="1" latinLnBrk="0" hangingPunct="1">
+      <a:defRPr sz="5399" kern="1200">
         <a:solidFill>
           <a:schemeClr val="tx1"/>
         </a:solidFill>
@@ -411,8 +411,8 @@
         <a:cs typeface="+mn-cs"/>
       </a:defRPr>
     </a:lvl3pPr>
-    <a:lvl4pPr marL="1371454" algn="l" defTabSz="914303" rtl="0" eaLnBrk="1" latinLnBrk="0" hangingPunct="1">
-      <a:defRPr sz="1200" kern="1200">
+    <a:lvl4pPr marL="6169937" algn="l" defTabSz="4113293" rtl="0" eaLnBrk="1" latinLnBrk="0" hangingPunct="1">
+      <a:defRPr sz="5399" kern="1200">
         <a:solidFill>
           <a:schemeClr val="tx1"/>
         </a:solidFill>
@@ -421,8 +421,8 @@
         <a:cs typeface="+mn-cs"/>
       </a:defRPr>
     </a:lvl4pPr>
-    <a:lvl5pPr marL="1828606" algn="l" defTabSz="914303" rtl="0" eaLnBrk="1" latinLnBrk="0" hangingPunct="1">
-      <a:defRPr sz="1200" kern="1200">
+    <a:lvl5pPr marL="8226581" algn="l" defTabSz="4113293" rtl="0" eaLnBrk="1" latinLnBrk="0" hangingPunct="1">
+      <a:defRPr sz="5399" kern="1200">
         <a:solidFill>
           <a:schemeClr val="tx1"/>
         </a:solidFill>
@@ -431,8 +431,8 @@
         <a:cs typeface="+mn-cs"/>
       </a:defRPr>
     </a:lvl5pPr>
-    <a:lvl6pPr marL="2285757" algn="l" defTabSz="914303" rtl="0" eaLnBrk="1" latinLnBrk="0" hangingPunct="1">
-      <a:defRPr sz="1200" kern="1200">
+    <a:lvl6pPr marL="10283230" algn="l" defTabSz="4113293" rtl="0" eaLnBrk="1" latinLnBrk="0" hangingPunct="1">
+      <a:defRPr sz="5399" kern="1200">
         <a:solidFill>
           <a:schemeClr val="tx1"/>
         </a:solidFill>
@@ -441,8 +441,8 @@
         <a:cs typeface="+mn-cs"/>
       </a:defRPr>
     </a:lvl6pPr>
-    <a:lvl7pPr marL="2742909" algn="l" defTabSz="914303" rtl="0" eaLnBrk="1" latinLnBrk="0" hangingPunct="1">
-      <a:defRPr sz="1200" kern="1200">
+    <a:lvl7pPr marL="12339874" algn="l" defTabSz="4113293" rtl="0" eaLnBrk="1" latinLnBrk="0" hangingPunct="1">
+      <a:defRPr sz="5399" kern="1200">
         <a:solidFill>
           <a:schemeClr val="tx1"/>
         </a:solidFill>
@@ -451,8 +451,8 @@
         <a:cs typeface="+mn-cs"/>
       </a:defRPr>
     </a:lvl7pPr>
-    <a:lvl8pPr marL="3200060" algn="l" defTabSz="914303" rtl="0" eaLnBrk="1" latinLnBrk="0" hangingPunct="1">
-      <a:defRPr sz="1200" kern="1200">
+    <a:lvl8pPr marL="14396519" algn="l" defTabSz="4113293" rtl="0" eaLnBrk="1" latinLnBrk="0" hangingPunct="1">
+      <a:defRPr sz="5399" kern="1200">
         <a:solidFill>
           <a:schemeClr val="tx1"/>
         </a:solidFill>
@@ -461,8 +461,8 @@
         <a:cs typeface="+mn-cs"/>
       </a:defRPr>
     </a:lvl8pPr>
-    <a:lvl9pPr marL="3657212" algn="l" defTabSz="914303" rtl="0" eaLnBrk="1" latinLnBrk="0" hangingPunct="1">
-      <a:defRPr sz="1200" kern="1200">
+    <a:lvl9pPr marL="16453167" algn="l" defTabSz="4113293" rtl="0" eaLnBrk="1" latinLnBrk="0" hangingPunct="1">
+      <a:defRPr sz="5399" kern="1200">
         <a:solidFill>
           <a:schemeClr val="tx1"/>
         </a:solidFill>
@@ -473,6 +473,95 @@
     </a:lvl9pPr>
   </p:notesStyle>
 </p:notesMaster>
+</file>
+
+<file path=ppt/notesSlides/notesSlide1.xml><?xml version="1.0" encoding="utf-8"?>
+<p:notes xmlns:a="http://schemas.openxmlformats.org/drawingml/2006/main" xmlns:r="http://schemas.openxmlformats.org/officeDocument/2006/relationships" xmlns:p="http://schemas.openxmlformats.org/presentationml/2006/main">
+  <p:cSld>
+    <p:spTree>
+      <p:nvGrpSpPr>
+        <p:cNvPr id="1" name=""/>
+        <p:cNvGrpSpPr/>
+        <p:nvPr/>
+      </p:nvGrpSpPr>
+      <p:grpSpPr>
+        <a:xfrm>
+          <a:off x="0" y="0"/>
+          <a:ext cx="0" cy="0"/>
+          <a:chOff x="0" y="0"/>
+          <a:chExt cx="0" cy="0"/>
+        </a:xfrm>
+      </p:grpSpPr>
+      <p:sp>
+        <p:nvSpPr>
+          <p:cNvPr id="2" name="Slide Image Placeholder 1"/>
+          <p:cNvSpPr>
+            <a:spLocks noGrp="1" noRot="1" noChangeAspect="1"/>
+          </p:cNvSpPr>
+          <p:nvPr>
+            <p:ph type="sldImg"/>
+          </p:nvPr>
+        </p:nvSpPr>
+        <p:spPr>
+          <a:xfrm>
+            <a:off x="1714500" y="685800"/>
+            <a:ext cx="3429000" cy="3429000"/>
+          </a:xfrm>
+        </p:spPr>
+      </p:sp>
+      <p:sp>
+        <p:nvSpPr>
+          <p:cNvPr id="3" name="Notes Placeholder 2"/>
+          <p:cNvSpPr>
+            <a:spLocks noGrp="1"/>
+          </p:cNvSpPr>
+          <p:nvPr>
+            <p:ph type="body" idx="1"/>
+          </p:nvPr>
+        </p:nvSpPr>
+        <p:spPr/>
+        <p:txBody>
+          <a:bodyPr/>
+          <a:lstStyle/>
+          <a:p>
+            <a:endParaRPr lang="en-US" dirty="0"/>
+          </a:p>
+        </p:txBody>
+      </p:sp>
+      <p:sp>
+        <p:nvSpPr>
+          <p:cNvPr id="4" name="Slide Number Placeholder 3"/>
+          <p:cNvSpPr>
+            <a:spLocks noGrp="1"/>
+          </p:cNvSpPr>
+          <p:nvPr>
+            <p:ph type="sldNum" sz="quarter" idx="5"/>
+          </p:nvPr>
+        </p:nvSpPr>
+        <p:spPr/>
+        <p:txBody>
+          <a:bodyPr/>
+          <a:lstStyle/>
+          <a:p>
+            <a:fld id="{5A7AB025-77E3-4BD1-A2FD-B3183DBA47A3}" type="slidenum">
+              <a:rPr lang="en-US" smtClean="0"/>
+              <a:t>1</a:t>
+            </a:fld>
+            <a:endParaRPr lang="en-US"/>
+          </a:p>
+        </p:txBody>
+      </p:sp>
+    </p:spTree>
+    <p:extLst>
+      <p:ext uri="{BB962C8B-B14F-4D97-AF65-F5344CB8AC3E}">
+        <p14:creationId xmlns:p14="http://schemas.microsoft.com/office/powerpoint/2010/main" val="4210789132"/>
+      </p:ext>
+    </p:extLst>
+  </p:cSld>
+  <p:clrMapOvr>
+    <a:masterClrMapping/>
+  </p:clrMapOvr>
+</p:notes>
 </file>
 
 <file path=ppt/slideLayouts/slideLayout1.xml><?xml version="1.0" encoding="utf-8"?>
@@ -504,8 +593,8 @@
         </p:nvSpPr>
         <p:spPr>
           <a:xfrm>
-            <a:off x="1080017" y="3914186"/>
-            <a:ext cx="12240181" cy="2700831"/>
+            <a:off x="2699981" y="11183260"/>
+            <a:ext cx="30599777" cy="7716611"/>
           </a:xfrm>
         </p:spPr>
         <p:txBody>
@@ -531,8 +620,8 @@
         </p:nvSpPr>
         <p:spPr>
           <a:xfrm>
-            <a:off x="2160033" y="7139993"/>
-            <a:ext cx="10080149" cy="3219997"/>
+            <a:off x="5399961" y="20399852"/>
+            <a:ext cx="25199817" cy="9199933"/>
           </a:xfrm>
         </p:spPr>
         <p:txBody>
@@ -548,7 +637,7 @@
                 </a:solidFill>
               </a:defRPr>
             </a:lvl1pPr>
-            <a:lvl2pPr marL="457180" indent="0" algn="ctr">
+            <a:lvl2pPr marL="457200" indent="0" algn="ctr">
               <a:buNone/>
               <a:defRPr>
                 <a:solidFill>
@@ -558,7 +647,7 @@
                 </a:solidFill>
               </a:defRPr>
             </a:lvl2pPr>
-            <a:lvl3pPr marL="914359" indent="0" algn="ctr">
+            <a:lvl3pPr marL="914400" indent="0" algn="ctr">
               <a:buNone/>
               <a:defRPr>
                 <a:solidFill>
@@ -568,7 +657,7 @@
                 </a:solidFill>
               </a:defRPr>
             </a:lvl3pPr>
-            <a:lvl4pPr marL="1371540" indent="0" algn="ctr">
+            <a:lvl4pPr marL="1371600" indent="0" algn="ctr">
               <a:buNone/>
               <a:defRPr>
                 <a:solidFill>
@@ -578,7 +667,7 @@
                 </a:solidFill>
               </a:defRPr>
             </a:lvl4pPr>
-            <a:lvl5pPr marL="1828718" indent="0" algn="ctr">
+            <a:lvl5pPr marL="1828800" indent="0" algn="ctr">
               <a:buNone/>
               <a:defRPr>
                 <a:solidFill>
@@ -588,7 +677,7 @@
                 </a:solidFill>
               </a:defRPr>
             </a:lvl5pPr>
-            <a:lvl6pPr marL="2285899" indent="0" algn="ctr">
+            <a:lvl6pPr marL="2286000" indent="0" algn="ctr">
               <a:buNone/>
               <a:defRPr>
                 <a:solidFill>
@@ -598,7 +687,7 @@
                 </a:solidFill>
               </a:defRPr>
             </a:lvl6pPr>
-            <a:lvl7pPr marL="2743077" indent="0" algn="ctr">
+            <a:lvl7pPr marL="2743200" indent="0" algn="ctr">
               <a:buNone/>
               <a:defRPr>
                 <a:solidFill>
@@ -608,7 +697,7 @@
                 </a:solidFill>
               </a:defRPr>
             </a:lvl7pPr>
-            <a:lvl8pPr marL="3200257" indent="0" algn="ctr">
+            <a:lvl8pPr marL="3200400" indent="0" algn="ctr">
               <a:buNone/>
               <a:defRPr>
                 <a:solidFill>
@@ -618,7 +707,7 @@
                 </a:solidFill>
               </a:defRPr>
             </a:lvl8pPr>
-            <a:lvl9pPr marL="3657437" indent="0" algn="ctr">
+            <a:lvl9pPr marL="3657600" indent="0" algn="ctr">
               <a:buNone/>
               <a:defRPr>
                 <a:solidFill>
@@ -654,7 +743,7 @@
           <a:p>
             <a:fld id="{78C97017-6FC3-485B-9764-EAC9E56C1D49}" type="datetimeFigureOut">
               <a:rPr lang="en-US" smtClean="0"/>
-              <a:t>3/21/2019</a:t>
+              <a:t>4/2/2019</a:t>
             </a:fld>
             <a:endParaRPr lang="en-US"/>
           </a:p>
@@ -822,7 +911,7 @@
           <a:p>
             <a:fld id="{78C97017-6FC3-485B-9764-EAC9E56C1D49}" type="datetimeFigureOut">
               <a:rPr lang="en-US" smtClean="0"/>
-              <a:t>3/21/2019</a:t>
+              <a:t>4/2/2019</a:t>
             </a:fld>
             <a:endParaRPr lang="en-US"/>
           </a:p>
@@ -912,8 +1001,8 @@
         </p:nvSpPr>
         <p:spPr>
           <a:xfrm>
-            <a:off x="10440159" y="504607"/>
-            <a:ext cx="3240048" cy="10750823"/>
+            <a:off x="26099810" y="1441667"/>
+            <a:ext cx="8099941" cy="30716443"/>
           </a:xfrm>
         </p:spPr>
         <p:txBody>
@@ -939,8 +1028,8 @@
         </p:nvSpPr>
         <p:spPr>
           <a:xfrm>
-            <a:off x="720011" y="504607"/>
-            <a:ext cx="9480140" cy="10750823"/>
+            <a:off x="1799987" y="1441667"/>
+            <a:ext cx="23699828" cy="30716443"/>
           </a:xfrm>
         </p:spPr>
         <p:txBody>
@@ -1000,7 +1089,7 @@
           <a:p>
             <a:fld id="{78C97017-6FC3-485B-9764-EAC9E56C1D49}" type="datetimeFigureOut">
               <a:rPr lang="en-US" smtClean="0"/>
-              <a:t>3/21/2019</a:t>
+              <a:t>4/2/2019</a:t>
             </a:fld>
             <a:endParaRPr lang="en-US"/>
           </a:p>
@@ -1168,7 +1257,7 @@
           <a:p>
             <a:fld id="{78C97017-6FC3-485B-9764-EAC9E56C1D49}" type="datetimeFigureOut">
               <a:rPr lang="en-US" smtClean="0"/>
-              <a:t>3/21/2019</a:t>
+              <a:t>4/2/2019</a:t>
             </a:fld>
             <a:endParaRPr lang="en-US"/>
           </a:p>
@@ -1258,15 +1347,15 @@
         </p:nvSpPr>
         <p:spPr>
           <a:xfrm>
-            <a:off x="1137519" y="8096682"/>
-            <a:ext cx="12240181" cy="2502498"/>
+            <a:off x="2843731" y="23133173"/>
+            <a:ext cx="30599777" cy="7149948"/>
           </a:xfrm>
         </p:spPr>
         <p:txBody>
           <a:bodyPr anchor="t"/>
           <a:lstStyle>
             <a:lvl1pPr algn="l">
-              <a:defRPr sz="3999" b="1" cap="all"/>
+              <a:defRPr sz="4000" b="1" cap="all"/>
             </a:lvl1pPr>
           </a:lstStyle>
           <a:p>
@@ -1289,8 +1378,8 @@
         </p:nvSpPr>
         <p:spPr>
           <a:xfrm>
-            <a:off x="1137519" y="5340430"/>
-            <a:ext cx="12240181" cy="2756246"/>
+            <a:off x="2843731" y="15258233"/>
+            <a:ext cx="30599777" cy="7874940"/>
           </a:xfrm>
         </p:spPr>
         <p:txBody>
@@ -1306,7 +1395,7 @@
                 </a:solidFill>
               </a:defRPr>
             </a:lvl1pPr>
-            <a:lvl2pPr marL="457180" indent="0">
+            <a:lvl2pPr marL="457200" indent="0">
               <a:buNone/>
               <a:defRPr sz="1800">
                 <a:solidFill>
@@ -1316,7 +1405,7 @@
                 </a:solidFill>
               </a:defRPr>
             </a:lvl2pPr>
-            <a:lvl3pPr marL="914359" indent="0">
+            <a:lvl3pPr marL="914400" indent="0">
               <a:buNone/>
               <a:defRPr sz="1600">
                 <a:solidFill>
@@ -1326,7 +1415,7 @@
                 </a:solidFill>
               </a:defRPr>
             </a:lvl3pPr>
-            <a:lvl4pPr marL="1371540" indent="0">
+            <a:lvl4pPr marL="1371600" indent="0">
               <a:buNone/>
               <a:defRPr sz="1400">
                 <a:solidFill>
@@ -1336,7 +1425,7 @@
                 </a:solidFill>
               </a:defRPr>
             </a:lvl4pPr>
-            <a:lvl5pPr marL="1828718" indent="0">
+            <a:lvl5pPr marL="1828800" indent="0">
               <a:buNone/>
               <a:defRPr sz="1400">
                 <a:solidFill>
@@ -1346,7 +1435,7 @@
                 </a:solidFill>
               </a:defRPr>
             </a:lvl5pPr>
-            <a:lvl6pPr marL="2285899" indent="0">
+            <a:lvl6pPr marL="2286000" indent="0">
               <a:buNone/>
               <a:defRPr sz="1400">
                 <a:solidFill>
@@ -1356,7 +1445,7 @@
                 </a:solidFill>
               </a:defRPr>
             </a:lvl6pPr>
-            <a:lvl7pPr marL="2743077" indent="0">
+            <a:lvl7pPr marL="2743200" indent="0">
               <a:buNone/>
               <a:defRPr sz="1400">
                 <a:solidFill>
@@ -1366,7 +1455,7 @@
                 </a:solidFill>
               </a:defRPr>
             </a:lvl7pPr>
-            <a:lvl8pPr marL="3200257" indent="0">
+            <a:lvl8pPr marL="3200400" indent="0">
               <a:buNone/>
               <a:defRPr sz="1400">
                 <a:solidFill>
@@ -1376,7 +1465,7 @@
                 </a:solidFill>
               </a:defRPr>
             </a:lvl8pPr>
-            <a:lvl9pPr marL="3657437" indent="0">
+            <a:lvl9pPr marL="3657600" indent="0">
               <a:buNone/>
               <a:defRPr sz="1400">
                 <a:solidFill>
@@ -1413,7 +1502,7 @@
           <a:p>
             <a:fld id="{78C97017-6FC3-485B-9764-EAC9E56C1D49}" type="datetimeFigureOut">
               <a:rPr lang="en-US" smtClean="0"/>
-              <a:t>3/21/2019</a:t>
+              <a:t>4/2/2019</a:t>
             </a:fld>
             <a:endParaRPr lang="en-US"/>
           </a:p>
@@ -1525,15 +1614,15 @@
         </p:nvSpPr>
         <p:spPr>
           <a:xfrm>
-            <a:off x="720015" y="2940009"/>
-            <a:ext cx="6360094" cy="8315410"/>
+            <a:off x="1799987" y="8399947"/>
+            <a:ext cx="15899884" cy="23758163"/>
           </a:xfrm>
         </p:spPr>
         <p:txBody>
           <a:bodyPr/>
           <a:lstStyle>
             <a:lvl1pPr>
-              <a:defRPr sz="2799"/>
+              <a:defRPr sz="2800"/>
             </a:lvl1pPr>
             <a:lvl2pPr>
               <a:defRPr sz="2400"/>
@@ -1609,15 +1698,15 @@
         </p:nvSpPr>
         <p:spPr>
           <a:xfrm>
-            <a:off x="7320113" y="2940009"/>
-            <a:ext cx="6360094" cy="8315410"/>
+            <a:off x="18299867" y="8399947"/>
+            <a:ext cx="15899884" cy="23758163"/>
           </a:xfrm>
         </p:spPr>
         <p:txBody>
           <a:bodyPr/>
           <a:lstStyle>
             <a:lvl1pPr>
-              <a:defRPr sz="2799"/>
+              <a:defRPr sz="2800"/>
             </a:lvl1pPr>
             <a:lvl2pPr>
               <a:defRPr sz="2400"/>
@@ -1698,7 +1787,7 @@
           <a:p>
             <a:fld id="{78C97017-6FC3-485B-9764-EAC9E56C1D49}" type="datetimeFigureOut">
               <a:rPr lang="en-US" smtClean="0"/>
-              <a:t>3/21/2019</a:t>
+              <a:t>4/2/2019</a:t>
             </a:fld>
             <a:endParaRPr lang="en-US"/>
           </a:p>
@@ -1814,8 +1903,8 @@
         </p:nvSpPr>
         <p:spPr>
           <a:xfrm>
-            <a:off x="720018" y="2820418"/>
-            <a:ext cx="6362595" cy="1175415"/>
+            <a:off x="1799987" y="8058277"/>
+            <a:ext cx="15906136" cy="3358306"/>
           </a:xfrm>
         </p:spPr>
         <p:txBody>
@@ -1825,35 +1914,35 @@
               <a:buNone/>
               <a:defRPr sz="2400" b="1"/>
             </a:lvl1pPr>
-            <a:lvl2pPr marL="457180" indent="0">
+            <a:lvl2pPr marL="457200" indent="0">
               <a:buNone/>
               <a:defRPr sz="2000" b="1"/>
             </a:lvl2pPr>
-            <a:lvl3pPr marL="914359" indent="0">
+            <a:lvl3pPr marL="914400" indent="0">
               <a:buNone/>
               <a:defRPr sz="1800" b="1"/>
             </a:lvl3pPr>
-            <a:lvl4pPr marL="1371540" indent="0">
+            <a:lvl4pPr marL="1371600" indent="0">
               <a:buNone/>
               <a:defRPr sz="1600" b="1"/>
             </a:lvl4pPr>
-            <a:lvl5pPr marL="1828718" indent="0">
+            <a:lvl5pPr marL="1828800" indent="0">
               <a:buNone/>
               <a:defRPr sz="1600" b="1"/>
             </a:lvl5pPr>
-            <a:lvl6pPr marL="2285899" indent="0">
+            <a:lvl6pPr marL="2286000" indent="0">
               <a:buNone/>
               <a:defRPr sz="1600" b="1"/>
             </a:lvl6pPr>
-            <a:lvl7pPr marL="2743077" indent="0">
+            <a:lvl7pPr marL="2743200" indent="0">
               <a:buNone/>
               <a:defRPr sz="1600" b="1"/>
             </a:lvl7pPr>
-            <a:lvl8pPr marL="3200257" indent="0">
+            <a:lvl8pPr marL="3200400" indent="0">
               <a:buNone/>
               <a:defRPr sz="1600" b="1"/>
             </a:lvl8pPr>
-            <a:lvl9pPr marL="3657437" indent="0">
+            <a:lvl9pPr marL="3657600" indent="0">
               <a:buNone/>
               <a:defRPr sz="1600" b="1"/>
             </a:lvl9pPr>
@@ -1879,8 +1968,8 @@
         </p:nvSpPr>
         <p:spPr>
           <a:xfrm>
-            <a:off x="720018" y="3995833"/>
-            <a:ext cx="6362595" cy="7259577"/>
+            <a:off x="1799987" y="11416584"/>
+            <a:ext cx="15906136" cy="20741518"/>
           </a:xfrm>
         </p:spPr>
         <p:txBody>
@@ -1963,8 +2052,8 @@
         </p:nvSpPr>
         <p:spPr>
           <a:xfrm>
-            <a:off x="7315120" y="2820418"/>
-            <a:ext cx="6365094" cy="1175415"/>
+            <a:off x="18287373" y="8058277"/>
+            <a:ext cx="15912384" cy="3358306"/>
           </a:xfrm>
         </p:spPr>
         <p:txBody>
@@ -1974,35 +2063,35 @@
               <a:buNone/>
               <a:defRPr sz="2400" b="1"/>
             </a:lvl1pPr>
-            <a:lvl2pPr marL="457180" indent="0">
+            <a:lvl2pPr marL="457200" indent="0">
               <a:buNone/>
               <a:defRPr sz="2000" b="1"/>
             </a:lvl2pPr>
-            <a:lvl3pPr marL="914359" indent="0">
+            <a:lvl3pPr marL="914400" indent="0">
               <a:buNone/>
               <a:defRPr sz="1800" b="1"/>
             </a:lvl3pPr>
-            <a:lvl4pPr marL="1371540" indent="0">
+            <a:lvl4pPr marL="1371600" indent="0">
               <a:buNone/>
               <a:defRPr sz="1600" b="1"/>
             </a:lvl4pPr>
-            <a:lvl5pPr marL="1828718" indent="0">
+            <a:lvl5pPr marL="1828800" indent="0">
               <a:buNone/>
               <a:defRPr sz="1600" b="1"/>
             </a:lvl5pPr>
-            <a:lvl6pPr marL="2285899" indent="0">
+            <a:lvl6pPr marL="2286000" indent="0">
               <a:buNone/>
               <a:defRPr sz="1600" b="1"/>
             </a:lvl6pPr>
-            <a:lvl7pPr marL="2743077" indent="0">
+            <a:lvl7pPr marL="2743200" indent="0">
               <a:buNone/>
               <a:defRPr sz="1600" b="1"/>
             </a:lvl7pPr>
-            <a:lvl8pPr marL="3200257" indent="0">
+            <a:lvl8pPr marL="3200400" indent="0">
               <a:buNone/>
               <a:defRPr sz="1600" b="1"/>
             </a:lvl8pPr>
-            <a:lvl9pPr marL="3657437" indent="0">
+            <a:lvl9pPr marL="3657600" indent="0">
               <a:buNone/>
               <a:defRPr sz="1600" b="1"/>
             </a:lvl9pPr>
@@ -2028,8 +2117,8 @@
         </p:nvSpPr>
         <p:spPr>
           <a:xfrm>
-            <a:off x="7315120" y="3995833"/>
-            <a:ext cx="6365094" cy="7259577"/>
+            <a:off x="18287373" y="11416584"/>
+            <a:ext cx="15912384" cy="20741518"/>
           </a:xfrm>
         </p:spPr>
         <p:txBody>
@@ -2117,7 +2206,7 @@
           <a:p>
             <a:fld id="{78C97017-6FC3-485B-9764-EAC9E56C1D49}" type="datetimeFigureOut">
               <a:rPr lang="en-US" smtClean="0"/>
-              <a:t>3/21/2019</a:t>
+              <a:t>4/2/2019</a:t>
             </a:fld>
             <a:endParaRPr lang="en-US"/>
           </a:p>
@@ -2234,7 +2323,7 @@
           <a:p>
             <a:fld id="{78C97017-6FC3-485B-9764-EAC9E56C1D49}" type="datetimeFigureOut">
               <a:rPr lang="en-US" smtClean="0"/>
-              <a:t>3/21/2019</a:t>
+              <a:t>4/2/2019</a:t>
             </a:fld>
             <a:endParaRPr lang="en-US"/>
           </a:p>
@@ -2329,7 +2418,7 @@
           <a:p>
             <a:fld id="{78C97017-6FC3-485B-9764-EAC9E56C1D49}" type="datetimeFigureOut">
               <a:rPr lang="en-US" smtClean="0"/>
-              <a:t>3/21/2019</a:t>
+              <a:t>4/2/2019</a:t>
             </a:fld>
             <a:endParaRPr lang="en-US"/>
           </a:p>
@@ -2419,8 +2508,8 @@
         </p:nvSpPr>
         <p:spPr>
           <a:xfrm>
-            <a:off x="720016" y="501666"/>
-            <a:ext cx="4737571" cy="2134998"/>
+            <a:off x="1799993" y="1433323"/>
+            <a:ext cx="11843666" cy="6099956"/>
           </a:xfrm>
         </p:spPr>
         <p:txBody>
@@ -2450,8 +2539,8 @@
         </p:nvSpPr>
         <p:spPr>
           <a:xfrm>
-            <a:off x="5630091" y="501685"/>
-            <a:ext cx="8050119" cy="10753741"/>
+            <a:off x="14074897" y="1433331"/>
+            <a:ext cx="20124854" cy="30724779"/>
           </a:xfrm>
         </p:spPr>
         <p:txBody>
@@ -2461,7 +2550,7 @@
               <a:defRPr sz="3200"/>
             </a:lvl1pPr>
             <a:lvl2pPr>
-              <a:defRPr sz="2799"/>
+              <a:defRPr sz="2800"/>
             </a:lvl2pPr>
             <a:lvl3pPr>
               <a:defRPr sz="2400"/>
@@ -2534,8 +2623,8 @@
         </p:nvSpPr>
         <p:spPr>
           <a:xfrm>
-            <a:off x="720016" y="2636670"/>
-            <a:ext cx="4737571" cy="8618743"/>
+            <a:off x="1799993" y="7533287"/>
+            <a:ext cx="11843666" cy="24624823"/>
           </a:xfrm>
         </p:spPr>
         <p:txBody>
@@ -2545,35 +2634,35 @@
               <a:buNone/>
               <a:defRPr sz="1400"/>
             </a:lvl1pPr>
-            <a:lvl2pPr marL="457180" indent="0">
+            <a:lvl2pPr marL="457200" indent="0">
               <a:buNone/>
               <a:defRPr sz="1200"/>
             </a:lvl2pPr>
-            <a:lvl3pPr marL="914359" indent="0">
+            <a:lvl3pPr marL="914400" indent="0">
               <a:buNone/>
               <a:defRPr sz="1000"/>
             </a:lvl3pPr>
-            <a:lvl4pPr marL="1371540" indent="0">
+            <a:lvl4pPr marL="1371600" indent="0">
               <a:buNone/>
               <a:defRPr sz="900"/>
             </a:lvl4pPr>
-            <a:lvl5pPr marL="1828718" indent="0">
+            <a:lvl5pPr marL="1828800" indent="0">
               <a:buNone/>
               <a:defRPr sz="900"/>
             </a:lvl5pPr>
-            <a:lvl6pPr marL="2285899" indent="0">
+            <a:lvl6pPr marL="2286000" indent="0">
               <a:buNone/>
               <a:defRPr sz="900"/>
             </a:lvl6pPr>
-            <a:lvl7pPr marL="2743077" indent="0">
+            <a:lvl7pPr marL="2743200" indent="0">
               <a:buNone/>
               <a:defRPr sz="900"/>
             </a:lvl7pPr>
-            <a:lvl8pPr marL="3200257" indent="0">
+            <a:lvl8pPr marL="3200400" indent="0">
               <a:buNone/>
               <a:defRPr sz="900"/>
             </a:lvl8pPr>
-            <a:lvl9pPr marL="3657437" indent="0">
+            <a:lvl9pPr marL="3657600" indent="0">
               <a:buNone/>
               <a:defRPr sz="900"/>
             </a:lvl9pPr>
@@ -2604,7 +2693,7 @@
           <a:p>
             <a:fld id="{78C97017-6FC3-485B-9764-EAC9E56C1D49}" type="datetimeFigureOut">
               <a:rPr lang="en-US" smtClean="0"/>
-              <a:t>3/21/2019</a:t>
+              <a:t>4/2/2019</a:t>
             </a:fld>
             <a:endParaRPr lang="en-US"/>
           </a:p>
@@ -2694,8 +2783,8 @@
         </p:nvSpPr>
         <p:spPr>
           <a:xfrm>
-            <a:off x="2822542" y="8819995"/>
-            <a:ext cx="8640128" cy="1041250"/>
+            <a:off x="7056201" y="25199817"/>
+            <a:ext cx="21599843" cy="2974981"/>
           </a:xfrm>
         </p:spPr>
         <p:txBody>
@@ -2725,8 +2814,8 @@
         </p:nvSpPr>
         <p:spPr>
           <a:xfrm>
-            <a:off x="2822542" y="1125832"/>
-            <a:ext cx="8640128" cy="7559993"/>
+            <a:off x="7056201" y="3216643"/>
+            <a:ext cx="21599843" cy="21599843"/>
           </a:xfrm>
         </p:spPr>
         <p:txBody>
@@ -2736,35 +2825,35 @@
               <a:buNone/>
               <a:defRPr sz="3200"/>
             </a:lvl1pPr>
-            <a:lvl2pPr marL="457180" indent="0">
+            <a:lvl2pPr marL="457200" indent="0">
               <a:buNone/>
-              <a:defRPr sz="2799"/>
+              <a:defRPr sz="2800"/>
             </a:lvl2pPr>
-            <a:lvl3pPr marL="914359" indent="0">
+            <a:lvl3pPr marL="914400" indent="0">
               <a:buNone/>
               <a:defRPr sz="2400"/>
             </a:lvl3pPr>
-            <a:lvl4pPr marL="1371540" indent="0">
+            <a:lvl4pPr marL="1371600" indent="0">
               <a:buNone/>
               <a:defRPr sz="2000"/>
             </a:lvl4pPr>
-            <a:lvl5pPr marL="1828718" indent="0">
+            <a:lvl5pPr marL="1828800" indent="0">
               <a:buNone/>
               <a:defRPr sz="2000"/>
             </a:lvl5pPr>
-            <a:lvl6pPr marL="2285899" indent="0">
+            <a:lvl6pPr marL="2286000" indent="0">
               <a:buNone/>
               <a:defRPr sz="2000"/>
             </a:lvl6pPr>
-            <a:lvl7pPr marL="2743077" indent="0">
+            <a:lvl7pPr marL="2743200" indent="0">
               <a:buNone/>
               <a:defRPr sz="2000"/>
             </a:lvl7pPr>
-            <a:lvl8pPr marL="3200257" indent="0">
+            <a:lvl8pPr marL="3200400" indent="0">
               <a:buNone/>
               <a:defRPr sz="2000"/>
             </a:lvl8pPr>
-            <a:lvl9pPr marL="3657437" indent="0">
+            <a:lvl9pPr marL="3657600" indent="0">
               <a:buNone/>
               <a:defRPr sz="2000"/>
             </a:lvl9pPr>
@@ -2786,8 +2875,8 @@
         </p:nvSpPr>
         <p:spPr>
           <a:xfrm>
-            <a:off x="2822542" y="9861245"/>
-            <a:ext cx="8640128" cy="1478748"/>
+            <a:off x="7056201" y="28174797"/>
+            <a:ext cx="21599843" cy="4224967"/>
           </a:xfrm>
         </p:spPr>
         <p:txBody>
@@ -2797,35 +2886,35 @@
               <a:buNone/>
               <a:defRPr sz="1400"/>
             </a:lvl1pPr>
-            <a:lvl2pPr marL="457180" indent="0">
+            <a:lvl2pPr marL="457200" indent="0">
               <a:buNone/>
               <a:defRPr sz="1200"/>
             </a:lvl2pPr>
-            <a:lvl3pPr marL="914359" indent="0">
+            <a:lvl3pPr marL="914400" indent="0">
               <a:buNone/>
               <a:defRPr sz="1000"/>
             </a:lvl3pPr>
-            <a:lvl4pPr marL="1371540" indent="0">
+            <a:lvl4pPr marL="1371600" indent="0">
               <a:buNone/>
               <a:defRPr sz="900"/>
             </a:lvl4pPr>
-            <a:lvl5pPr marL="1828718" indent="0">
+            <a:lvl5pPr marL="1828800" indent="0">
               <a:buNone/>
               <a:defRPr sz="900"/>
             </a:lvl5pPr>
-            <a:lvl6pPr marL="2285899" indent="0">
+            <a:lvl6pPr marL="2286000" indent="0">
               <a:buNone/>
               <a:defRPr sz="900"/>
             </a:lvl6pPr>
-            <a:lvl7pPr marL="2743077" indent="0">
+            <a:lvl7pPr marL="2743200" indent="0">
               <a:buNone/>
               <a:defRPr sz="900"/>
             </a:lvl7pPr>
-            <a:lvl8pPr marL="3200257" indent="0">
+            <a:lvl8pPr marL="3200400" indent="0">
               <a:buNone/>
               <a:defRPr sz="900"/>
             </a:lvl8pPr>
-            <a:lvl9pPr marL="3657437" indent="0">
+            <a:lvl9pPr marL="3657600" indent="0">
               <a:buNone/>
               <a:defRPr sz="900"/>
             </a:lvl9pPr>
@@ -2856,7 +2945,7 @@
           <a:p>
             <a:fld id="{78C97017-6FC3-485B-9764-EAC9E56C1D49}" type="datetimeFigureOut">
               <a:rPr lang="en-US" smtClean="0"/>
-              <a:t>3/21/2019</a:t>
+              <a:t>4/2/2019</a:t>
             </a:fld>
             <a:endParaRPr lang="en-US"/>
           </a:p>
@@ -2951,8 +3040,8 @@
         </p:nvSpPr>
         <p:spPr>
           <a:xfrm>
-            <a:off x="720015" y="504584"/>
-            <a:ext cx="12960192" cy="2099998"/>
+            <a:off x="1799987" y="1441659"/>
+            <a:ext cx="32399764" cy="5999956"/>
           </a:xfrm>
           <a:prstGeom prst="rect">
             <a:avLst/>
@@ -2983,8 +3072,8 @@
         </p:nvSpPr>
         <p:spPr>
           <a:xfrm>
-            <a:off x="720015" y="2940009"/>
-            <a:ext cx="12960192" cy="8315410"/>
+            <a:off x="1799987" y="8399947"/>
+            <a:ext cx="32399764" cy="23758163"/>
           </a:xfrm>
           <a:prstGeom prst="rect">
             <a:avLst/>
@@ -3044,8 +3133,8 @@
         </p:nvSpPr>
         <p:spPr>
           <a:xfrm>
-            <a:off x="720014" y="11678345"/>
-            <a:ext cx="3360050" cy="670833"/>
+            <a:off x="1799987" y="33366432"/>
+            <a:ext cx="8399939" cy="1916653"/>
           </a:xfrm>
           <a:prstGeom prst="rect">
             <a:avLst/>
@@ -3067,7 +3156,7 @@
           <a:p>
             <a:fld id="{78C97017-6FC3-485B-9764-EAC9E56C1D49}" type="datetimeFigureOut">
               <a:rPr lang="en-US" smtClean="0"/>
-              <a:t>3/21/2019</a:t>
+              <a:t>4/2/2019</a:t>
             </a:fld>
             <a:endParaRPr lang="en-US"/>
           </a:p>
@@ -3085,8 +3174,8 @@
         </p:nvSpPr>
         <p:spPr>
           <a:xfrm>
-            <a:off x="4920074" y="11678345"/>
-            <a:ext cx="4560067" cy="670833"/>
+            <a:off x="12299911" y="33366432"/>
+            <a:ext cx="11399917" cy="1916653"/>
           </a:xfrm>
           <a:prstGeom prst="rect">
             <a:avLst/>
@@ -3122,8 +3211,8 @@
         </p:nvSpPr>
         <p:spPr>
           <a:xfrm>
-            <a:off x="10320155" y="11678345"/>
-            <a:ext cx="3360050" cy="670833"/>
+            <a:off x="25799812" y="33366432"/>
+            <a:ext cx="8399939" cy="1916653"/>
           </a:xfrm>
           <a:prstGeom prst="rect">
             <a:avLst/>
@@ -3174,7 +3263,7 @@
   </p:sldLayoutIdLst>
   <p:txStyles>
     <p:titleStyle>
-      <a:lvl1pPr algn="ctr" defTabSz="914359" rtl="0" eaLnBrk="1" latinLnBrk="0" hangingPunct="1">
+      <a:lvl1pPr algn="ctr" defTabSz="914400" rtl="0" eaLnBrk="1" latinLnBrk="0" hangingPunct="1">
         <a:spcBef>
           <a:spcPct val="0"/>
         </a:spcBef>
@@ -3190,7 +3279,7 @@
       </a:lvl1pPr>
     </p:titleStyle>
     <p:bodyStyle>
-      <a:lvl1pPr marL="342884" indent="-342884" algn="l" defTabSz="914359" rtl="0" eaLnBrk="1" latinLnBrk="0" hangingPunct="1">
+      <a:lvl1pPr marL="342900" indent="-342900" algn="l" defTabSz="914400" rtl="0" eaLnBrk="1" latinLnBrk="0" hangingPunct="1">
         <a:spcBef>
           <a:spcPct val="20000"/>
         </a:spcBef>
@@ -3205,13 +3294,13 @@
           <a:cs typeface="+mn-cs"/>
         </a:defRPr>
       </a:lvl1pPr>
-      <a:lvl2pPr marL="742918" indent="-285737" algn="l" defTabSz="914359" rtl="0" eaLnBrk="1" latinLnBrk="0" hangingPunct="1">
+      <a:lvl2pPr marL="742950" indent="-285750" algn="l" defTabSz="914400" rtl="0" eaLnBrk="1" latinLnBrk="0" hangingPunct="1">
         <a:spcBef>
           <a:spcPct val="20000"/>
         </a:spcBef>
         <a:buFont typeface="Arial" panose="020B0604020202020204" pitchFamily="34" charset="0"/>
         <a:buChar char="–"/>
-        <a:defRPr sz="2799" kern="1200">
+        <a:defRPr sz="2800" kern="1200">
           <a:solidFill>
             <a:schemeClr val="tx1"/>
           </a:solidFill>
@@ -3220,7 +3309,7 @@
           <a:cs typeface="+mn-cs"/>
         </a:defRPr>
       </a:lvl2pPr>
-      <a:lvl3pPr marL="1142949" indent="-228589" algn="l" defTabSz="914359" rtl="0" eaLnBrk="1" latinLnBrk="0" hangingPunct="1">
+      <a:lvl3pPr marL="1143000" indent="-228600" algn="l" defTabSz="914400" rtl="0" eaLnBrk="1" latinLnBrk="0" hangingPunct="1">
         <a:spcBef>
           <a:spcPct val="20000"/>
         </a:spcBef>
@@ -3235,7 +3324,7 @@
           <a:cs typeface="+mn-cs"/>
         </a:defRPr>
       </a:lvl3pPr>
-      <a:lvl4pPr marL="1600128" indent="-228589" algn="l" defTabSz="914359" rtl="0" eaLnBrk="1" latinLnBrk="0" hangingPunct="1">
+      <a:lvl4pPr marL="1600200" indent="-228600" algn="l" defTabSz="914400" rtl="0" eaLnBrk="1" latinLnBrk="0" hangingPunct="1">
         <a:spcBef>
           <a:spcPct val="20000"/>
         </a:spcBef>
@@ -3250,7 +3339,7 @@
           <a:cs typeface="+mn-cs"/>
         </a:defRPr>
       </a:lvl4pPr>
-      <a:lvl5pPr marL="2057307" indent="-228589" algn="l" defTabSz="914359" rtl="0" eaLnBrk="1" latinLnBrk="0" hangingPunct="1">
+      <a:lvl5pPr marL="2057400" indent="-228600" algn="l" defTabSz="914400" rtl="0" eaLnBrk="1" latinLnBrk="0" hangingPunct="1">
         <a:spcBef>
           <a:spcPct val="20000"/>
         </a:spcBef>
@@ -3265,7 +3354,7 @@
           <a:cs typeface="+mn-cs"/>
         </a:defRPr>
       </a:lvl5pPr>
-      <a:lvl6pPr marL="2514487" indent="-228589" algn="l" defTabSz="914359" rtl="0" eaLnBrk="1" latinLnBrk="0" hangingPunct="1">
+      <a:lvl6pPr marL="2514600" indent="-228600" algn="l" defTabSz="914400" rtl="0" eaLnBrk="1" latinLnBrk="0" hangingPunct="1">
         <a:spcBef>
           <a:spcPct val="20000"/>
         </a:spcBef>
@@ -3280,7 +3369,7 @@
           <a:cs typeface="+mn-cs"/>
         </a:defRPr>
       </a:lvl6pPr>
-      <a:lvl7pPr marL="2971667" indent="-228589" algn="l" defTabSz="914359" rtl="0" eaLnBrk="1" latinLnBrk="0" hangingPunct="1">
+      <a:lvl7pPr marL="2971800" indent="-228600" algn="l" defTabSz="914400" rtl="0" eaLnBrk="1" latinLnBrk="0" hangingPunct="1">
         <a:spcBef>
           <a:spcPct val="20000"/>
         </a:spcBef>
@@ -3295,7 +3384,7 @@
           <a:cs typeface="+mn-cs"/>
         </a:defRPr>
       </a:lvl7pPr>
-      <a:lvl8pPr marL="3428847" indent="-228589" algn="l" defTabSz="914359" rtl="0" eaLnBrk="1" latinLnBrk="0" hangingPunct="1">
+      <a:lvl8pPr marL="3429000" indent="-228600" algn="l" defTabSz="914400" rtl="0" eaLnBrk="1" latinLnBrk="0" hangingPunct="1">
         <a:spcBef>
           <a:spcPct val="20000"/>
         </a:spcBef>
@@ -3310,7 +3399,7 @@
           <a:cs typeface="+mn-cs"/>
         </a:defRPr>
       </a:lvl8pPr>
-      <a:lvl9pPr marL="3886028" indent="-228589" algn="l" defTabSz="914359" rtl="0" eaLnBrk="1" latinLnBrk="0" hangingPunct="1">
+      <a:lvl9pPr marL="3886200" indent="-228600" algn="l" defTabSz="914400" rtl="0" eaLnBrk="1" latinLnBrk="0" hangingPunct="1">
         <a:spcBef>
           <a:spcPct val="20000"/>
         </a:spcBef>
@@ -3330,7 +3419,7 @@
       <a:defPPr>
         <a:defRPr lang="en-US"/>
       </a:defPPr>
-      <a:lvl1pPr marL="0" algn="l" defTabSz="914359" rtl="0" eaLnBrk="1" latinLnBrk="0" hangingPunct="1">
+      <a:lvl1pPr marL="0" algn="l" defTabSz="914400" rtl="0" eaLnBrk="1" latinLnBrk="0" hangingPunct="1">
         <a:defRPr sz="1800" kern="1200">
           <a:solidFill>
             <a:schemeClr val="tx1"/>
@@ -3340,7 +3429,7 @@
           <a:cs typeface="+mn-cs"/>
         </a:defRPr>
       </a:lvl1pPr>
-      <a:lvl2pPr marL="457180" algn="l" defTabSz="914359" rtl="0" eaLnBrk="1" latinLnBrk="0" hangingPunct="1">
+      <a:lvl2pPr marL="457200" algn="l" defTabSz="914400" rtl="0" eaLnBrk="1" latinLnBrk="0" hangingPunct="1">
         <a:defRPr sz="1800" kern="1200">
           <a:solidFill>
             <a:schemeClr val="tx1"/>
@@ -3350,7 +3439,7 @@
           <a:cs typeface="+mn-cs"/>
         </a:defRPr>
       </a:lvl2pPr>
-      <a:lvl3pPr marL="914359" algn="l" defTabSz="914359" rtl="0" eaLnBrk="1" latinLnBrk="0" hangingPunct="1">
+      <a:lvl3pPr marL="914400" algn="l" defTabSz="914400" rtl="0" eaLnBrk="1" latinLnBrk="0" hangingPunct="1">
         <a:defRPr sz="1800" kern="1200">
           <a:solidFill>
             <a:schemeClr val="tx1"/>
@@ -3360,7 +3449,7 @@
           <a:cs typeface="+mn-cs"/>
         </a:defRPr>
       </a:lvl3pPr>
-      <a:lvl4pPr marL="1371540" algn="l" defTabSz="914359" rtl="0" eaLnBrk="1" latinLnBrk="0" hangingPunct="1">
+      <a:lvl4pPr marL="1371600" algn="l" defTabSz="914400" rtl="0" eaLnBrk="1" latinLnBrk="0" hangingPunct="1">
         <a:defRPr sz="1800" kern="1200">
           <a:solidFill>
             <a:schemeClr val="tx1"/>
@@ -3370,7 +3459,7 @@
           <a:cs typeface="+mn-cs"/>
         </a:defRPr>
       </a:lvl4pPr>
-      <a:lvl5pPr marL="1828718" algn="l" defTabSz="914359" rtl="0" eaLnBrk="1" latinLnBrk="0" hangingPunct="1">
+      <a:lvl5pPr marL="1828800" algn="l" defTabSz="914400" rtl="0" eaLnBrk="1" latinLnBrk="0" hangingPunct="1">
         <a:defRPr sz="1800" kern="1200">
           <a:solidFill>
             <a:schemeClr val="tx1"/>
@@ -3380,7 +3469,7 @@
           <a:cs typeface="+mn-cs"/>
         </a:defRPr>
       </a:lvl5pPr>
-      <a:lvl6pPr marL="2285899" algn="l" defTabSz="914359" rtl="0" eaLnBrk="1" latinLnBrk="0" hangingPunct="1">
+      <a:lvl6pPr marL="2286000" algn="l" defTabSz="914400" rtl="0" eaLnBrk="1" latinLnBrk="0" hangingPunct="1">
         <a:defRPr sz="1800" kern="1200">
           <a:solidFill>
             <a:schemeClr val="tx1"/>
@@ -3390,7 +3479,7 @@
           <a:cs typeface="+mn-cs"/>
         </a:defRPr>
       </a:lvl6pPr>
-      <a:lvl7pPr marL="2743077" algn="l" defTabSz="914359" rtl="0" eaLnBrk="1" latinLnBrk="0" hangingPunct="1">
+      <a:lvl7pPr marL="2743200" algn="l" defTabSz="914400" rtl="0" eaLnBrk="1" latinLnBrk="0" hangingPunct="1">
         <a:defRPr sz="1800" kern="1200">
           <a:solidFill>
             <a:schemeClr val="tx1"/>
@@ -3400,7 +3489,7 @@
           <a:cs typeface="+mn-cs"/>
         </a:defRPr>
       </a:lvl7pPr>
-      <a:lvl8pPr marL="3200257" algn="l" defTabSz="914359" rtl="0" eaLnBrk="1" latinLnBrk="0" hangingPunct="1">
+      <a:lvl8pPr marL="3200400" algn="l" defTabSz="914400" rtl="0" eaLnBrk="1" latinLnBrk="0" hangingPunct="1">
         <a:defRPr sz="1800" kern="1200">
           <a:solidFill>
             <a:schemeClr val="tx1"/>
@@ -3410,7 +3499,7 @@
           <a:cs typeface="+mn-cs"/>
         </a:defRPr>
       </a:lvl8pPr>
-      <a:lvl9pPr marL="3657437" algn="l" defTabSz="914359" rtl="0" eaLnBrk="1" latinLnBrk="0" hangingPunct="1">
+      <a:lvl9pPr marL="3657600" algn="l" defTabSz="914400" rtl="0" eaLnBrk="1" latinLnBrk="0" hangingPunct="1">
         <a:defRPr sz="1800" kern="1200">
           <a:solidFill>
             <a:schemeClr val="tx1"/>
@@ -3442,1585 +3531,199 @@
           <a:chExt cx="0" cy="0"/>
         </a:xfrm>
       </p:grpSpPr>
-      <p:grpSp>
-        <p:nvGrpSpPr>
-          <p:cNvPr id="166" name="组合 165">
-            <a:extLst>
-              <a:ext uri="{FF2B5EF4-FFF2-40B4-BE49-F238E27FC236}">
-                <a16:creationId xmlns:a16="http://schemas.microsoft.com/office/drawing/2014/main" id="{673ED75C-6976-4B3E-9330-86901F686F37}"/>
-              </a:ext>
-            </a:extLst>
-          </p:cNvPr>
-          <p:cNvGrpSpPr>
-            <a:grpSpLocks/>
-          </p:cNvGrpSpPr>
+      <p:sp>
+        <p:nvSpPr>
+          <p:cNvPr id="56" name="Rectangle 65"/>
+          <p:cNvSpPr/>
           <p:nvPr/>
-        </p:nvGrpSpPr>
-        <p:grpSpPr>
-          <a:xfrm>
-            <a:off x="3009106" y="1956594"/>
-            <a:ext cx="10515979" cy="4851012"/>
-            <a:chOff x="4283572" y="46850"/>
-            <a:chExt cx="10515979" cy="4851012"/>
-          </a:xfrm>
-        </p:grpSpPr>
-        <p:sp>
-          <p:nvSpPr>
-            <p:cNvPr id="81" name="Rectangle 65"/>
-            <p:cNvSpPr/>
-            <p:nvPr/>
-          </p:nvSpPr>
-          <p:spPr>
-            <a:xfrm>
-              <a:off x="4573989" y="46850"/>
-              <a:ext cx="9294926" cy="4851012"/>
-            </a:xfrm>
-            <a:prstGeom prst="roundRect">
-              <a:avLst>
-                <a:gd name="adj" fmla="val 3484"/>
-              </a:avLst>
-            </a:prstGeom>
-            <a:solidFill>
-              <a:schemeClr val="accent1">
-                <a:lumMod val="20000"/>
-                <a:lumOff val="80000"/>
-              </a:schemeClr>
-            </a:solidFill>
-            <a:ln w="19050">
-              <a:noFill/>
-            </a:ln>
-            <a:effectLst/>
-          </p:spPr>
-          <p:style>
-            <a:lnRef idx="1">
-              <a:schemeClr val="accent2"/>
-            </a:lnRef>
-            <a:fillRef idx="2">
-              <a:schemeClr val="accent2"/>
-            </a:fillRef>
-            <a:effectRef idx="1">
-              <a:schemeClr val="accent2"/>
-            </a:effectRef>
-            <a:fontRef idx="minor">
-              <a:schemeClr val="dk1"/>
-            </a:fontRef>
-          </p:style>
-          <p:txBody>
-            <a:bodyPr rtlCol="0" anchor="t"/>
-            <a:lstStyle/>
-            <a:p>
-              <a:r>
-                <a:rPr lang="en-US" sz="1200" b="1" dirty="0">
-                  <a:solidFill>
-                    <a:srgbClr val="0070C0"/>
-                  </a:solidFill>
-                </a:rPr>
-                <a:t>Logic</a:t>
-              </a:r>
-              <a:endParaRPr lang="en-SG" sz="1200" b="1" dirty="0">
+        </p:nvSpPr>
+        <p:spPr>
+          <a:xfrm>
+            <a:off x="25564490" y="15036892"/>
+            <a:ext cx="2644914" cy="8307919"/>
+          </a:xfrm>
+          <a:prstGeom prst="roundRect">
+            <a:avLst>
+              <a:gd name="adj" fmla="val 3484"/>
+            </a:avLst>
+          </a:prstGeom>
+          <a:solidFill>
+            <a:schemeClr val="accent4">
+              <a:lumMod val="20000"/>
+              <a:lumOff val="80000"/>
+            </a:schemeClr>
+          </a:solidFill>
+          <a:ln w="19050">
+            <a:noFill/>
+          </a:ln>
+          <a:effectLst/>
+        </p:spPr>
+        <p:style>
+          <a:lnRef idx="1">
+            <a:schemeClr val="accent2"/>
+          </a:lnRef>
+          <a:fillRef idx="2">
+            <a:schemeClr val="accent2"/>
+          </a:fillRef>
+          <a:effectRef idx="1">
+            <a:schemeClr val="accent2"/>
+          </a:effectRef>
+          <a:fontRef idx="minor">
+            <a:schemeClr val="dk1"/>
+          </a:fontRef>
+        </p:style>
+        <p:txBody>
+          <a:bodyPr rtlCol="0" anchor="t"/>
+          <a:lstStyle/>
+          <a:p>
+            <a:r>
+              <a:rPr lang="en-US" sz="1200" b="1" dirty="0">
+                <a:solidFill>
+                  <a:srgbClr val="7030A0"/>
+                </a:solidFill>
+              </a:rPr>
+              <a:t>Model</a:t>
+            </a:r>
+            <a:endParaRPr lang="en-SG" sz="1200" b="1" dirty="0">
+              <a:solidFill>
+                <a:srgbClr val="7030A0"/>
+              </a:solidFill>
+            </a:endParaRPr>
+          </a:p>
+        </p:txBody>
+      </p:sp>
+      <p:sp>
+        <p:nvSpPr>
+          <p:cNvPr id="81" name="Rectangle 65"/>
+          <p:cNvSpPr/>
+          <p:nvPr/>
+        </p:nvSpPr>
+        <p:spPr>
+          <a:xfrm>
+            <a:off x="11446669" y="15028069"/>
+            <a:ext cx="14105406" cy="8307919"/>
+          </a:xfrm>
+          <a:prstGeom prst="roundRect">
+            <a:avLst>
+              <a:gd name="adj" fmla="val 3484"/>
+            </a:avLst>
+          </a:prstGeom>
+          <a:solidFill>
+            <a:schemeClr val="accent1">
+              <a:lumMod val="20000"/>
+              <a:lumOff val="80000"/>
+            </a:schemeClr>
+          </a:solidFill>
+          <a:ln w="19050">
+            <a:noFill/>
+          </a:ln>
+          <a:effectLst/>
+        </p:spPr>
+        <p:style>
+          <a:lnRef idx="1">
+            <a:schemeClr val="accent2"/>
+          </a:lnRef>
+          <a:fillRef idx="2">
+            <a:schemeClr val="accent2"/>
+          </a:fillRef>
+          <a:effectRef idx="1">
+            <a:schemeClr val="accent2"/>
+          </a:effectRef>
+          <a:fontRef idx="minor">
+            <a:schemeClr val="dk1"/>
+          </a:fontRef>
+        </p:style>
+        <p:txBody>
+          <a:bodyPr rtlCol="0" anchor="t"/>
+          <a:lstStyle/>
+          <a:p>
+            <a:r>
+              <a:rPr lang="en-US" sz="1200" b="1" dirty="0">
                 <a:solidFill>
                   <a:srgbClr val="0070C0"/>
                 </a:solidFill>
-              </a:endParaRPr>
-            </a:p>
-          </p:txBody>
-        </p:sp>
-        <p:sp>
-          <p:nvSpPr>
-            <p:cNvPr id="2" name="Rectangle 62"/>
-            <p:cNvSpPr/>
-            <p:nvPr/>
-          </p:nvSpPr>
-          <p:spPr>
-            <a:xfrm>
-              <a:off x="5102463" y="543946"/>
-              <a:ext cx="1455629" cy="346760"/>
-            </a:xfrm>
-            <a:prstGeom prst="rect">
-              <a:avLst/>
-            </a:prstGeom>
+              </a:rPr>
+              <a:t>Logic</a:t>
+            </a:r>
+            <a:endParaRPr lang="en-SG" sz="1200" b="1" dirty="0">
+              <a:solidFill>
+                <a:srgbClr val="0070C0"/>
+              </a:solidFill>
+            </a:endParaRPr>
+          </a:p>
+        </p:txBody>
+      </p:sp>
+      <p:sp>
+        <p:nvSpPr>
+          <p:cNvPr id="2" name="Rectangle 62"/>
+          <p:cNvSpPr/>
+          <p:nvPr/>
+        </p:nvSpPr>
+        <p:spPr>
+          <a:xfrm>
+            <a:off x="12828865" y="15278194"/>
+            <a:ext cx="1455629" cy="346760"/>
+          </a:xfrm>
+          <a:prstGeom prst="rect">
+            <a:avLst/>
+          </a:prstGeom>
+          <a:solidFill>
+            <a:srgbClr val="0070C0"/>
+          </a:solidFill>
+          <a:ln w="19050">
             <a:solidFill>
               <a:srgbClr val="0070C0"/>
             </a:solidFill>
-            <a:ln w="19050">
-              <a:solidFill>
-                <a:srgbClr val="0070C0"/>
-              </a:solidFill>
-            </a:ln>
-            <a:effectLst/>
-          </p:spPr>
-          <p:style>
-            <a:lnRef idx="1">
-              <a:schemeClr val="accent2"/>
-            </a:lnRef>
-            <a:fillRef idx="2">
-              <a:schemeClr val="accent2"/>
-            </a:fillRef>
-            <a:effectRef idx="1">
-              <a:schemeClr val="accent2"/>
-            </a:effectRef>
-            <a:fontRef idx="minor">
-              <a:schemeClr val="dk1"/>
-            </a:fontRef>
-          </p:style>
-          <p:txBody>
-            <a:bodyPr rtlCol="0" anchor="ctr"/>
-            <a:lstStyle/>
-            <a:p>
-              <a:pPr algn="ctr"/>
-              <a:r>
-                <a:rPr lang="en-US" sz="1600" dirty="0">
-                  <a:solidFill>
-                    <a:schemeClr val="bg1"/>
-                  </a:solidFill>
-                </a:rPr>
-                <a:t>:LogicManager</a:t>
-              </a:r>
-              <a:endParaRPr lang="en-SG" sz="1600" dirty="0">
+          </a:ln>
+          <a:effectLst/>
+        </p:spPr>
+        <p:style>
+          <a:lnRef idx="1">
+            <a:schemeClr val="accent2"/>
+          </a:lnRef>
+          <a:fillRef idx="2">
+            <a:schemeClr val="accent2"/>
+          </a:fillRef>
+          <a:effectRef idx="1">
+            <a:schemeClr val="accent2"/>
+          </a:effectRef>
+          <a:fontRef idx="minor">
+            <a:schemeClr val="dk1"/>
+          </a:fontRef>
+        </p:style>
+        <p:txBody>
+          <a:bodyPr rtlCol="0" anchor="ctr"/>
+          <a:lstStyle/>
+          <a:p>
+            <a:pPr algn="ctr"/>
+            <a:r>
+              <a:rPr lang="en-US" sz="1600" dirty="0">
                 <a:solidFill>
                   <a:schemeClr val="bg1"/>
                 </a:solidFill>
-              </a:endParaRPr>
-            </a:p>
-          </p:txBody>
-        </p:sp>
-        <p:sp>
-          <p:nvSpPr>
-            <p:cNvPr id="6" name="Rectangle 5"/>
-            <p:cNvSpPr/>
-            <p:nvPr/>
-          </p:nvSpPr>
-          <p:spPr>
-            <a:xfrm>
-              <a:off x="5741869" y="1258315"/>
-              <a:ext cx="181464" cy="2899165"/>
-            </a:xfrm>
-            <a:prstGeom prst="rect">
-              <a:avLst/>
-            </a:prstGeom>
-            <a:solidFill>
-              <a:srgbClr val="0070C0"/>
-            </a:solidFill>
-            <a:ln>
+              </a:rPr>
+              <a:t>:LogicManager</a:t>
+            </a:r>
+            <a:endParaRPr lang="en-SG" sz="1600" dirty="0">
               <a:solidFill>
-                <a:srgbClr val="0070C0"/>
+                <a:schemeClr val="bg1"/>
               </a:solidFill>
-            </a:ln>
-            <a:effectLst/>
-          </p:spPr>
-          <p:style>
-            <a:lnRef idx="1">
-              <a:schemeClr val="accent3"/>
-            </a:lnRef>
-            <a:fillRef idx="2">
-              <a:schemeClr val="accent3"/>
-            </a:fillRef>
-            <a:effectRef idx="1">
-              <a:schemeClr val="accent3"/>
-            </a:effectRef>
-            <a:fontRef idx="minor">
-              <a:schemeClr val="dk1"/>
-            </a:fontRef>
-          </p:style>
-          <p:txBody>
-            <a:bodyPr rtlCol="0" anchor="ctr"/>
-            <a:lstStyle/>
-            <a:p>
-              <a:pPr algn="ctr"/>
-              <a:endParaRPr lang="en-SG" sz="1400"/>
-            </a:p>
-          </p:txBody>
-        </p:sp>
-        <p:sp>
-          <p:nvSpPr>
-            <p:cNvPr id="16" name="Rectangle 62"/>
-            <p:cNvSpPr/>
-            <p:nvPr/>
-          </p:nvSpPr>
-          <p:spPr>
-            <a:xfrm>
-              <a:off x="7180973" y="332890"/>
-              <a:ext cx="1945376" cy="723299"/>
-            </a:xfrm>
-            <a:prstGeom prst="rect">
-              <a:avLst/>
-            </a:prstGeom>
-            <a:solidFill>
-              <a:srgbClr val="0070C0"/>
-            </a:solidFill>
-            <a:ln w="19050">
-              <a:solidFill>
-                <a:srgbClr val="0070C0"/>
-              </a:solidFill>
-            </a:ln>
-            <a:effectLst/>
-          </p:spPr>
-          <p:style>
-            <a:lnRef idx="1">
-              <a:schemeClr val="accent2"/>
-            </a:lnRef>
-            <a:fillRef idx="2">
-              <a:schemeClr val="accent2"/>
-            </a:fillRef>
-            <a:effectRef idx="1">
-              <a:schemeClr val="accent2"/>
-            </a:effectRef>
-            <a:fontRef idx="minor">
-              <a:schemeClr val="dk1"/>
-            </a:fontRef>
-          </p:style>
-          <p:txBody>
-            <a:bodyPr rtlCol="0" anchor="ctr"/>
-            <a:lstStyle/>
-            <a:p>
-              <a:pPr algn="ctr"/>
-              <a:r>
-                <a:rPr lang="en-US" sz="1600" dirty="0">
-                  <a:solidFill>
-                    <a:schemeClr val="bg1"/>
-                  </a:solidFill>
-                </a:rPr>
-                <a:t>:EquipmentManager</a:t>
-              </a:r>
-            </a:p>
-            <a:p>
-              <a:pPr algn="ctr"/>
-              <a:r>
-                <a:rPr lang="en-US" sz="1600" dirty="0">
-                  <a:solidFill>
-                    <a:schemeClr val="bg1"/>
-                  </a:solidFill>
-                </a:rPr>
-                <a:t>Parser</a:t>
-              </a:r>
-              <a:endParaRPr lang="en-SG" sz="1600" dirty="0">
-                <a:solidFill>
-                  <a:schemeClr val="bg1"/>
-                </a:solidFill>
-              </a:endParaRPr>
-            </a:p>
-          </p:txBody>
-        </p:sp>
-        <p:cxnSp>
-          <p:nvCxnSpPr>
-            <p:cNvPr id="17" name="Straight Connector 16"/>
-            <p:cNvCxnSpPr>
-              <a:cxnSpLocks/>
-            </p:cNvCxnSpPr>
-            <p:nvPr/>
-          </p:nvCxnSpPr>
-          <p:spPr>
-            <a:xfrm>
-              <a:off x="8269901" y="907617"/>
-              <a:ext cx="0" cy="1482984"/>
-            </a:xfrm>
-            <a:prstGeom prst="line">
-              <a:avLst/>
-            </a:prstGeom>
-            <a:ln w="19050">
-              <a:solidFill>
-                <a:srgbClr val="0070C0"/>
-              </a:solidFill>
-              <a:prstDash val="sysDash"/>
-            </a:ln>
-            <a:effectLst/>
-          </p:spPr>
-          <p:style>
-            <a:lnRef idx="1">
-              <a:schemeClr val="accent1"/>
-            </a:lnRef>
-            <a:fillRef idx="2">
-              <a:schemeClr val="accent1"/>
-            </a:fillRef>
-            <a:effectRef idx="1">
-              <a:schemeClr val="accent1"/>
-            </a:effectRef>
-            <a:fontRef idx="minor">
-              <a:schemeClr val="dk1"/>
-            </a:fontRef>
-          </p:style>
-        </p:cxnSp>
-        <p:sp>
-          <p:nvSpPr>
-            <p:cNvPr id="18" name="Rectangle 17"/>
-            <p:cNvSpPr/>
-            <p:nvPr/>
-          </p:nvSpPr>
-          <p:spPr>
-            <a:xfrm>
-              <a:off x="8197894" y="1365809"/>
-              <a:ext cx="145222" cy="797733"/>
-            </a:xfrm>
-            <a:prstGeom prst="rect">
-              <a:avLst/>
-            </a:prstGeom>
-            <a:solidFill>
-              <a:srgbClr val="0070C0"/>
-            </a:solidFill>
-            <a:ln>
-              <a:solidFill>
-                <a:srgbClr val="0070C0"/>
-              </a:solidFill>
-            </a:ln>
-            <a:effectLst/>
-          </p:spPr>
-          <p:style>
-            <a:lnRef idx="1">
-              <a:schemeClr val="accent3"/>
-            </a:lnRef>
-            <a:fillRef idx="2">
-              <a:schemeClr val="accent3"/>
-            </a:fillRef>
-            <a:effectRef idx="1">
-              <a:schemeClr val="accent3"/>
-            </a:effectRef>
-            <a:fontRef idx="minor">
-              <a:schemeClr val="dk1"/>
-            </a:fontRef>
-          </p:style>
-          <p:txBody>
-            <a:bodyPr rtlCol="0" anchor="ctr"/>
-            <a:lstStyle/>
-            <a:p>
-              <a:pPr algn="ctr"/>
-              <a:endParaRPr lang="en-SG" sz="1400"/>
-            </a:p>
-          </p:txBody>
-        </p:sp>
-        <p:sp>
-          <p:nvSpPr>
-            <p:cNvPr id="21" name="Rectangle 20"/>
-            <p:cNvSpPr/>
-            <p:nvPr/>
-          </p:nvSpPr>
-          <p:spPr>
-            <a:xfrm>
-              <a:off x="9745196" y="1482334"/>
-              <a:ext cx="154394" cy="638903"/>
-            </a:xfrm>
-            <a:prstGeom prst="rect">
-              <a:avLst/>
-            </a:prstGeom>
-            <a:solidFill>
-              <a:srgbClr val="0070C0"/>
-            </a:solidFill>
-            <a:ln>
-              <a:solidFill>
-                <a:srgbClr val="0070C0"/>
-              </a:solidFill>
-            </a:ln>
-            <a:effectLst/>
-          </p:spPr>
-          <p:style>
-            <a:lnRef idx="1">
-              <a:schemeClr val="accent3"/>
-            </a:lnRef>
-            <a:fillRef idx="2">
-              <a:schemeClr val="accent3"/>
-            </a:fillRef>
-            <a:effectRef idx="1">
-              <a:schemeClr val="accent3"/>
-            </a:effectRef>
-            <a:fontRef idx="minor">
-              <a:schemeClr val="dk1"/>
-            </a:fontRef>
-          </p:style>
-          <p:txBody>
-            <a:bodyPr rtlCol="0" anchor="ctr"/>
-            <a:lstStyle/>
-            <a:p>
-              <a:pPr algn="ctr"/>
-              <a:endParaRPr lang="en-SG" sz="1400"/>
-            </a:p>
-          </p:txBody>
-        </p:sp>
-        <p:cxnSp>
-          <p:nvCxnSpPr>
-            <p:cNvPr id="28" name="Straight Arrow Connector 27"/>
-            <p:cNvCxnSpPr>
-              <a:cxnSpLocks/>
-            </p:cNvCxnSpPr>
-            <p:nvPr/>
-          </p:nvCxnSpPr>
-          <p:spPr>
-            <a:xfrm flipV="1">
-              <a:off x="8355286" y="1512345"/>
-              <a:ext cx="1458437" cy="1"/>
-            </a:xfrm>
-            <a:prstGeom prst="straightConnector1">
-              <a:avLst/>
-            </a:prstGeom>
-            <a:ln w="19050">
-              <a:solidFill>
-                <a:srgbClr val="0070C0"/>
-              </a:solidFill>
-              <a:tailEnd type="arrow"/>
-            </a:ln>
-          </p:spPr>
-          <p:style>
-            <a:lnRef idx="1">
-              <a:schemeClr val="accent1"/>
-            </a:lnRef>
-            <a:fillRef idx="0">
-              <a:schemeClr val="accent1"/>
-            </a:fillRef>
-            <a:effectRef idx="0">
-              <a:schemeClr val="accent1"/>
-            </a:effectRef>
-            <a:fontRef idx="minor">
-              <a:schemeClr val="tx1"/>
-            </a:fontRef>
-          </p:style>
-        </p:cxnSp>
-        <p:sp>
-          <p:nvSpPr>
-            <p:cNvPr id="29" name="TextBox 28"/>
-            <p:cNvSpPr txBox="1"/>
-            <p:nvPr/>
-          </p:nvSpPr>
-          <p:spPr>
-            <a:xfrm>
-              <a:off x="7462739" y="2484071"/>
-              <a:ext cx="855809" cy="215444"/>
-            </a:xfrm>
-            <a:prstGeom prst="rect">
-              <a:avLst/>
-            </a:prstGeom>
-            <a:noFill/>
-          </p:spPr>
-          <p:txBody>
-            <a:bodyPr wrap="square" lIns="0" tIns="0" rIns="0" bIns="0" rtlCol="0">
-              <a:spAutoFit/>
-            </a:bodyPr>
-            <a:lstStyle>
-              <a:defPPr>
-                <a:defRPr lang="en-US"/>
-              </a:defPPr>
-              <a:lvl1pPr algn="r">
-                <a:defRPr sz="1400">
-                  <a:solidFill>
-                    <a:srgbClr val="0070C0"/>
-                  </a:solidFill>
-                </a:defRPr>
-              </a:lvl1pPr>
-            </a:lstStyle>
-            <a:p>
-              <a:r>
-                <a:rPr lang="en-US" dirty="0"/>
-                <a:t>execute()</a:t>
-              </a:r>
-            </a:p>
-          </p:txBody>
-        </p:sp>
-        <p:cxnSp>
-          <p:nvCxnSpPr>
-            <p:cNvPr id="34" name="Straight Arrow Connector 33"/>
-            <p:cNvCxnSpPr>
-              <a:cxnSpLocks/>
-            </p:cNvCxnSpPr>
-            <p:nvPr/>
-          </p:nvCxnSpPr>
-          <p:spPr>
-            <a:xfrm>
-              <a:off x="8328422" y="2100094"/>
-              <a:ext cx="1492974" cy="0"/>
-            </a:xfrm>
-            <a:prstGeom prst="straightConnector1">
-              <a:avLst/>
-            </a:prstGeom>
-            <a:ln w="19050">
-              <a:solidFill>
-                <a:srgbClr val="0070C0"/>
-              </a:solidFill>
-              <a:prstDash val="sysDash"/>
-              <a:headEnd type="arrow" w="med" len="med"/>
-              <a:tailEnd type="none" w="med" len="med"/>
-            </a:ln>
-          </p:spPr>
-          <p:style>
-            <a:lnRef idx="1">
-              <a:schemeClr val="accent1"/>
-            </a:lnRef>
-            <a:fillRef idx="0">
-              <a:schemeClr val="accent1"/>
-            </a:fillRef>
-            <a:effectRef idx="0">
-              <a:schemeClr val="accent1"/>
-            </a:effectRef>
-            <a:fontRef idx="minor">
-              <a:schemeClr val="tx1"/>
-            </a:fontRef>
-          </p:style>
-        </p:cxnSp>
-        <p:cxnSp>
-          <p:nvCxnSpPr>
-            <p:cNvPr id="35" name="Straight Arrow Connector 34"/>
-            <p:cNvCxnSpPr>
-              <a:cxnSpLocks/>
-            </p:cNvCxnSpPr>
-            <p:nvPr/>
-          </p:nvCxnSpPr>
-          <p:spPr>
-            <a:xfrm>
-              <a:off x="5910669" y="2133600"/>
-              <a:ext cx="2348067" cy="0"/>
-            </a:xfrm>
-            <a:prstGeom prst="straightConnector1">
-              <a:avLst/>
-            </a:prstGeom>
-            <a:ln w="19050">
-              <a:solidFill>
-                <a:srgbClr val="0070C0"/>
-              </a:solidFill>
-              <a:prstDash val="sysDash"/>
-              <a:headEnd type="arrow" w="med" len="med"/>
-              <a:tailEnd type="none" w="med" len="med"/>
-            </a:ln>
-          </p:spPr>
-          <p:style>
-            <a:lnRef idx="1">
-              <a:schemeClr val="accent1"/>
-            </a:lnRef>
-            <a:fillRef idx="0">
-              <a:schemeClr val="accent1"/>
-            </a:fillRef>
-            <a:effectRef idx="0">
-              <a:schemeClr val="accent1"/>
-            </a:effectRef>
-            <a:fontRef idx="minor">
-              <a:schemeClr val="tx1"/>
-            </a:fontRef>
-          </p:style>
-        </p:cxnSp>
-        <p:cxnSp>
-          <p:nvCxnSpPr>
-            <p:cNvPr id="37" name="Straight Arrow Connector 36"/>
-            <p:cNvCxnSpPr>
-              <a:cxnSpLocks/>
-            </p:cNvCxnSpPr>
-            <p:nvPr/>
-          </p:nvCxnSpPr>
-          <p:spPr>
-            <a:xfrm>
-              <a:off x="4283572" y="4157480"/>
-              <a:ext cx="1530791" cy="14"/>
-            </a:xfrm>
-            <a:prstGeom prst="straightConnector1">
-              <a:avLst/>
-            </a:prstGeom>
-            <a:ln w="19050">
-              <a:solidFill>
-                <a:schemeClr val="accent1"/>
-              </a:solidFill>
-              <a:prstDash val="sysDash"/>
-              <a:headEnd type="arrow" w="med" len="med"/>
-              <a:tailEnd type="none" w="med" len="med"/>
-            </a:ln>
-          </p:spPr>
-          <p:style>
-            <a:lnRef idx="1">
-              <a:schemeClr val="accent1"/>
-            </a:lnRef>
-            <a:fillRef idx="0">
-              <a:schemeClr val="accent1"/>
-            </a:fillRef>
-            <a:effectRef idx="0">
-              <a:schemeClr val="accent1"/>
-            </a:effectRef>
-            <a:fontRef idx="minor">
-              <a:schemeClr val="tx1"/>
-            </a:fontRef>
-          </p:style>
-        </p:cxnSp>
-        <p:sp>
-          <p:nvSpPr>
-            <p:cNvPr id="65" name="Rectangle 64"/>
-            <p:cNvSpPr/>
-            <p:nvPr/>
-          </p:nvSpPr>
-          <p:spPr>
-            <a:xfrm>
-              <a:off x="11827371" y="2659750"/>
-              <a:ext cx="150925" cy="1192943"/>
-            </a:xfrm>
-            <a:prstGeom prst="rect">
-              <a:avLst/>
-            </a:prstGeom>
-            <a:solidFill>
-              <a:srgbClr val="0070C0"/>
-            </a:solidFill>
-            <a:ln>
-              <a:solidFill>
-                <a:srgbClr val="0070C0"/>
-              </a:solidFill>
-            </a:ln>
-            <a:effectLst/>
-          </p:spPr>
-          <p:style>
-            <a:lnRef idx="1">
-              <a:schemeClr val="accent3"/>
-            </a:lnRef>
-            <a:fillRef idx="2">
-              <a:schemeClr val="accent3"/>
-            </a:fillRef>
-            <a:effectRef idx="1">
-              <a:schemeClr val="accent3"/>
-            </a:effectRef>
-            <a:fontRef idx="minor">
-              <a:schemeClr val="dk1"/>
-            </a:fontRef>
-          </p:style>
-          <p:txBody>
-            <a:bodyPr rtlCol="0" anchor="ctr"/>
-            <a:lstStyle/>
-            <a:p>
-              <a:pPr algn="ctr"/>
-              <a:endParaRPr lang="en-SG" sz="1400"/>
-            </a:p>
-          </p:txBody>
-        </p:sp>
-        <p:sp>
-          <p:nvSpPr>
-            <p:cNvPr id="80" name="TextBox 79"/>
-            <p:cNvSpPr txBox="1"/>
-            <p:nvPr/>
-          </p:nvSpPr>
-          <p:spPr>
-            <a:xfrm>
-              <a:off x="5860780" y="1114777"/>
-              <a:ext cx="2234611" cy="215444"/>
-            </a:xfrm>
-            <a:prstGeom prst="rect">
-              <a:avLst/>
-            </a:prstGeom>
-            <a:noFill/>
-          </p:spPr>
-          <p:txBody>
-            <a:bodyPr wrap="square" lIns="0" tIns="0" rIns="0" bIns="0" rtlCol="0">
-              <a:spAutoFit/>
-            </a:bodyPr>
-            <a:lstStyle>
-              <a:defPPr>
-                <a:defRPr lang="en-US"/>
-              </a:defPPr>
-              <a:lvl1pPr algn="r">
-                <a:defRPr sz="1400">
-                  <a:solidFill>
-                    <a:srgbClr val="0070C0"/>
-                  </a:solidFill>
-                </a:defRPr>
-              </a:lvl1pPr>
-            </a:lstStyle>
-            <a:p>
-              <a:r>
-                <a:rPr lang="en-US" dirty="0" err="1"/>
-                <a:t>parseCommand</a:t>
-              </a:r>
-              <a:r>
-                <a:rPr lang="en-US" dirty="0"/>
-                <a:t>(“filter </a:t>
-              </a:r>
-              <a:r>
-                <a:rPr lang="en-US" dirty="0" err="1"/>
-                <a:t>args</a:t>
-              </a:r>
-              <a:r>
-                <a:rPr lang="en-US" dirty="0"/>
-                <a:t>”)</a:t>
-              </a:r>
-            </a:p>
-          </p:txBody>
-        </p:sp>
-        <p:sp>
-          <p:nvSpPr>
-            <p:cNvPr id="82" name="TextBox 81"/>
-            <p:cNvSpPr txBox="1"/>
-            <p:nvPr/>
-          </p:nvSpPr>
-          <p:spPr>
-            <a:xfrm>
-              <a:off x="7496064" y="3547894"/>
-              <a:ext cx="621216" cy="215444"/>
-            </a:xfrm>
-            <a:prstGeom prst="rect">
-              <a:avLst/>
-            </a:prstGeom>
-            <a:noFill/>
-          </p:spPr>
-          <p:txBody>
-            <a:bodyPr wrap="square" lIns="0" tIns="0" rIns="0" bIns="0" rtlCol="0">
-              <a:spAutoFit/>
-            </a:bodyPr>
-            <a:lstStyle>
-              <a:defPPr>
-                <a:defRPr lang="en-US"/>
-              </a:defPPr>
-              <a:lvl1pPr algn="r">
-                <a:defRPr sz="1400">
-                  <a:solidFill>
-                    <a:srgbClr val="0070C0"/>
-                  </a:solidFill>
-                </a:defRPr>
-              </a:lvl1pPr>
-            </a:lstStyle>
-            <a:p>
-              <a:r>
-                <a:rPr lang="en-US" dirty="0"/>
-                <a:t>result</a:t>
-              </a:r>
-            </a:p>
-          </p:txBody>
-        </p:sp>
-        <p:sp>
-          <p:nvSpPr>
-            <p:cNvPr id="83" name="TextBox 82"/>
-            <p:cNvSpPr txBox="1"/>
-            <p:nvPr/>
-          </p:nvSpPr>
-          <p:spPr>
-            <a:xfrm>
-              <a:off x="4740772" y="3852694"/>
-              <a:ext cx="762000" cy="215444"/>
-            </a:xfrm>
-            <a:prstGeom prst="rect">
-              <a:avLst/>
-            </a:prstGeom>
-            <a:noFill/>
-          </p:spPr>
-          <p:txBody>
-            <a:bodyPr wrap="square" lIns="0" tIns="0" rIns="0" bIns="0" rtlCol="0">
-              <a:spAutoFit/>
-            </a:bodyPr>
-            <a:lstStyle>
-              <a:defPPr>
-                <a:defRPr lang="en-US"/>
-              </a:defPPr>
-              <a:lvl1pPr algn="r">
-                <a:defRPr sz="1400">
-                  <a:solidFill>
-                    <a:srgbClr val="0070C0"/>
-                  </a:solidFill>
-                </a:defRPr>
-              </a:lvl1pPr>
-            </a:lstStyle>
-            <a:p>
-              <a:r>
-                <a:rPr lang="en-US" dirty="0"/>
-                <a:t>result</a:t>
-              </a:r>
-            </a:p>
-          </p:txBody>
-        </p:sp>
-        <p:sp>
-          <p:nvSpPr>
-            <p:cNvPr id="93" name="TextBox 92"/>
-            <p:cNvSpPr txBox="1"/>
-            <p:nvPr/>
-          </p:nvSpPr>
-          <p:spPr>
-            <a:xfrm>
-              <a:off x="6944110" y="1905793"/>
-              <a:ext cx="220343" cy="215444"/>
-            </a:xfrm>
-            <a:prstGeom prst="rect">
-              <a:avLst/>
-            </a:prstGeom>
-            <a:noFill/>
-          </p:spPr>
-          <p:txBody>
-            <a:bodyPr wrap="square" lIns="0" tIns="0" rIns="0" bIns="0" rtlCol="0">
-              <a:spAutoFit/>
-            </a:bodyPr>
-            <a:lstStyle>
-              <a:defPPr>
-                <a:defRPr lang="en-US"/>
-              </a:defPPr>
-              <a:lvl1pPr algn="r">
-                <a:defRPr sz="1400">
-                  <a:solidFill>
-                    <a:srgbClr val="0070C0"/>
-                  </a:solidFill>
-                </a:defRPr>
-              </a:lvl1pPr>
-            </a:lstStyle>
-            <a:p>
-              <a:r>
-                <a:rPr lang="en-US" dirty="0"/>
-                <a:t>f</a:t>
-              </a:r>
-            </a:p>
-          </p:txBody>
-        </p:sp>
-        <p:sp>
-          <p:nvSpPr>
-            <p:cNvPr id="40" name="Rectangle 62"/>
-            <p:cNvSpPr/>
-            <p:nvPr/>
-          </p:nvSpPr>
-          <p:spPr>
-            <a:xfrm>
-              <a:off x="13954548" y="1158195"/>
-              <a:ext cx="845003" cy="321481"/>
-            </a:xfrm>
-            <a:prstGeom prst="rect">
-              <a:avLst/>
-            </a:prstGeom>
-            <a:solidFill>
-              <a:srgbClr val="7030A0"/>
-            </a:solidFill>
-            <a:ln w="19050">
-              <a:solidFill>
-                <a:srgbClr val="7030A0"/>
-              </a:solidFill>
-            </a:ln>
-            <a:effectLst/>
-          </p:spPr>
-          <p:style>
-            <a:lnRef idx="1">
-              <a:schemeClr val="accent2"/>
-            </a:lnRef>
-            <a:fillRef idx="2">
-              <a:schemeClr val="accent2"/>
-            </a:fillRef>
-            <a:effectRef idx="1">
-              <a:schemeClr val="accent2"/>
-            </a:effectRef>
-            <a:fontRef idx="minor">
-              <a:schemeClr val="dk1"/>
-            </a:fontRef>
-          </p:style>
-          <p:txBody>
-            <a:bodyPr rtlCol="0" anchor="ctr"/>
-            <a:lstStyle/>
-            <a:p>
-              <a:pPr algn="ctr"/>
-              <a:r>
-                <a:rPr lang="en-US" sz="1600" dirty="0">
-                  <a:solidFill>
-                    <a:schemeClr val="bg1"/>
-                  </a:solidFill>
-                </a:rPr>
-                <a:t>:Model</a:t>
-              </a:r>
-              <a:endParaRPr lang="en-SG" sz="1600" dirty="0">
-                <a:solidFill>
-                  <a:schemeClr val="bg1"/>
-                </a:solidFill>
-              </a:endParaRPr>
-            </a:p>
-          </p:txBody>
-        </p:sp>
-        <p:cxnSp>
-          <p:nvCxnSpPr>
-            <p:cNvPr id="46" name="Straight Connector 45"/>
-            <p:cNvCxnSpPr>
-              <a:cxnSpLocks/>
-              <a:endCxn id="95" idx="2"/>
-            </p:cNvCxnSpPr>
-            <p:nvPr/>
-          </p:nvCxnSpPr>
-          <p:spPr>
-            <a:xfrm flipH="1">
-              <a:off x="14340482" y="1488379"/>
-              <a:ext cx="3964" cy="2114449"/>
-            </a:xfrm>
-            <a:prstGeom prst="line">
-              <a:avLst/>
-            </a:prstGeom>
-            <a:ln w="19050">
-              <a:solidFill>
-                <a:srgbClr val="7030A0"/>
-              </a:solidFill>
-              <a:prstDash val="sysDash"/>
-            </a:ln>
-            <a:effectLst/>
-          </p:spPr>
-          <p:style>
-            <a:lnRef idx="1">
-              <a:schemeClr val="accent1"/>
-            </a:lnRef>
-            <a:fillRef idx="2">
-              <a:schemeClr val="accent1"/>
-            </a:fillRef>
-            <a:effectRef idx="1">
-              <a:schemeClr val="accent1"/>
-            </a:effectRef>
-            <a:fontRef idx="minor">
-              <a:schemeClr val="dk1"/>
-            </a:fontRef>
-          </p:style>
-        </p:cxnSp>
-        <p:sp>
-          <p:nvSpPr>
-            <p:cNvPr id="49" name="Rectangle 48"/>
-            <p:cNvSpPr/>
-            <p:nvPr/>
-          </p:nvSpPr>
-          <p:spPr>
-            <a:xfrm flipH="1">
-              <a:off x="12972025" y="3547894"/>
-              <a:ext cx="156033" cy="209927"/>
-            </a:xfrm>
-            <a:prstGeom prst="rect">
-              <a:avLst/>
-            </a:prstGeom>
-            <a:solidFill>
-              <a:srgbClr val="0070C0"/>
-            </a:solidFill>
-            <a:ln>
-              <a:solidFill>
-                <a:srgbClr val="0070C0"/>
-              </a:solidFill>
-            </a:ln>
-            <a:effectLst/>
-          </p:spPr>
-          <p:style>
-            <a:lnRef idx="1">
-              <a:schemeClr val="accent3"/>
-            </a:lnRef>
-            <a:fillRef idx="2">
-              <a:schemeClr val="accent3"/>
-            </a:fillRef>
-            <a:effectRef idx="1">
-              <a:schemeClr val="accent3"/>
-            </a:effectRef>
-            <a:fontRef idx="minor">
-              <a:schemeClr val="dk1"/>
-            </a:fontRef>
-          </p:style>
-          <p:txBody>
-            <a:bodyPr rtlCol="0" anchor="ctr"/>
-            <a:lstStyle/>
-            <a:p>
-              <a:pPr algn="ctr"/>
-              <a:endParaRPr lang="en-SG" sz="1400"/>
-            </a:p>
-          </p:txBody>
-        </p:sp>
-        <p:sp>
-          <p:nvSpPr>
-            <p:cNvPr id="19" name="Rectangle 62"/>
-            <p:cNvSpPr/>
-            <p:nvPr/>
-          </p:nvSpPr>
-          <p:spPr>
-            <a:xfrm>
-              <a:off x="9423968" y="691990"/>
-              <a:ext cx="2058142" cy="357799"/>
-            </a:xfrm>
-            <a:prstGeom prst="rect">
-              <a:avLst/>
-            </a:prstGeom>
-            <a:solidFill>
-              <a:srgbClr val="0070C0"/>
-            </a:solidFill>
-            <a:ln w="19050">
-              <a:solidFill>
-                <a:srgbClr val="0070C0"/>
-              </a:solidFill>
-            </a:ln>
-            <a:effectLst/>
-          </p:spPr>
-          <p:style>
-            <a:lnRef idx="1">
-              <a:schemeClr val="accent2"/>
-            </a:lnRef>
-            <a:fillRef idx="2">
-              <a:schemeClr val="accent2"/>
-            </a:fillRef>
-            <a:effectRef idx="1">
-              <a:schemeClr val="accent2"/>
-            </a:effectRef>
-            <a:fontRef idx="minor">
-              <a:schemeClr val="dk1"/>
-            </a:fontRef>
-          </p:style>
-          <p:txBody>
-            <a:bodyPr rtlCol="0" anchor="ctr"/>
-            <a:lstStyle/>
-            <a:p>
-              <a:pPr algn="ctr"/>
-              <a:r>
-                <a:rPr lang="en-US" sz="1600" dirty="0">
-                  <a:solidFill>
-                    <a:schemeClr val="bg1"/>
-                  </a:solidFill>
-                </a:rPr>
-                <a:t>:FilterCommandParser</a:t>
-              </a:r>
-              <a:endParaRPr lang="en-SG" sz="1600" dirty="0">
-                <a:solidFill>
-                  <a:schemeClr val="bg1"/>
-                </a:solidFill>
-              </a:endParaRPr>
-            </a:p>
-          </p:txBody>
-        </p:sp>
-        <p:cxnSp>
-          <p:nvCxnSpPr>
-            <p:cNvPr id="66" name="Straight Arrow Connector 65">
-              <a:extLst>
-                <a:ext uri="{FF2B5EF4-FFF2-40B4-BE49-F238E27FC236}">
-                  <a16:creationId xmlns:a16="http://schemas.microsoft.com/office/drawing/2014/main" id="{39916E2E-195A-4DC8-B025-B05FA87E6796}"/>
-                </a:ext>
-              </a:extLst>
-            </p:cNvPr>
-            <p:cNvCxnSpPr>
-              <a:cxnSpLocks/>
-            </p:cNvCxnSpPr>
-            <p:nvPr/>
-          </p:nvCxnSpPr>
-          <p:spPr>
-            <a:xfrm>
-              <a:off x="5910665" y="2731318"/>
-              <a:ext cx="5916707" cy="0"/>
-            </a:xfrm>
-            <a:prstGeom prst="straightConnector1">
-              <a:avLst/>
-            </a:prstGeom>
-            <a:ln w="19050">
-              <a:solidFill>
-                <a:srgbClr val="0070C0"/>
-              </a:solidFill>
-              <a:tailEnd type="arrow"/>
-            </a:ln>
-          </p:spPr>
-          <p:style>
-            <a:lnRef idx="1">
-              <a:schemeClr val="accent1"/>
-            </a:lnRef>
-            <a:fillRef idx="0">
-              <a:schemeClr val="accent1"/>
-            </a:fillRef>
-            <a:effectRef idx="0">
-              <a:schemeClr val="accent1"/>
-            </a:effectRef>
-            <a:fontRef idx="minor">
-              <a:schemeClr val="tx1"/>
-            </a:fontRef>
-          </p:style>
-        </p:cxnSp>
-        <p:cxnSp>
-          <p:nvCxnSpPr>
-            <p:cNvPr id="67" name="Straight Arrow Connector 66">
-              <a:extLst>
-                <a:ext uri="{FF2B5EF4-FFF2-40B4-BE49-F238E27FC236}">
-                  <a16:creationId xmlns:a16="http://schemas.microsoft.com/office/drawing/2014/main" id="{D881596E-177C-4FDC-8E60-CAB90B3D5FAB}"/>
-                </a:ext>
-              </a:extLst>
-            </p:cNvPr>
-            <p:cNvCxnSpPr>
-              <a:cxnSpLocks/>
-            </p:cNvCxnSpPr>
-            <p:nvPr/>
-          </p:nvCxnSpPr>
-          <p:spPr>
-            <a:xfrm>
-              <a:off x="5927563" y="1363922"/>
-              <a:ext cx="2256705" cy="1"/>
-            </a:xfrm>
-            <a:prstGeom prst="straightConnector1">
-              <a:avLst/>
-            </a:prstGeom>
-            <a:ln w="19050">
-              <a:solidFill>
-                <a:srgbClr val="0070C0"/>
-              </a:solidFill>
-              <a:tailEnd type="arrow"/>
-            </a:ln>
-          </p:spPr>
-          <p:style>
-            <a:lnRef idx="1">
-              <a:schemeClr val="accent1"/>
-            </a:lnRef>
-            <a:fillRef idx="0">
-              <a:schemeClr val="accent1"/>
-            </a:fillRef>
-            <a:effectRef idx="0">
-              <a:schemeClr val="accent1"/>
-            </a:effectRef>
-            <a:fontRef idx="minor">
-              <a:schemeClr val="tx1"/>
-            </a:fontRef>
-          </p:style>
-        </p:cxnSp>
-        <p:cxnSp>
-          <p:nvCxnSpPr>
-            <p:cNvPr id="69" name="Straight Arrow Connector 68">
-              <a:extLst>
-                <a:ext uri="{FF2B5EF4-FFF2-40B4-BE49-F238E27FC236}">
-                  <a16:creationId xmlns:a16="http://schemas.microsoft.com/office/drawing/2014/main" id="{7C9F21BC-13A9-471F-825A-2621FD36355F}"/>
-                </a:ext>
-              </a:extLst>
-            </p:cNvPr>
-            <p:cNvCxnSpPr>
-              <a:cxnSpLocks/>
-              <a:endCxn id="65" idx="2"/>
-            </p:cNvCxnSpPr>
-            <p:nvPr/>
-          </p:nvCxnSpPr>
-          <p:spPr>
-            <a:xfrm>
-              <a:off x="5915311" y="3793280"/>
-              <a:ext cx="5987523" cy="59413"/>
-            </a:xfrm>
-            <a:prstGeom prst="straightConnector1">
-              <a:avLst/>
-            </a:prstGeom>
-            <a:ln w="19050">
-              <a:solidFill>
-                <a:srgbClr val="0070C0"/>
-              </a:solidFill>
-              <a:prstDash val="sysDash"/>
-              <a:headEnd type="arrow" w="med" len="med"/>
-              <a:tailEnd type="none" w="med" len="med"/>
-            </a:ln>
-          </p:spPr>
-          <p:style>
-            <a:lnRef idx="1">
-              <a:schemeClr val="accent1"/>
-            </a:lnRef>
-            <a:fillRef idx="0">
-              <a:schemeClr val="accent1"/>
-            </a:fillRef>
-            <a:effectRef idx="0">
-              <a:schemeClr val="accent1"/>
-            </a:effectRef>
-            <a:fontRef idx="minor">
-              <a:schemeClr val="tx1"/>
-            </a:fontRef>
-          </p:style>
-        </p:cxnSp>
-        <p:cxnSp>
-          <p:nvCxnSpPr>
-            <p:cNvPr id="62" name="Straight Arrow Connector 65">
-              <a:extLst>
-                <a:ext uri="{FF2B5EF4-FFF2-40B4-BE49-F238E27FC236}">
-                  <a16:creationId xmlns:a16="http://schemas.microsoft.com/office/drawing/2014/main" id="{93520CF3-1155-4BC8-BA13-D0B7786EBF88}"/>
-                </a:ext>
-              </a:extLst>
-            </p:cNvPr>
-            <p:cNvCxnSpPr>
-              <a:cxnSpLocks/>
-            </p:cNvCxnSpPr>
-            <p:nvPr/>
-          </p:nvCxnSpPr>
-          <p:spPr>
-            <a:xfrm>
-              <a:off x="11902102" y="2731318"/>
-              <a:ext cx="2549943" cy="0"/>
-            </a:xfrm>
-            <a:prstGeom prst="straightConnector1">
-              <a:avLst/>
-            </a:prstGeom>
-            <a:ln w="19050">
-              <a:solidFill>
-                <a:srgbClr val="0070C0"/>
-              </a:solidFill>
-              <a:tailEnd type="arrow"/>
-            </a:ln>
-          </p:spPr>
-          <p:style>
-            <a:lnRef idx="1">
-              <a:schemeClr val="accent1"/>
-            </a:lnRef>
-            <a:fillRef idx="0">
-              <a:schemeClr val="accent1"/>
-            </a:fillRef>
-            <a:effectRef idx="0">
-              <a:schemeClr val="accent1"/>
-            </a:effectRef>
-            <a:fontRef idx="minor">
-              <a:schemeClr val="tx1"/>
-            </a:fontRef>
-          </p:style>
-        </p:cxnSp>
-        <p:cxnSp>
-          <p:nvCxnSpPr>
-            <p:cNvPr id="68" name="Straight Arrow Connector 68">
-              <a:extLst>
-                <a:ext uri="{FF2B5EF4-FFF2-40B4-BE49-F238E27FC236}">
-                  <a16:creationId xmlns:a16="http://schemas.microsoft.com/office/drawing/2014/main" id="{3781272C-6278-4383-A052-74FBF59B3CED}"/>
-                </a:ext>
-              </a:extLst>
-            </p:cNvPr>
-            <p:cNvCxnSpPr>
-              <a:cxnSpLocks/>
-            </p:cNvCxnSpPr>
-            <p:nvPr/>
-          </p:nvCxnSpPr>
-          <p:spPr>
-            <a:xfrm>
-              <a:off x="11979772" y="3763338"/>
-              <a:ext cx="984938" cy="0"/>
-            </a:xfrm>
-            <a:prstGeom prst="straightConnector1">
-              <a:avLst/>
-            </a:prstGeom>
-            <a:ln w="19050">
-              <a:solidFill>
-                <a:srgbClr val="0070C0"/>
-              </a:solidFill>
-              <a:prstDash val="sysDash"/>
-              <a:headEnd type="arrow" w="med" len="med"/>
-              <a:tailEnd type="none" w="med" len="med"/>
-            </a:ln>
-          </p:spPr>
-          <p:style>
-            <a:lnRef idx="1">
-              <a:schemeClr val="accent1"/>
-            </a:lnRef>
-            <a:fillRef idx="0">
-              <a:schemeClr val="accent1"/>
-            </a:fillRef>
-            <a:effectRef idx="0">
-              <a:schemeClr val="accent1"/>
-            </a:effectRef>
-            <a:fontRef idx="minor">
-              <a:schemeClr val="tx1"/>
-            </a:fontRef>
-          </p:style>
-        </p:cxnSp>
-        <p:sp>
-          <p:nvSpPr>
-            <p:cNvPr id="70" name="TextBox 81">
-              <a:extLst>
-                <a:ext uri="{FF2B5EF4-FFF2-40B4-BE49-F238E27FC236}">
-                  <a16:creationId xmlns:a16="http://schemas.microsoft.com/office/drawing/2014/main" id="{0617D983-0DA6-40B6-A4BC-8171EF9F0AD2}"/>
-                </a:ext>
-              </a:extLst>
-            </p:cNvPr>
-            <p:cNvSpPr txBox="1"/>
-            <p:nvPr/>
-          </p:nvSpPr>
-          <p:spPr>
-            <a:xfrm>
-              <a:off x="12286512" y="2058908"/>
-              <a:ext cx="1783990" cy="646331"/>
-            </a:xfrm>
-            <a:prstGeom prst="rect">
-              <a:avLst/>
-            </a:prstGeom>
-            <a:noFill/>
-          </p:spPr>
-          <p:txBody>
-            <a:bodyPr wrap="square" lIns="0" tIns="0" rIns="0" bIns="0" rtlCol="0">
-              <a:spAutoFit/>
-            </a:bodyPr>
-            <a:lstStyle>
-              <a:defPPr>
-                <a:defRPr lang="en-US"/>
-              </a:defPPr>
-              <a:lvl1pPr algn="r">
-                <a:defRPr sz="1400">
-                  <a:solidFill>
-                    <a:srgbClr val="0070C0"/>
-                  </a:solidFill>
-                </a:defRPr>
-              </a:lvl1pPr>
-            </a:lstStyle>
-            <a:p>
-              <a:r>
-                <a:rPr lang="en-US" dirty="0" err="1">
-                  <a:solidFill>
-                    <a:srgbClr val="7030A0"/>
-                  </a:solidFill>
-                </a:rPr>
-                <a:t>updateFilteredTaskList</a:t>
-              </a:r>
-              <a:endParaRPr lang="en-US" dirty="0">
-                <a:solidFill>
-                  <a:srgbClr val="7030A0"/>
-                </a:solidFill>
-              </a:endParaRPr>
-            </a:p>
-            <a:p>
-              <a:r>
-                <a:rPr lang="en-US" dirty="0">
-                  <a:solidFill>
-                    <a:srgbClr val="7030A0"/>
-                  </a:solidFill>
-                </a:rPr>
-                <a:t>(EquipmentContainsKeywordsPredicate</a:t>
-              </a:r>
-            </a:p>
-          </p:txBody>
-        </p:sp>
-        <p:sp>
-          <p:nvSpPr>
-            <p:cNvPr id="87" name="Rectangle 62">
-              <a:extLst>
-                <a:ext uri="{FF2B5EF4-FFF2-40B4-BE49-F238E27FC236}">
-                  <a16:creationId xmlns:a16="http://schemas.microsoft.com/office/drawing/2014/main" id="{C577E929-6255-40AE-9591-6D6C66E33E17}"/>
-                </a:ext>
-              </a:extLst>
-            </p:cNvPr>
-            <p:cNvSpPr/>
-            <p:nvPr/>
-          </p:nvSpPr>
-          <p:spPr>
-            <a:xfrm>
-              <a:off x="12130946" y="3100727"/>
-              <a:ext cx="1590430" cy="504759"/>
-            </a:xfrm>
-            <a:prstGeom prst="rect">
-              <a:avLst/>
-            </a:prstGeom>
-            <a:solidFill>
-              <a:srgbClr val="0070C0"/>
-            </a:solidFill>
-            <a:ln w="19050">
-              <a:solidFill>
-                <a:srgbClr val="0070C0"/>
-              </a:solidFill>
-            </a:ln>
-            <a:effectLst/>
-          </p:spPr>
-          <p:style>
-            <a:lnRef idx="1">
-              <a:schemeClr val="accent2"/>
-            </a:lnRef>
-            <a:fillRef idx="2">
-              <a:schemeClr val="accent2"/>
-            </a:fillRef>
-            <a:effectRef idx="1">
-              <a:schemeClr val="accent2"/>
-            </a:effectRef>
-            <a:fontRef idx="minor">
-              <a:schemeClr val="dk1"/>
-            </a:fontRef>
-          </p:style>
-          <p:txBody>
-            <a:bodyPr rtlCol="0" anchor="ctr"/>
-            <a:lstStyle/>
-            <a:p>
-              <a:pPr algn="ctr"/>
-              <a:r>
-                <a:rPr lang="en-US" sz="1600" dirty="0">
-                  <a:solidFill>
-                    <a:schemeClr val="bg1"/>
-                  </a:solidFill>
-                </a:rPr>
-                <a:t>result: CommandResult </a:t>
-              </a:r>
-              <a:endParaRPr lang="en-SG" sz="1600" dirty="0">
-                <a:solidFill>
-                  <a:schemeClr val="bg1"/>
-                </a:solidFill>
-              </a:endParaRPr>
-            </a:p>
-          </p:txBody>
-        </p:sp>
-        <p:sp>
-          <p:nvSpPr>
-            <p:cNvPr id="95" name="Rectangle 48">
-              <a:extLst>
-                <a:ext uri="{FF2B5EF4-FFF2-40B4-BE49-F238E27FC236}">
-                  <a16:creationId xmlns:a16="http://schemas.microsoft.com/office/drawing/2014/main" id="{C9DFEA62-1524-42F8-9A11-B3333DB9BAC2}"/>
-                </a:ext>
-              </a:extLst>
-            </p:cNvPr>
-            <p:cNvSpPr/>
-            <p:nvPr/>
-          </p:nvSpPr>
-          <p:spPr>
-            <a:xfrm>
-              <a:off x="14272502" y="2705239"/>
-              <a:ext cx="135960" cy="897589"/>
-            </a:xfrm>
-            <a:prstGeom prst="rect">
-              <a:avLst/>
-            </a:prstGeom>
-            <a:solidFill>
-              <a:srgbClr val="7030A0"/>
-            </a:solidFill>
-            <a:ln>
-              <a:solidFill>
-                <a:srgbClr val="7030A0"/>
-              </a:solidFill>
-            </a:ln>
-            <a:effectLst/>
-          </p:spPr>
-          <p:style>
-            <a:lnRef idx="1">
-              <a:schemeClr val="accent3"/>
-            </a:lnRef>
-            <a:fillRef idx="2">
-              <a:schemeClr val="accent3"/>
-            </a:fillRef>
-            <a:effectRef idx="1">
-              <a:schemeClr val="accent3"/>
-            </a:effectRef>
-            <a:fontRef idx="minor">
-              <a:schemeClr val="dk1"/>
-            </a:fontRef>
-          </p:style>
-          <p:txBody>
-            <a:bodyPr rtlCol="0" anchor="ctr"/>
-            <a:lstStyle/>
-            <a:p>
-              <a:pPr algn="ctr"/>
-              <a:endParaRPr lang="en-SG" sz="1400">
-                <a:solidFill>
-                  <a:srgbClr val="7030A0"/>
-                </a:solidFill>
-              </a:endParaRPr>
-            </a:p>
-          </p:txBody>
-        </p:sp>
-      </p:grpSp>
+            </a:endParaRPr>
+          </a:p>
+        </p:txBody>
+      </p:sp>
       <p:cxnSp>
         <p:nvCxnSpPr>
-          <p:cNvPr id="73" name="Straight Arrow Connector 72">
-            <a:extLst>
-              <a:ext uri="{FF2B5EF4-FFF2-40B4-BE49-F238E27FC236}">
-                <a16:creationId xmlns:a16="http://schemas.microsoft.com/office/drawing/2014/main" id="{7B597696-D1C8-458B-85ED-890A5E38EA94}"/>
-              </a:ext>
-            </a:extLst>
-          </p:cNvPr>
+          <p:cNvPr id="5" name="Straight Connector 4"/>
           <p:cNvCxnSpPr>
             <a:cxnSpLocks/>
           </p:cNvCxnSpPr>
           <p:nvPr/>
         </p:nvCxnSpPr>
         <p:spPr>
-          <a:xfrm flipV="1">
-            <a:off x="10613849" y="5136243"/>
-            <a:ext cx="271666" cy="1"/>
-          </a:xfrm>
-          <a:prstGeom prst="straightConnector1">
-            <a:avLst/>
-          </a:prstGeom>
-          <a:ln w="19050">
-            <a:solidFill>
-              <a:srgbClr val="0070C0"/>
-            </a:solidFill>
-            <a:tailEnd type="arrow"/>
-          </a:ln>
-        </p:spPr>
-        <p:style>
-          <a:lnRef idx="1">
-            <a:schemeClr val="accent1"/>
-          </a:lnRef>
-          <a:fillRef idx="0">
-            <a:schemeClr val="accent1"/>
-          </a:fillRef>
-          <a:effectRef idx="0">
-            <a:schemeClr val="accent1"/>
-          </a:effectRef>
-          <a:fontRef idx="minor">
-            <a:schemeClr val="tx1"/>
-          </a:fontRef>
-        </p:style>
-      </p:cxnSp>
-      <p:cxnSp>
-        <p:nvCxnSpPr>
-          <p:cNvPr id="76" name="Straight Arrow Connector 75">
-            <a:extLst>
-              <a:ext uri="{FF2B5EF4-FFF2-40B4-BE49-F238E27FC236}">
-                <a16:creationId xmlns:a16="http://schemas.microsoft.com/office/drawing/2014/main" id="{FEFDF589-E299-4B09-8412-370E02017DA7}"/>
-              </a:ext>
-            </a:extLst>
-          </p:cNvPr>
-          <p:cNvCxnSpPr>
-            <a:cxnSpLocks/>
-          </p:cNvCxnSpPr>
-          <p:nvPr/>
-        </p:nvCxnSpPr>
-        <p:spPr>
-          <a:xfrm>
-            <a:off x="10703831" y="4848038"/>
-            <a:ext cx="2285606" cy="0"/>
-          </a:xfrm>
-          <a:prstGeom prst="straightConnector1">
-            <a:avLst/>
-          </a:prstGeom>
-          <a:ln w="19050">
-            <a:solidFill>
-              <a:srgbClr val="7030A0"/>
-            </a:solidFill>
-            <a:prstDash val="sysDash"/>
-            <a:headEnd type="arrow" w="med" len="med"/>
-            <a:tailEnd type="none" w="med" len="med"/>
-          </a:ln>
-        </p:spPr>
-        <p:style>
-          <a:lnRef idx="1">
-            <a:schemeClr val="accent1"/>
-          </a:lnRef>
-          <a:fillRef idx="0">
-            <a:schemeClr val="accent1"/>
-          </a:fillRef>
-          <a:effectRef idx="0">
-            <a:schemeClr val="accent1"/>
-          </a:effectRef>
-          <a:fontRef idx="minor">
-            <a:schemeClr val="tx1"/>
-          </a:fontRef>
-        </p:style>
-      </p:cxnSp>
-      <p:cxnSp>
-        <p:nvCxnSpPr>
-          <p:cNvPr id="89" name="Straight Arrow Connector 88">
-            <a:extLst>
-              <a:ext uri="{FF2B5EF4-FFF2-40B4-BE49-F238E27FC236}">
-                <a16:creationId xmlns:a16="http://schemas.microsoft.com/office/drawing/2014/main" id="{8C9BCC68-B276-4AE3-8218-F154D1EFACCA}"/>
-              </a:ext>
-            </a:extLst>
-          </p:cNvPr>
-          <p:cNvCxnSpPr>
-            <a:cxnSpLocks/>
-          </p:cNvCxnSpPr>
-          <p:nvPr/>
-        </p:nvCxnSpPr>
-        <p:spPr>
-          <a:xfrm>
-            <a:off x="3009106" y="3168059"/>
-            <a:ext cx="1474707" cy="3684"/>
-          </a:xfrm>
-          <a:prstGeom prst="straightConnector1">
-            <a:avLst/>
-          </a:prstGeom>
-          <a:ln w="19050">
-            <a:solidFill>
-              <a:srgbClr val="00B050"/>
-            </a:solidFill>
-            <a:tailEnd type="arrow"/>
-          </a:ln>
-        </p:spPr>
-        <p:style>
-          <a:lnRef idx="1">
-            <a:schemeClr val="accent1"/>
-          </a:lnRef>
-          <a:fillRef idx="0">
-            <a:schemeClr val="accent1"/>
-          </a:fillRef>
-          <a:effectRef idx="0">
-            <a:schemeClr val="accent1"/>
-          </a:effectRef>
-          <a:fontRef idx="minor">
-            <a:schemeClr val="tx1"/>
-          </a:fontRef>
-        </p:style>
-      </p:cxnSp>
-      <p:cxnSp>
-        <p:nvCxnSpPr>
-          <p:cNvPr id="102" name="Straight Connector 101">
-            <a:extLst>
-              <a:ext uri="{FF2B5EF4-FFF2-40B4-BE49-F238E27FC236}">
-                <a16:creationId xmlns:a16="http://schemas.microsoft.com/office/drawing/2014/main" id="{33288492-80DB-45CD-8CF6-8F1265A891E1}"/>
-              </a:ext>
-            </a:extLst>
-          </p:cNvPr>
-          <p:cNvCxnSpPr>
-            <a:cxnSpLocks/>
-          </p:cNvCxnSpPr>
-          <p:nvPr/>
-        </p:nvCxnSpPr>
-        <p:spPr>
-          <a:xfrm>
-            <a:off x="4555821" y="2817365"/>
-            <a:ext cx="0" cy="3052795"/>
+          <a:xfrm>
+            <a:off x="13556679" y="15582112"/>
+            <a:ext cx="0" cy="7675557"/>
           </a:xfrm>
           <a:prstGeom prst="line">
             <a:avLst/>
@@ -5050,20 +3753,400 @@
       </p:cxnSp>
       <p:sp>
         <p:nvSpPr>
-          <p:cNvPr id="38" name="TextBox 37">
-            <a:extLst>
-              <a:ext uri="{FF2B5EF4-FFF2-40B4-BE49-F238E27FC236}">
-                <a16:creationId xmlns:a16="http://schemas.microsoft.com/office/drawing/2014/main" id="{85652E96-682E-4772-A3B6-2A950B2D57CC}"/>
-              </a:ext>
-            </a:extLst>
-          </p:cNvPr>
+          <p:cNvPr id="6" name="Rectangle 5"/>
+          <p:cNvSpPr/>
+          <p:nvPr/>
+        </p:nvSpPr>
+        <p:spPr>
+          <a:xfrm>
+            <a:off x="13485097" y="16105848"/>
+            <a:ext cx="155229" cy="7047498"/>
+          </a:xfrm>
+          <a:prstGeom prst="rect">
+            <a:avLst/>
+          </a:prstGeom>
+          <a:solidFill>
+            <a:srgbClr val="0070C0"/>
+          </a:solidFill>
+          <a:ln>
+            <a:solidFill>
+              <a:srgbClr val="0070C0"/>
+            </a:solidFill>
+          </a:ln>
+          <a:effectLst/>
+        </p:spPr>
+        <p:style>
+          <a:lnRef idx="1">
+            <a:schemeClr val="accent3"/>
+          </a:lnRef>
+          <a:fillRef idx="2">
+            <a:schemeClr val="accent3"/>
+          </a:fillRef>
+          <a:effectRef idx="1">
+            <a:schemeClr val="accent3"/>
+          </a:effectRef>
+          <a:fontRef idx="minor">
+            <a:schemeClr val="dk1"/>
+          </a:fontRef>
+        </p:style>
+        <p:txBody>
+          <a:bodyPr rtlCol="0" anchor="ctr"/>
+          <a:lstStyle/>
+          <a:p>
+            <a:pPr algn="ctr"/>
+            <a:endParaRPr lang="en-SG" sz="1400"/>
+          </a:p>
+        </p:txBody>
+      </p:sp>
+      <p:sp>
+        <p:nvSpPr>
+          <p:cNvPr id="16" name="Rectangle 62"/>
+          <p:cNvSpPr/>
+          <p:nvPr/>
+        </p:nvSpPr>
+        <p:spPr>
+          <a:xfrm>
+            <a:off x="15028069" y="15186826"/>
+            <a:ext cx="1880779" cy="512456"/>
+          </a:xfrm>
+          <a:prstGeom prst="rect">
+            <a:avLst/>
+          </a:prstGeom>
+          <a:solidFill>
+            <a:srgbClr val="0070C0"/>
+          </a:solidFill>
+          <a:ln w="19050">
+            <a:solidFill>
+              <a:srgbClr val="0070C0"/>
+            </a:solidFill>
+          </a:ln>
+          <a:effectLst/>
+        </p:spPr>
+        <p:style>
+          <a:lnRef idx="1">
+            <a:schemeClr val="accent2"/>
+          </a:lnRef>
+          <a:fillRef idx="2">
+            <a:schemeClr val="accent2"/>
+          </a:fillRef>
+          <a:effectRef idx="1">
+            <a:schemeClr val="accent2"/>
+          </a:effectRef>
+          <a:fontRef idx="minor">
+            <a:schemeClr val="dk1"/>
+          </a:fontRef>
+        </p:style>
+        <p:txBody>
+          <a:bodyPr rtlCol="0" anchor="ctr"/>
+          <a:lstStyle/>
+          <a:p>
+            <a:pPr algn="ctr"/>
+            <a:r>
+              <a:rPr lang="en-US" sz="1600" dirty="0">
+                <a:solidFill>
+                  <a:schemeClr val="bg1"/>
+                </a:solidFill>
+              </a:rPr>
+              <a:t>:EquipmentManagerParser</a:t>
+            </a:r>
+            <a:endParaRPr lang="en-SG" sz="1600" dirty="0">
+              <a:solidFill>
+                <a:schemeClr val="bg1"/>
+              </a:solidFill>
+            </a:endParaRPr>
+          </a:p>
+        </p:txBody>
+      </p:sp>
+      <p:cxnSp>
+        <p:nvCxnSpPr>
+          <p:cNvPr id="17" name="Straight Connector 16"/>
+          <p:cNvCxnSpPr>
+            <a:cxnSpLocks/>
+          </p:cNvCxnSpPr>
+          <p:nvPr/>
+        </p:nvCxnSpPr>
+        <p:spPr>
+          <a:xfrm>
+            <a:off x="15984320" y="15620550"/>
+            <a:ext cx="0" cy="7495699"/>
+          </a:xfrm>
+          <a:prstGeom prst="line">
+            <a:avLst/>
+          </a:prstGeom>
+          <a:ln w="19050">
+            <a:solidFill>
+              <a:srgbClr val="0070C0"/>
+            </a:solidFill>
+            <a:prstDash val="sysDash"/>
+          </a:ln>
+          <a:effectLst/>
+        </p:spPr>
+        <p:style>
+          <a:lnRef idx="1">
+            <a:schemeClr val="accent1"/>
+          </a:lnRef>
+          <a:fillRef idx="2">
+            <a:schemeClr val="accent1"/>
+          </a:fillRef>
+          <a:effectRef idx="1">
+            <a:schemeClr val="accent1"/>
+          </a:effectRef>
+          <a:fontRef idx="minor">
+            <a:schemeClr val="dk1"/>
+          </a:fontRef>
+        </p:style>
+      </p:cxnSp>
+      <p:sp>
+        <p:nvSpPr>
+          <p:cNvPr id="18" name="Rectangle 17"/>
+          <p:cNvSpPr/>
+          <p:nvPr/>
+        </p:nvSpPr>
+        <p:spPr>
+          <a:xfrm>
+            <a:off x="15908122" y="16175473"/>
+            <a:ext cx="156567" cy="4578577"/>
+          </a:xfrm>
+          <a:prstGeom prst="rect">
+            <a:avLst/>
+          </a:prstGeom>
+          <a:solidFill>
+            <a:srgbClr val="0070C0"/>
+          </a:solidFill>
+          <a:ln>
+            <a:solidFill>
+              <a:srgbClr val="0070C0"/>
+            </a:solidFill>
+          </a:ln>
+          <a:effectLst/>
+        </p:spPr>
+        <p:style>
+          <a:lnRef idx="1">
+            <a:schemeClr val="accent3"/>
+          </a:lnRef>
+          <a:fillRef idx="2">
+            <a:schemeClr val="accent3"/>
+          </a:fillRef>
+          <a:effectRef idx="1">
+            <a:schemeClr val="accent3"/>
+          </a:effectRef>
+          <a:fontRef idx="minor">
+            <a:schemeClr val="dk1"/>
+          </a:fontRef>
+        </p:style>
+        <p:txBody>
+          <a:bodyPr rtlCol="0" anchor="ctr"/>
+          <a:lstStyle/>
+          <a:p>
+            <a:pPr algn="ctr"/>
+            <a:endParaRPr lang="en-SG" sz="1400"/>
+          </a:p>
+        </p:txBody>
+      </p:sp>
+      <p:cxnSp>
+        <p:nvCxnSpPr>
+          <p:cNvPr id="20" name="Straight Connector 19"/>
+          <p:cNvCxnSpPr>
+            <a:cxnSpLocks/>
+          </p:cNvCxnSpPr>
+          <p:nvPr/>
+        </p:nvCxnSpPr>
+        <p:spPr>
+          <a:xfrm>
+            <a:off x="18075260" y="16632771"/>
+            <a:ext cx="0" cy="4442462"/>
+          </a:xfrm>
+          <a:prstGeom prst="line">
+            <a:avLst/>
+          </a:prstGeom>
+          <a:ln w="19050">
+            <a:solidFill>
+              <a:srgbClr val="0070C0"/>
+            </a:solidFill>
+            <a:prstDash val="sysDash"/>
+          </a:ln>
+          <a:effectLst/>
+        </p:spPr>
+        <p:style>
+          <a:lnRef idx="1">
+            <a:schemeClr val="accent1"/>
+          </a:lnRef>
+          <a:fillRef idx="2">
+            <a:schemeClr val="accent1"/>
+          </a:fillRef>
+          <a:effectRef idx="1">
+            <a:schemeClr val="accent1"/>
+          </a:effectRef>
+          <a:fontRef idx="minor">
+            <a:schemeClr val="dk1"/>
+          </a:fontRef>
+        </p:style>
+      </p:cxnSp>
+      <p:sp>
+        <p:nvSpPr>
+          <p:cNvPr id="21" name="Rectangle 20"/>
+          <p:cNvSpPr/>
+          <p:nvPr/>
+        </p:nvSpPr>
+        <p:spPr>
+          <a:xfrm>
+            <a:off x="17997806" y="16433346"/>
+            <a:ext cx="154202" cy="273146"/>
+          </a:xfrm>
+          <a:prstGeom prst="rect">
+            <a:avLst/>
+          </a:prstGeom>
+          <a:solidFill>
+            <a:srgbClr val="0070C0"/>
+          </a:solidFill>
+          <a:ln>
+            <a:solidFill>
+              <a:srgbClr val="0070C0"/>
+            </a:solidFill>
+          </a:ln>
+          <a:effectLst/>
+        </p:spPr>
+        <p:style>
+          <a:lnRef idx="1">
+            <a:schemeClr val="accent3"/>
+          </a:lnRef>
+          <a:fillRef idx="2">
+            <a:schemeClr val="accent3"/>
+          </a:fillRef>
+          <a:effectRef idx="1">
+            <a:schemeClr val="accent3"/>
+          </a:effectRef>
+          <a:fontRef idx="minor">
+            <a:schemeClr val="dk1"/>
+          </a:fontRef>
+        </p:style>
+        <p:txBody>
+          <a:bodyPr rtlCol="0" anchor="ctr"/>
+          <a:lstStyle/>
+          <a:p>
+            <a:pPr algn="ctr"/>
+            <a:endParaRPr lang="en-SG" sz="1400"/>
+          </a:p>
+        </p:txBody>
+      </p:sp>
+      <p:cxnSp>
+        <p:nvCxnSpPr>
+          <p:cNvPr id="23" name="Straight Arrow Connector 22"/>
+          <p:cNvCxnSpPr/>
+          <p:nvPr/>
+        </p:nvCxnSpPr>
+        <p:spPr>
+          <a:xfrm>
+            <a:off x="12364820" y="16105848"/>
+            <a:ext cx="1119851" cy="0"/>
+          </a:xfrm>
+          <a:prstGeom prst="straightConnector1">
+            <a:avLst/>
+          </a:prstGeom>
+          <a:ln w="19050">
+            <a:solidFill>
+              <a:schemeClr val="accent1"/>
+            </a:solidFill>
+            <a:tailEnd type="arrow"/>
+          </a:ln>
+        </p:spPr>
+        <p:style>
+          <a:lnRef idx="1">
+            <a:schemeClr val="accent1"/>
+          </a:lnRef>
+          <a:fillRef idx="0">
+            <a:schemeClr val="accent1"/>
+          </a:fillRef>
+          <a:effectRef idx="0">
+            <a:schemeClr val="accent1"/>
+          </a:effectRef>
+          <a:fontRef idx="minor">
+            <a:schemeClr val="tx1"/>
+          </a:fontRef>
+        </p:style>
+      </p:cxnSp>
+      <p:sp>
+        <p:nvSpPr>
+          <p:cNvPr id="26" name="TextBox 25"/>
           <p:cNvSpPr txBox="1"/>
           <p:nvPr/>
         </p:nvSpPr>
         <p:spPr>
           <a:xfrm>
-            <a:off x="6041044" y="3173976"/>
-            <a:ext cx="2234611" cy="215444"/>
+            <a:off x="11596561" y="15648648"/>
+            <a:ext cx="1873159" cy="430887"/>
+          </a:xfrm>
+          <a:prstGeom prst="rect">
+            <a:avLst/>
+          </a:prstGeom>
+          <a:noFill/>
+        </p:spPr>
+        <p:txBody>
+          <a:bodyPr wrap="square" lIns="0" tIns="0" rIns="0" bIns="0" rtlCol="0">
+            <a:spAutoFit/>
+          </a:bodyPr>
+          <a:lstStyle/>
+          <a:p>
+            <a:pPr algn="r"/>
+            <a:r>
+              <a:rPr lang="en-US" sz="1400" dirty="0">
+                <a:solidFill>
+                  <a:srgbClr val="0070C0"/>
+                </a:solidFill>
+              </a:rPr>
+              <a:t>execute(“filter n/jurong a/east t/urgent”)</a:t>
+            </a:r>
+          </a:p>
+        </p:txBody>
+      </p:sp>
+      <p:cxnSp>
+        <p:nvCxnSpPr>
+          <p:cNvPr id="28" name="Straight Arrow Connector 27"/>
+          <p:cNvCxnSpPr>
+            <a:cxnSpLocks/>
+          </p:cNvCxnSpPr>
+          <p:nvPr/>
+        </p:nvCxnSpPr>
+        <p:spPr>
+          <a:xfrm>
+            <a:off x="16060522" y="16224216"/>
+            <a:ext cx="1164577" cy="0"/>
+          </a:xfrm>
+          <a:prstGeom prst="straightConnector1">
+            <a:avLst/>
+          </a:prstGeom>
+          <a:ln w="19050">
+            <a:solidFill>
+              <a:srgbClr val="0070C0"/>
+            </a:solidFill>
+            <a:tailEnd type="arrow"/>
+          </a:ln>
+        </p:spPr>
+        <p:style>
+          <a:lnRef idx="1">
+            <a:schemeClr val="accent1"/>
+          </a:lnRef>
+          <a:fillRef idx="0">
+            <a:schemeClr val="accent1"/>
+          </a:fillRef>
+          <a:effectRef idx="0">
+            <a:schemeClr val="accent1"/>
+          </a:effectRef>
+          <a:fontRef idx="minor">
+            <a:schemeClr val="tx1"/>
+          </a:fontRef>
+        </p:style>
+      </p:cxnSp>
+      <p:sp>
+        <p:nvSpPr>
+          <p:cNvPr id="29" name="TextBox 28"/>
+          <p:cNvSpPr txBox="1"/>
+          <p:nvPr/>
+        </p:nvSpPr>
+        <p:spPr>
+          <a:xfrm>
+            <a:off x="18391067" y="21080142"/>
+            <a:ext cx="855809" cy="215444"/>
           </a:xfrm>
           <a:prstGeom prst="rect">
             <a:avLst/>
@@ -5089,28 +4172,14 @@
           <a:p>
             <a:r>
               <a:rPr lang="en-US" dirty="0"/>
-              <a:t>parse(“</a:t>
-            </a:r>
-            <a:r>
-              <a:rPr lang="en-US" dirty="0" err="1"/>
-              <a:t>args</a:t>
-            </a:r>
-            <a:r>
-              <a:rPr lang="en-US" dirty="0"/>
-              <a:t>”)</a:t>
+              <a:t>execute()</a:t>
             </a:r>
           </a:p>
         </p:txBody>
       </p:sp>
       <p:cxnSp>
         <p:nvCxnSpPr>
-          <p:cNvPr id="39" name="Straight Connector 38">
-            <a:extLst>
-              <a:ext uri="{FF2B5EF4-FFF2-40B4-BE49-F238E27FC236}">
-                <a16:creationId xmlns:a16="http://schemas.microsoft.com/office/drawing/2014/main" id="{B462AD16-152C-4A89-B406-C99082F55C2B}"/>
-              </a:ext>
-            </a:extLst>
-          </p:cNvPr>
+          <p:cNvPr id="34" name="Straight Arrow Connector 33"/>
           <p:cNvCxnSpPr>
             <a:cxnSpLocks/>
           </p:cNvCxnSpPr>
@@ -5118,10 +4187,10 @@
         </p:nvCxnSpPr>
         <p:spPr>
           <a:xfrm>
-            <a:off x="8543093" y="2965933"/>
-            <a:ext cx="0" cy="971861"/>
-          </a:xfrm>
-          <a:prstGeom prst="line">
+            <a:off x="16032061" y="16706981"/>
+            <a:ext cx="1957926" cy="0"/>
+          </a:xfrm>
+          <a:prstGeom prst="straightConnector1">
             <a:avLst/>
           </a:prstGeom>
           <a:ln w="19050">
@@ -5129,51 +4198,8 @@
               <a:srgbClr val="0070C0"/>
             </a:solidFill>
             <a:prstDash val="sysDash"/>
-          </a:ln>
-          <a:effectLst/>
-        </p:spPr>
-        <p:style>
-          <a:lnRef idx="1">
-            <a:schemeClr val="accent1"/>
-          </a:lnRef>
-          <a:fillRef idx="2">
-            <a:schemeClr val="accent1"/>
-          </a:fillRef>
-          <a:effectRef idx="1">
-            <a:schemeClr val="accent1"/>
-          </a:effectRef>
-          <a:fontRef idx="minor">
-            <a:schemeClr val="dk1"/>
-          </a:fontRef>
-        </p:style>
-      </p:cxnSp>
-      <p:cxnSp>
-        <p:nvCxnSpPr>
-          <p:cNvPr id="48" name="Straight Arrow Connector 47">
-            <a:extLst>
-              <a:ext uri="{FF2B5EF4-FFF2-40B4-BE49-F238E27FC236}">
-                <a16:creationId xmlns:a16="http://schemas.microsoft.com/office/drawing/2014/main" id="{179C07E8-9CAB-411C-864A-790872026D0C}"/>
-              </a:ext>
-            </a:extLst>
-          </p:cNvPr>
-          <p:cNvCxnSpPr>
-            <a:cxnSpLocks/>
-          </p:cNvCxnSpPr>
-          <p:nvPr/>
-        </p:nvCxnSpPr>
-        <p:spPr>
-          <a:xfrm flipV="1">
-            <a:off x="8612590" y="3568947"/>
-            <a:ext cx="1972229" cy="1"/>
-          </a:xfrm>
-          <a:prstGeom prst="straightConnector1">
-            <a:avLst/>
-          </a:prstGeom>
-          <a:ln w="19050">
-            <a:solidFill>
-              <a:srgbClr val="0070C0"/>
-            </a:solidFill>
-            <a:tailEnd type="arrow"/>
+            <a:headEnd type="arrow" w="med" len="med"/>
+            <a:tailEnd type="none" w="med" len="med"/>
           </a:ln>
         </p:spPr>
         <p:style>
@@ -5191,22 +4217,147 @@
           </a:fontRef>
         </p:style>
       </p:cxnSp>
-      <p:sp>
-        <p:nvSpPr>
-          <p:cNvPr id="50" name="TextBox 49">
+      <p:cxnSp>
+        <p:nvCxnSpPr>
+          <p:cNvPr id="35" name="Straight Arrow Connector 34"/>
+          <p:cNvCxnSpPr>
+            <a:cxnSpLocks/>
+          </p:cNvCxnSpPr>
+          <p:nvPr/>
+        </p:nvCxnSpPr>
+        <p:spPr>
+          <a:xfrm>
+            <a:off x="13640327" y="20757825"/>
+            <a:ext cx="2348067" cy="0"/>
+          </a:xfrm>
+          <a:prstGeom prst="straightConnector1">
+            <a:avLst/>
+          </a:prstGeom>
+          <a:ln w="19050">
+            <a:solidFill>
+              <a:srgbClr val="0070C0"/>
+            </a:solidFill>
+            <a:prstDash val="sysDash"/>
+            <a:headEnd type="arrow" w="med" len="med"/>
+            <a:tailEnd type="none" w="med" len="med"/>
+          </a:ln>
+        </p:spPr>
+        <p:style>
+          <a:lnRef idx="1">
+            <a:schemeClr val="accent1"/>
+          </a:lnRef>
+          <a:fillRef idx="0">
+            <a:schemeClr val="accent1"/>
+          </a:fillRef>
+          <a:effectRef idx="0">
+            <a:schemeClr val="accent1"/>
+          </a:effectRef>
+          <a:fontRef idx="minor">
+            <a:schemeClr val="tx1"/>
+          </a:fontRef>
+        </p:style>
+      </p:cxnSp>
+      <p:cxnSp>
+        <p:nvCxnSpPr>
+          <p:cNvPr id="37" name="Straight Arrow Connector 36"/>
+          <p:cNvCxnSpPr/>
+          <p:nvPr/>
+        </p:nvCxnSpPr>
+        <p:spPr>
+          <a:xfrm>
+            <a:off x="12326719" y="23153346"/>
+            <a:ext cx="1196051" cy="0"/>
+          </a:xfrm>
+          <a:prstGeom prst="straightConnector1">
+            <a:avLst/>
+          </a:prstGeom>
+          <a:ln w="19050">
+            <a:solidFill>
+              <a:schemeClr val="accent1"/>
+            </a:solidFill>
+            <a:prstDash val="sysDash"/>
+            <a:headEnd type="arrow" w="med" len="med"/>
+            <a:tailEnd type="none" w="med" len="med"/>
+          </a:ln>
+        </p:spPr>
+        <p:style>
+          <a:lnRef idx="1">
+            <a:schemeClr val="accent1"/>
+          </a:lnRef>
+          <a:fillRef idx="0">
+            <a:schemeClr val="accent1"/>
+          </a:fillRef>
+          <a:effectRef idx="0">
+            <a:schemeClr val="accent1"/>
+          </a:effectRef>
+          <a:fontRef idx="minor">
+            <a:schemeClr val="tx1"/>
+          </a:fontRef>
+        </p:style>
+      </p:cxnSp>
+      <p:sp>
+        <p:nvSpPr>
+          <p:cNvPr id="85" name="Rectangle 84">
             <a:extLst>
               <a:ext uri="{FF2B5EF4-FFF2-40B4-BE49-F238E27FC236}">
-                <a16:creationId xmlns:a16="http://schemas.microsoft.com/office/drawing/2014/main" id="{379EF2D7-B78E-42A9-B981-EFCCFFD28A88}"/>
+                <a16:creationId xmlns:a16="http://schemas.microsoft.com/office/drawing/2014/main" id="{71B9CA70-A8FC-664D-B819-4DAEB949892C}"/>
               </a:ext>
             </a:extLst>
           </p:cNvPr>
+          <p:cNvSpPr/>
+          <p:nvPr/>
+        </p:nvSpPr>
+        <p:spPr>
+          <a:xfrm>
+            <a:off x="23058749" y="19658842"/>
+            <a:ext cx="148035" cy="246027"/>
+          </a:xfrm>
+          <a:prstGeom prst="rect">
+            <a:avLst/>
+          </a:prstGeom>
+          <a:solidFill>
+            <a:srgbClr val="0070C0"/>
+          </a:solidFill>
+          <a:ln>
+            <a:solidFill>
+              <a:srgbClr val="0070C0"/>
+            </a:solidFill>
+          </a:ln>
+          <a:effectLst/>
+        </p:spPr>
+        <p:style>
+          <a:lnRef idx="1">
+            <a:schemeClr val="accent3"/>
+          </a:lnRef>
+          <a:fillRef idx="2">
+            <a:schemeClr val="accent3"/>
+          </a:fillRef>
+          <a:effectRef idx="1">
+            <a:schemeClr val="accent3"/>
+          </a:effectRef>
+          <a:fontRef idx="minor">
+            <a:schemeClr val="dk1"/>
+          </a:fontRef>
+        </p:style>
+        <p:txBody>
+          <a:bodyPr rtlCol="0" anchor="ctr"/>
+          <a:lstStyle/>
+          <a:p>
+            <a:pPr algn="ctr"/>
+            <a:endParaRPr lang="en-SG" sz="1400"/>
+          </a:p>
+        </p:txBody>
+      </p:sp>
+      <p:sp>
+        <p:nvSpPr>
+          <p:cNvPr id="79" name="TextBox 78"/>
           <p:cNvSpPr txBox="1"/>
           <p:nvPr/>
         </p:nvSpPr>
         <p:spPr>
           <a:xfrm>
-            <a:off x="7665604" y="3791092"/>
-            <a:ext cx="220343" cy="215444"/>
+            <a:off x="24485933" y="21025385"/>
+            <a:ext cx="2804091" cy="430887"/>
           </a:xfrm>
           <a:prstGeom prst="rect">
             <a:avLst/>
@@ -5231,75 +4382,37 @@
           </a:lstStyle>
           <a:p>
             <a:r>
-              <a:rPr lang="en-US" dirty="0"/>
-              <a:t>f</a:t>
-            </a:r>
-          </a:p>
-        </p:txBody>
-      </p:sp>
-      <p:cxnSp>
-        <p:nvCxnSpPr>
-          <p:cNvPr id="52" name="Straight Arrow Connector 51">
-            <a:extLst>
-              <a:ext uri="{FF2B5EF4-FFF2-40B4-BE49-F238E27FC236}">
-                <a16:creationId xmlns:a16="http://schemas.microsoft.com/office/drawing/2014/main" id="{943C2C2F-6644-4232-92FE-DCF16DB2EE23}"/>
-              </a:ext>
-            </a:extLst>
-          </p:cNvPr>
-          <p:cNvCxnSpPr>
-            <a:cxnSpLocks/>
-            <a:endCxn id="106" idx="2"/>
-          </p:cNvCxnSpPr>
-          <p:nvPr/>
-        </p:nvCxnSpPr>
-        <p:spPr>
-          <a:xfrm>
-            <a:off x="8625124" y="3909737"/>
-            <a:ext cx="2005569" cy="28057"/>
-          </a:xfrm>
-          <a:prstGeom prst="straightConnector1">
-            <a:avLst/>
-          </a:prstGeom>
-          <a:ln w="19050">
-            <a:solidFill>
-              <a:srgbClr val="0070C0"/>
-            </a:solidFill>
-            <a:prstDash val="sysDash"/>
-            <a:headEnd type="arrow" w="med" len="med"/>
-            <a:tailEnd type="none" w="med" len="med"/>
-          </a:ln>
-        </p:spPr>
-        <p:style>
-          <a:lnRef idx="1">
-            <a:schemeClr val="accent1"/>
-          </a:lnRef>
-          <a:fillRef idx="0">
-            <a:schemeClr val="accent1"/>
-          </a:fillRef>
-          <a:effectRef idx="0">
-            <a:schemeClr val="accent1"/>
-          </a:effectRef>
-          <a:fontRef idx="minor">
-            <a:schemeClr val="tx1"/>
-          </a:fontRef>
-        </p:style>
-      </p:cxnSp>
-      <p:sp>
-        <p:nvSpPr>
-          <p:cNvPr id="101" name="TextBox 100">
-            <a:extLst>
-              <a:ext uri="{FF2B5EF4-FFF2-40B4-BE49-F238E27FC236}">
-                <a16:creationId xmlns:a16="http://schemas.microsoft.com/office/drawing/2014/main" id="{85EEE799-B685-4CC0-BB7F-5709D6E6C527}"/>
-              </a:ext>
-            </a:extLst>
-          </p:cNvPr>
+              <a:rPr lang="en-US" dirty="0">
+                <a:solidFill>
+                  <a:schemeClr val="accent4">
+                    <a:lumMod val="75000"/>
+                  </a:schemeClr>
+                </a:solidFill>
+              </a:rPr>
+              <a:t>updateFilteredList</a:t>
+            </a:r>
+            <a:r>
+              <a:rPr lang="en-US" dirty="0">
+                <a:solidFill>
+                  <a:srgbClr val="7030A0"/>
+                </a:solidFill>
+              </a:rPr>
+              <a:t>(EquipmentContainsKeywordPredicate)</a:t>
+            </a:r>
+            <a:endParaRPr lang="en-US" dirty="0"/>
+          </a:p>
+        </p:txBody>
+      </p:sp>
+      <p:sp>
+        <p:nvSpPr>
+          <p:cNvPr id="80" name="TextBox 79"/>
           <p:cNvSpPr txBox="1"/>
           <p:nvPr/>
         </p:nvSpPr>
         <p:spPr>
           <a:xfrm>
-            <a:off x="9691909" y="3662740"/>
-            <a:ext cx="220343" cy="215444"/>
+            <a:off x="13578826" y="15724849"/>
+            <a:ext cx="2219553" cy="430887"/>
           </a:xfrm>
           <a:prstGeom prst="rect">
             <a:avLst/>
@@ -5325,37 +4438,243 @@
           <a:p>
             <a:r>
               <a:rPr lang="en-US" dirty="0"/>
-              <a:t>f</a:t>
-            </a:r>
-          </a:p>
-        </p:txBody>
-      </p:sp>
-      <p:sp>
-        <p:nvSpPr>
-          <p:cNvPr id="104" name="Rectangle 62">
+              <a:t>parseCommand(“filter n/jurong a/east t/urgent”)</a:t>
+            </a:r>
+          </a:p>
+        </p:txBody>
+      </p:sp>
+      <p:sp>
+        <p:nvSpPr>
+          <p:cNvPr id="82" name="TextBox 81"/>
+          <p:cNvSpPr txBox="1"/>
+          <p:nvPr/>
+        </p:nvSpPr>
+        <p:spPr>
+          <a:xfrm>
+            <a:off x="18492698" y="22061100"/>
+            <a:ext cx="621216" cy="215444"/>
+          </a:xfrm>
+          <a:prstGeom prst="rect">
+            <a:avLst/>
+          </a:prstGeom>
+          <a:noFill/>
+        </p:spPr>
+        <p:txBody>
+          <a:bodyPr wrap="square" lIns="0" tIns="0" rIns="0" bIns="0" rtlCol="0">
+            <a:spAutoFit/>
+          </a:bodyPr>
+          <a:lstStyle>
+            <a:defPPr>
+              <a:defRPr lang="en-US"/>
+            </a:defPPr>
+            <a:lvl1pPr algn="r">
+              <a:defRPr sz="1400">
+                <a:solidFill>
+                  <a:srgbClr val="0070C0"/>
+                </a:solidFill>
+              </a:defRPr>
+            </a:lvl1pPr>
+          </a:lstStyle>
+          <a:p>
+            <a:r>
+              <a:rPr lang="en-US" dirty="0"/>
+              <a:t>result</a:t>
+            </a:r>
+          </a:p>
+        </p:txBody>
+      </p:sp>
+      <p:sp>
+        <p:nvSpPr>
+          <p:cNvPr id="83" name="TextBox 82"/>
+          <p:cNvSpPr txBox="1"/>
+          <p:nvPr/>
+        </p:nvSpPr>
+        <p:spPr>
+          <a:xfrm>
+            <a:off x="12590990" y="22900804"/>
+            <a:ext cx="762000" cy="215444"/>
+          </a:xfrm>
+          <a:prstGeom prst="rect">
+            <a:avLst/>
+          </a:prstGeom>
+          <a:noFill/>
+        </p:spPr>
+        <p:txBody>
+          <a:bodyPr wrap="square" lIns="0" tIns="0" rIns="0" bIns="0" rtlCol="0">
+            <a:spAutoFit/>
+          </a:bodyPr>
+          <a:lstStyle>
+            <a:defPPr>
+              <a:defRPr lang="en-US"/>
+            </a:defPPr>
+            <a:lvl1pPr algn="r">
+              <a:defRPr sz="1400">
+                <a:solidFill>
+                  <a:srgbClr val="0070C0"/>
+                </a:solidFill>
+              </a:defRPr>
+            </a:lvl1pPr>
+          </a:lstStyle>
+          <a:p>
+            <a:r>
+              <a:rPr lang="en-US" dirty="0"/>
+              <a:t>result</a:t>
+            </a:r>
+          </a:p>
+        </p:txBody>
+      </p:sp>
+      <p:sp>
+        <p:nvSpPr>
+          <p:cNvPr id="72" name="TextBox 71">
             <a:extLst>
               <a:ext uri="{FF2B5EF4-FFF2-40B4-BE49-F238E27FC236}">
-                <a16:creationId xmlns:a16="http://schemas.microsoft.com/office/drawing/2014/main" id="{F168319B-0399-4111-A610-A00CD5160D29}"/>
+                <a16:creationId xmlns:a16="http://schemas.microsoft.com/office/drawing/2014/main" id="{FB9E8738-97C5-A143-8A32-EA9D51C94C20}"/>
               </a:ext>
             </a:extLst>
           </p:cNvPr>
+          <p:cNvSpPr txBox="1"/>
+          <p:nvPr/>
+        </p:nvSpPr>
+        <p:spPr>
+          <a:xfrm>
+            <a:off x="17849389" y="16791650"/>
+            <a:ext cx="2359015" cy="430887"/>
+          </a:xfrm>
+          <a:prstGeom prst="rect">
+            <a:avLst/>
+          </a:prstGeom>
+          <a:noFill/>
+        </p:spPr>
+        <p:txBody>
+          <a:bodyPr wrap="square" lIns="0" tIns="0" rIns="0" bIns="0" rtlCol="0">
+            <a:spAutoFit/>
+          </a:bodyPr>
+          <a:lstStyle>
+            <a:defPPr>
+              <a:defRPr lang="en-US"/>
+            </a:defPPr>
+            <a:lvl1pPr algn="r">
+              <a:defRPr sz="1400">
+                <a:solidFill>
+                  <a:srgbClr val="0070C0"/>
+                </a:solidFill>
+              </a:defRPr>
+            </a:lvl1pPr>
+          </a:lstStyle>
+          <a:p>
+            <a:r>
+              <a:rPr lang="en-US" dirty="0"/>
+              <a:t>tokenize(“n/jurong a/east t/urgent”, “n/”, ”a/”,  “t/”)</a:t>
+            </a:r>
+          </a:p>
+        </p:txBody>
+      </p:sp>
+      <p:cxnSp>
+        <p:nvCxnSpPr>
+          <p:cNvPr id="73" name="Straight Arrow Connector 72">
+            <a:extLst>
+              <a:ext uri="{FF2B5EF4-FFF2-40B4-BE49-F238E27FC236}">
+                <a16:creationId xmlns:a16="http://schemas.microsoft.com/office/drawing/2014/main" id="{62FE9DDF-4811-4140-A325-142C221B84A9}"/>
+              </a:ext>
+            </a:extLst>
+          </p:cNvPr>
+          <p:cNvCxnSpPr>
+            <a:cxnSpLocks/>
+          </p:cNvCxnSpPr>
+          <p:nvPr/>
+        </p:nvCxnSpPr>
+        <p:spPr>
+          <a:xfrm>
+            <a:off x="18143883" y="17512072"/>
+            <a:ext cx="2315735" cy="0"/>
+          </a:xfrm>
+          <a:prstGeom prst="straightConnector1">
+            <a:avLst/>
+          </a:prstGeom>
+          <a:ln w="19050">
+            <a:solidFill>
+              <a:srgbClr val="0070C0"/>
+            </a:solidFill>
+            <a:prstDash val="sysDash"/>
+            <a:headEnd type="arrow" w="med" len="med"/>
+            <a:tailEnd type="none" w="med" len="med"/>
+          </a:ln>
+        </p:spPr>
+        <p:style>
+          <a:lnRef idx="1">
+            <a:schemeClr val="accent1"/>
+          </a:lnRef>
+          <a:fillRef idx="0">
+            <a:schemeClr val="accent1"/>
+          </a:fillRef>
+          <a:effectRef idx="0">
+            <a:schemeClr val="accent1"/>
+          </a:effectRef>
+          <a:fontRef idx="minor">
+            <a:schemeClr val="tx1"/>
+          </a:fontRef>
+        </p:style>
+      </p:cxnSp>
+      <p:sp>
+        <p:nvSpPr>
+          <p:cNvPr id="93" name="TextBox 92"/>
+          <p:cNvSpPr txBox="1"/>
+          <p:nvPr/>
+        </p:nvSpPr>
+        <p:spPr>
+          <a:xfrm>
+            <a:off x="14670512" y="20525448"/>
+            <a:ext cx="220343" cy="215444"/>
+          </a:xfrm>
+          <a:prstGeom prst="rect">
+            <a:avLst/>
+          </a:prstGeom>
+          <a:noFill/>
+        </p:spPr>
+        <p:txBody>
+          <a:bodyPr wrap="square" lIns="0" tIns="0" rIns="0" bIns="0" rtlCol="0">
+            <a:spAutoFit/>
+          </a:bodyPr>
+          <a:lstStyle>
+            <a:defPPr>
+              <a:defRPr lang="en-US"/>
+            </a:defPPr>
+            <a:lvl1pPr algn="r">
+              <a:defRPr sz="1400">
+                <a:solidFill>
+                  <a:srgbClr val="0070C0"/>
+                </a:solidFill>
+              </a:defRPr>
+            </a:lvl1pPr>
+          </a:lstStyle>
+          <a:p>
+            <a:r>
+              <a:rPr lang="en-US" dirty="0"/>
+              <a:t>u</a:t>
+            </a:r>
+          </a:p>
+        </p:txBody>
+      </p:sp>
+      <p:sp>
+        <p:nvSpPr>
+          <p:cNvPr id="40" name="Rectangle 62"/>
           <p:cNvSpPr/>
           <p:nvPr/>
         </p:nvSpPr>
         <p:spPr>
           <a:xfrm>
-            <a:off x="9912252" y="3046612"/>
-            <a:ext cx="1631246" cy="357799"/>
+            <a:off x="26903869" y="20680180"/>
+            <a:ext cx="925800" cy="300180"/>
           </a:xfrm>
           <a:prstGeom prst="rect">
             <a:avLst/>
           </a:prstGeom>
           <a:solidFill>
-            <a:srgbClr val="0070C0"/>
+            <a:srgbClr val="7030A0"/>
           </a:solidFill>
           <a:ln w="19050">
             <a:solidFill>
-              <a:srgbClr val="0070C0"/>
+              <a:srgbClr val="7030A0"/>
             </a:solidFill>
           </a:ln>
           <a:effectLst/>
@@ -5385,7 +4704,7 @@
                   <a:schemeClr val="bg1"/>
                 </a:solidFill>
               </a:rPr>
-              <a:t>f:FilterCommand</a:t>
+              <a:t>: Model</a:t>
             </a:r>
             <a:endParaRPr lang="en-SG" sz="1600" dirty="0">
               <a:solidFill>
@@ -5397,31 +4716,23 @@
       </p:sp>
       <p:cxnSp>
         <p:nvCxnSpPr>
-          <p:cNvPr id="105" name="Straight Connector 104">
-            <a:extLst>
-              <a:ext uri="{FF2B5EF4-FFF2-40B4-BE49-F238E27FC236}">
-                <a16:creationId xmlns:a16="http://schemas.microsoft.com/office/drawing/2014/main" id="{F85C7D55-AC58-4355-8ABA-7B96D6EE328F}"/>
-              </a:ext>
-            </a:extLst>
-          </p:cNvPr>
+          <p:cNvPr id="46" name="Straight Connector 45"/>
           <p:cNvCxnSpPr>
             <a:cxnSpLocks/>
-            <a:stCxn id="106" idx="0"/>
-            <a:endCxn id="65" idx="2"/>
           </p:cNvCxnSpPr>
           <p:nvPr/>
         </p:nvCxnSpPr>
         <p:spPr>
           <a:xfrm flipH="1">
-            <a:off x="10628368" y="3298891"/>
-            <a:ext cx="2325" cy="2463546"/>
+            <a:off x="27361478" y="20980360"/>
+            <a:ext cx="3599" cy="1304065"/>
           </a:xfrm>
           <a:prstGeom prst="line">
             <a:avLst/>
           </a:prstGeom>
           <a:ln w="19050">
             <a:solidFill>
-              <a:srgbClr val="0070C0"/>
+              <a:srgbClr val="7030A0"/>
             </a:solidFill>
             <a:prstDash val="sysDash"/>
           </a:ln>
@@ -5444,30 +4755,24 @@
       </p:cxnSp>
       <p:sp>
         <p:nvSpPr>
-          <p:cNvPr id="106" name="Rectangle 105">
-            <a:extLst>
-              <a:ext uri="{FF2B5EF4-FFF2-40B4-BE49-F238E27FC236}">
-                <a16:creationId xmlns:a16="http://schemas.microsoft.com/office/drawing/2014/main" id="{FD365C5D-CF90-4DA0-A781-736242B4A65F}"/>
-              </a:ext>
-            </a:extLst>
-          </p:cNvPr>
+          <p:cNvPr id="49" name="Rectangle 48"/>
           <p:cNvSpPr/>
           <p:nvPr/>
         </p:nvSpPr>
         <p:spPr>
           <a:xfrm>
-            <a:off x="10553496" y="3298891"/>
-            <a:ext cx="154394" cy="638903"/>
+            <a:off x="27280913" y="21491747"/>
+            <a:ext cx="167756" cy="633901"/>
           </a:xfrm>
           <a:prstGeom prst="rect">
             <a:avLst/>
           </a:prstGeom>
           <a:solidFill>
-            <a:srgbClr val="0070C0"/>
+            <a:srgbClr val="7030A0"/>
           </a:solidFill>
           <a:ln>
             <a:solidFill>
-              <a:srgbClr val="0070C0"/>
+              <a:srgbClr val="7030A0"/>
             </a:solidFill>
           </a:ln>
           <a:effectLst/>
@@ -5495,6 +4800,1920 @@
           </a:p>
         </p:txBody>
       </p:sp>
+      <p:cxnSp>
+        <p:nvCxnSpPr>
+          <p:cNvPr id="50" name="Straight Arrow Connector 49"/>
+          <p:cNvCxnSpPr>
+            <a:cxnSpLocks/>
+          </p:cNvCxnSpPr>
+          <p:nvPr/>
+        </p:nvCxnSpPr>
+        <p:spPr>
+          <a:xfrm>
+            <a:off x="24417225" y="21501297"/>
+            <a:ext cx="2872799" cy="0"/>
+          </a:xfrm>
+          <a:prstGeom prst="straightConnector1">
+            <a:avLst/>
+          </a:prstGeom>
+          <a:ln w="19050">
+            <a:solidFill>
+              <a:srgbClr val="0070C0"/>
+            </a:solidFill>
+            <a:tailEnd type="arrow"/>
+          </a:ln>
+        </p:spPr>
+        <p:style>
+          <a:lnRef idx="1">
+            <a:schemeClr val="accent1"/>
+          </a:lnRef>
+          <a:fillRef idx="0">
+            <a:schemeClr val="accent1"/>
+          </a:fillRef>
+          <a:effectRef idx="0">
+            <a:schemeClr val="accent1"/>
+          </a:effectRef>
+          <a:fontRef idx="minor">
+            <a:schemeClr val="tx1"/>
+          </a:fontRef>
+        </p:style>
+      </p:cxnSp>
+      <p:sp>
+        <p:nvSpPr>
+          <p:cNvPr id="4" name="TextBox 3"/>
+          <p:cNvSpPr txBox="1"/>
+          <p:nvPr/>
+        </p:nvSpPr>
+        <p:spPr>
+          <a:xfrm>
+            <a:off x="17956973" y="21058848"/>
+            <a:ext cx="258404" cy="261610"/>
+          </a:xfrm>
+          <a:prstGeom prst="rect">
+            <a:avLst/>
+          </a:prstGeom>
+          <a:noFill/>
+        </p:spPr>
+        <p:txBody>
+          <a:bodyPr wrap="none" rtlCol="0">
+            <a:spAutoFit/>
+          </a:bodyPr>
+          <a:lstStyle/>
+          <a:p>
+            <a:r>
+              <a:rPr lang="en-SG" sz="1100" dirty="0">
+                <a:solidFill>
+                  <a:srgbClr val="002060"/>
+                </a:solidFill>
+              </a:rPr>
+              <a:t>X</a:t>
+            </a:r>
+          </a:p>
+        </p:txBody>
+      </p:sp>
+      <p:sp>
+        <p:nvSpPr>
+          <p:cNvPr id="19" name="Rectangle 62"/>
+          <p:cNvSpPr/>
+          <p:nvPr/>
+        </p:nvSpPr>
+        <p:spPr>
+          <a:xfrm>
+            <a:off x="17203520" y="15994518"/>
+            <a:ext cx="1599786" cy="459399"/>
+          </a:xfrm>
+          <a:prstGeom prst="rect">
+            <a:avLst/>
+          </a:prstGeom>
+          <a:solidFill>
+            <a:srgbClr val="0070C0"/>
+          </a:solidFill>
+          <a:ln w="19050">
+            <a:solidFill>
+              <a:srgbClr val="0070C0"/>
+            </a:solidFill>
+          </a:ln>
+          <a:effectLst/>
+        </p:spPr>
+        <p:style>
+          <a:lnRef idx="1">
+            <a:schemeClr val="accent2"/>
+          </a:lnRef>
+          <a:fillRef idx="2">
+            <a:schemeClr val="accent2"/>
+          </a:fillRef>
+          <a:effectRef idx="1">
+            <a:schemeClr val="accent2"/>
+          </a:effectRef>
+          <a:fontRef idx="minor">
+            <a:schemeClr val="dk1"/>
+          </a:fontRef>
+        </p:style>
+        <p:txBody>
+          <a:bodyPr rtlCol="0" anchor="ctr"/>
+          <a:lstStyle/>
+          <a:p>
+            <a:pPr algn="ctr"/>
+            <a:r>
+              <a:rPr lang="en-US" sz="1600" dirty="0">
+                <a:solidFill>
+                  <a:schemeClr val="bg1"/>
+                </a:solidFill>
+              </a:rPr>
+              <a:t>:Filter</a:t>
+            </a:r>
+            <a:br>
+              <a:rPr lang="en-US" sz="1600" dirty="0">
+                <a:solidFill>
+                  <a:schemeClr val="bg1"/>
+                </a:solidFill>
+              </a:rPr>
+            </a:br>
+            <a:r>
+              <a:rPr lang="en-US" sz="1600" dirty="0">
+                <a:solidFill>
+                  <a:schemeClr val="bg1"/>
+                </a:solidFill>
+              </a:rPr>
+              <a:t>CommandParser</a:t>
+            </a:r>
+            <a:endParaRPr lang="en-SG" sz="1600" dirty="0">
+              <a:solidFill>
+                <a:schemeClr val="bg1"/>
+              </a:solidFill>
+            </a:endParaRPr>
+          </a:p>
+        </p:txBody>
+      </p:sp>
+      <p:cxnSp>
+        <p:nvCxnSpPr>
+          <p:cNvPr id="66" name="Straight Arrow Connector 65">
+            <a:extLst>
+              <a:ext uri="{FF2B5EF4-FFF2-40B4-BE49-F238E27FC236}">
+                <a16:creationId xmlns:a16="http://schemas.microsoft.com/office/drawing/2014/main" id="{39916E2E-195A-4DC8-B025-B05FA87E6796}"/>
+              </a:ext>
+            </a:extLst>
+          </p:cNvPr>
+          <p:cNvCxnSpPr>
+            <a:cxnSpLocks/>
+          </p:cNvCxnSpPr>
+          <p:nvPr/>
+        </p:nvCxnSpPr>
+        <p:spPr>
+          <a:xfrm>
+            <a:off x="13622121" y="21369332"/>
+            <a:ext cx="10786713" cy="0"/>
+          </a:xfrm>
+          <a:prstGeom prst="straightConnector1">
+            <a:avLst/>
+          </a:prstGeom>
+          <a:ln w="19050">
+            <a:solidFill>
+              <a:srgbClr val="0070C0"/>
+            </a:solidFill>
+            <a:tailEnd type="arrow"/>
+          </a:ln>
+        </p:spPr>
+        <p:style>
+          <a:lnRef idx="1">
+            <a:schemeClr val="accent1"/>
+          </a:lnRef>
+          <a:fillRef idx="0">
+            <a:schemeClr val="accent1"/>
+          </a:fillRef>
+          <a:effectRef idx="0">
+            <a:schemeClr val="accent1"/>
+          </a:effectRef>
+          <a:fontRef idx="minor">
+            <a:schemeClr val="tx1"/>
+          </a:fontRef>
+        </p:style>
+      </p:cxnSp>
+      <p:cxnSp>
+        <p:nvCxnSpPr>
+          <p:cNvPr id="67" name="Straight Arrow Connector 66">
+            <a:extLst>
+              <a:ext uri="{FF2B5EF4-FFF2-40B4-BE49-F238E27FC236}">
+                <a16:creationId xmlns:a16="http://schemas.microsoft.com/office/drawing/2014/main" id="{D881596E-177C-4FDC-8E60-CAB90B3D5FAB}"/>
+              </a:ext>
+            </a:extLst>
+          </p:cNvPr>
+          <p:cNvCxnSpPr>
+            <a:cxnSpLocks/>
+          </p:cNvCxnSpPr>
+          <p:nvPr/>
+        </p:nvCxnSpPr>
+        <p:spPr>
+          <a:xfrm>
+            <a:off x="13653966" y="16182049"/>
+            <a:ext cx="2256705" cy="1"/>
+          </a:xfrm>
+          <a:prstGeom prst="straightConnector1">
+            <a:avLst/>
+          </a:prstGeom>
+          <a:ln w="19050">
+            <a:solidFill>
+              <a:srgbClr val="0070C0"/>
+            </a:solidFill>
+            <a:tailEnd type="arrow"/>
+          </a:ln>
+        </p:spPr>
+        <p:style>
+          <a:lnRef idx="1">
+            <a:schemeClr val="accent1"/>
+          </a:lnRef>
+          <a:fillRef idx="0">
+            <a:schemeClr val="accent1"/>
+          </a:fillRef>
+          <a:effectRef idx="0">
+            <a:schemeClr val="accent1"/>
+          </a:effectRef>
+          <a:fontRef idx="minor">
+            <a:schemeClr val="tx1"/>
+          </a:fontRef>
+        </p:style>
+      </p:cxnSp>
+      <p:cxnSp>
+        <p:nvCxnSpPr>
+          <p:cNvPr id="69" name="Straight Arrow Connector 68">
+            <a:extLst>
+              <a:ext uri="{FF2B5EF4-FFF2-40B4-BE49-F238E27FC236}">
+                <a16:creationId xmlns:a16="http://schemas.microsoft.com/office/drawing/2014/main" id="{7C9F21BC-13A9-471F-825A-2621FD36355F}"/>
+              </a:ext>
+            </a:extLst>
+          </p:cNvPr>
+          <p:cNvCxnSpPr>
+            <a:cxnSpLocks/>
+          </p:cNvCxnSpPr>
+          <p:nvPr/>
+        </p:nvCxnSpPr>
+        <p:spPr>
+          <a:xfrm>
+            <a:off x="16060520" y="20601649"/>
+            <a:ext cx="2076914" cy="1"/>
+          </a:xfrm>
+          <a:prstGeom prst="straightConnector1">
+            <a:avLst/>
+          </a:prstGeom>
+          <a:ln w="19050">
+            <a:solidFill>
+              <a:srgbClr val="0070C0"/>
+            </a:solidFill>
+            <a:prstDash val="sysDash"/>
+            <a:headEnd type="arrow" w="med" len="med"/>
+            <a:tailEnd type="none" w="med" len="med"/>
+          </a:ln>
+        </p:spPr>
+        <p:style>
+          <a:lnRef idx="1">
+            <a:schemeClr val="accent1"/>
+          </a:lnRef>
+          <a:fillRef idx="0">
+            <a:schemeClr val="accent1"/>
+          </a:fillRef>
+          <a:effectRef idx="0">
+            <a:schemeClr val="accent1"/>
+          </a:effectRef>
+          <a:fontRef idx="minor">
+            <a:schemeClr val="tx1"/>
+          </a:fontRef>
+        </p:style>
+      </p:cxnSp>
+      <p:cxnSp>
+        <p:nvCxnSpPr>
+          <p:cNvPr id="87" name="Straight Arrow Connector 86">
+            <a:extLst>
+              <a:ext uri="{FF2B5EF4-FFF2-40B4-BE49-F238E27FC236}">
+                <a16:creationId xmlns:a16="http://schemas.microsoft.com/office/drawing/2014/main" id="{27EBE996-FBF4-964E-BB6E-00895D114E31}"/>
+              </a:ext>
+            </a:extLst>
+          </p:cNvPr>
+          <p:cNvCxnSpPr>
+            <a:cxnSpLocks/>
+          </p:cNvCxnSpPr>
+          <p:nvPr/>
+        </p:nvCxnSpPr>
+        <p:spPr>
+          <a:xfrm>
+            <a:off x="18143881" y="19305584"/>
+            <a:ext cx="3346852" cy="0"/>
+          </a:xfrm>
+          <a:prstGeom prst="straightConnector1">
+            <a:avLst/>
+          </a:prstGeom>
+          <a:ln w="19050">
+            <a:solidFill>
+              <a:srgbClr val="0070C0"/>
+            </a:solidFill>
+            <a:prstDash val="sysDash"/>
+            <a:headEnd type="arrow" w="med" len="med"/>
+            <a:tailEnd type="none" w="med" len="med"/>
+          </a:ln>
+        </p:spPr>
+        <p:style>
+          <a:lnRef idx="1">
+            <a:schemeClr val="accent1"/>
+          </a:lnRef>
+          <a:fillRef idx="0">
+            <a:schemeClr val="accent1"/>
+          </a:fillRef>
+          <a:effectRef idx="0">
+            <a:schemeClr val="accent1"/>
+          </a:effectRef>
+          <a:fontRef idx="minor">
+            <a:schemeClr val="tx1"/>
+          </a:fontRef>
+        </p:style>
+      </p:cxnSp>
+      <p:sp>
+        <p:nvSpPr>
+          <p:cNvPr id="75" name="Rectangle 62">
+            <a:extLst>
+              <a:ext uri="{FF2B5EF4-FFF2-40B4-BE49-F238E27FC236}">
+                <a16:creationId xmlns:a16="http://schemas.microsoft.com/office/drawing/2014/main" id="{786FE50E-8741-3D41-8005-9D5E6FCF8CE1}"/>
+              </a:ext>
+            </a:extLst>
+          </p:cNvPr>
+          <p:cNvSpPr/>
+          <p:nvPr/>
+        </p:nvSpPr>
+        <p:spPr>
+          <a:xfrm>
+            <a:off x="22294664" y="19182030"/>
+            <a:ext cx="1953599" cy="459399"/>
+          </a:xfrm>
+          <a:prstGeom prst="rect">
+            <a:avLst/>
+          </a:prstGeom>
+          <a:solidFill>
+            <a:srgbClr val="0070C0"/>
+          </a:solidFill>
+          <a:ln w="19050">
+            <a:solidFill>
+              <a:srgbClr val="0070C0"/>
+            </a:solidFill>
+          </a:ln>
+          <a:effectLst/>
+        </p:spPr>
+        <p:style>
+          <a:lnRef idx="1">
+            <a:schemeClr val="accent2"/>
+          </a:lnRef>
+          <a:fillRef idx="2">
+            <a:schemeClr val="accent2"/>
+          </a:fillRef>
+          <a:effectRef idx="1">
+            <a:schemeClr val="accent2"/>
+          </a:effectRef>
+          <a:fontRef idx="minor">
+            <a:schemeClr val="dk1"/>
+          </a:fontRef>
+        </p:style>
+        <p:txBody>
+          <a:bodyPr rtlCol="0" anchor="ctr"/>
+          <a:lstStyle/>
+          <a:p>
+            <a:pPr algn="ctr"/>
+            <a:r>
+              <a:rPr lang="en-US" sz="1600" dirty="0">
+                <a:solidFill>
+                  <a:schemeClr val="bg1"/>
+                </a:solidFill>
+              </a:rPr>
+              <a:t>:EquipmentContainsKeyWordPredicate</a:t>
+            </a:r>
+            <a:endParaRPr lang="en-SG" sz="1600" dirty="0">
+              <a:solidFill>
+                <a:schemeClr val="bg1"/>
+              </a:solidFill>
+            </a:endParaRPr>
+          </a:p>
+        </p:txBody>
+      </p:sp>
+      <p:sp>
+        <p:nvSpPr>
+          <p:cNvPr id="90" name="Rectangle 89">
+            <a:extLst>
+              <a:ext uri="{FF2B5EF4-FFF2-40B4-BE49-F238E27FC236}">
+                <a16:creationId xmlns:a16="http://schemas.microsoft.com/office/drawing/2014/main" id="{06ECB6D2-2510-5346-BE7E-18FA1265D443}"/>
+              </a:ext>
+            </a:extLst>
+          </p:cNvPr>
+          <p:cNvSpPr/>
+          <p:nvPr/>
+        </p:nvSpPr>
+        <p:spPr>
+          <a:xfrm>
+            <a:off x="17989989" y="17161696"/>
+            <a:ext cx="156567" cy="3439952"/>
+          </a:xfrm>
+          <a:prstGeom prst="rect">
+            <a:avLst/>
+          </a:prstGeom>
+          <a:solidFill>
+            <a:srgbClr val="0070C0"/>
+          </a:solidFill>
+          <a:ln>
+            <a:solidFill>
+              <a:srgbClr val="0070C0"/>
+            </a:solidFill>
+          </a:ln>
+          <a:effectLst/>
+        </p:spPr>
+        <p:style>
+          <a:lnRef idx="1">
+            <a:schemeClr val="accent3"/>
+          </a:lnRef>
+          <a:fillRef idx="2">
+            <a:schemeClr val="accent3"/>
+          </a:fillRef>
+          <a:effectRef idx="1">
+            <a:schemeClr val="accent3"/>
+          </a:effectRef>
+          <a:fontRef idx="minor">
+            <a:schemeClr val="dk1"/>
+          </a:fontRef>
+        </p:style>
+        <p:txBody>
+          <a:bodyPr rtlCol="0" anchor="ctr"/>
+          <a:lstStyle/>
+          <a:p>
+            <a:pPr algn="ctr"/>
+            <a:endParaRPr lang="en-SG" sz="1400"/>
+          </a:p>
+        </p:txBody>
+      </p:sp>
+      <p:cxnSp>
+        <p:nvCxnSpPr>
+          <p:cNvPr id="91" name="Straight Arrow Connector 90">
+            <a:extLst>
+              <a:ext uri="{FF2B5EF4-FFF2-40B4-BE49-F238E27FC236}">
+                <a16:creationId xmlns:a16="http://schemas.microsoft.com/office/drawing/2014/main" id="{D7050352-F6F1-F94F-8E46-0F4062081F6E}"/>
+              </a:ext>
+            </a:extLst>
+          </p:cNvPr>
+          <p:cNvCxnSpPr>
+            <a:cxnSpLocks/>
+          </p:cNvCxnSpPr>
+          <p:nvPr/>
+        </p:nvCxnSpPr>
+        <p:spPr>
+          <a:xfrm>
+            <a:off x="16064689" y="17185166"/>
+            <a:ext cx="1935180" cy="5237"/>
+          </a:xfrm>
+          <a:prstGeom prst="straightConnector1">
+            <a:avLst/>
+          </a:prstGeom>
+          <a:ln w="19050">
+            <a:solidFill>
+              <a:srgbClr val="0070C0"/>
+            </a:solidFill>
+            <a:tailEnd type="arrow"/>
+          </a:ln>
+        </p:spPr>
+        <p:style>
+          <a:lnRef idx="1">
+            <a:schemeClr val="accent1"/>
+          </a:lnRef>
+          <a:fillRef idx="0">
+            <a:schemeClr val="accent1"/>
+          </a:fillRef>
+          <a:effectRef idx="0">
+            <a:schemeClr val="accent1"/>
+          </a:effectRef>
+          <a:fontRef idx="minor">
+            <a:schemeClr val="tx1"/>
+          </a:fontRef>
+        </p:style>
+      </p:cxnSp>
+      <p:sp>
+        <p:nvSpPr>
+          <p:cNvPr id="92" name="TextBox 91">
+            <a:extLst>
+              <a:ext uri="{FF2B5EF4-FFF2-40B4-BE49-F238E27FC236}">
+                <a16:creationId xmlns:a16="http://schemas.microsoft.com/office/drawing/2014/main" id="{EC8B9BBF-4570-DA48-BBBF-C0FB83056B66}"/>
+              </a:ext>
+            </a:extLst>
+          </p:cNvPr>
+          <p:cNvSpPr txBox="1"/>
+          <p:nvPr/>
+        </p:nvSpPr>
+        <p:spPr>
+          <a:xfrm>
+            <a:off x="16060519" y="16715450"/>
+            <a:ext cx="1896451" cy="430887"/>
+          </a:xfrm>
+          <a:prstGeom prst="rect">
+            <a:avLst/>
+          </a:prstGeom>
+          <a:noFill/>
+        </p:spPr>
+        <p:txBody>
+          <a:bodyPr wrap="square" lIns="0" tIns="0" rIns="0" bIns="0" rtlCol="0">
+            <a:spAutoFit/>
+          </a:bodyPr>
+          <a:lstStyle>
+            <a:defPPr>
+              <a:defRPr lang="en-US"/>
+            </a:defPPr>
+            <a:lvl1pPr algn="r">
+              <a:defRPr sz="1400">
+                <a:solidFill>
+                  <a:srgbClr val="0070C0"/>
+                </a:solidFill>
+              </a:defRPr>
+            </a:lvl1pPr>
+          </a:lstStyle>
+          <a:p>
+            <a:r>
+              <a:rPr lang="en-US" dirty="0"/>
+              <a:t>parse(“n/jurong a/east t/urgent”)</a:t>
+            </a:r>
+          </a:p>
+        </p:txBody>
+      </p:sp>
+      <p:cxnSp>
+        <p:nvCxnSpPr>
+          <p:cNvPr id="63" name="Straight Arrow Connector 62">
+            <a:extLst>
+              <a:ext uri="{FF2B5EF4-FFF2-40B4-BE49-F238E27FC236}">
+                <a16:creationId xmlns:a16="http://schemas.microsoft.com/office/drawing/2014/main" id="{7C9F21BC-13A9-471F-825A-2621FD36355F}"/>
+              </a:ext>
+            </a:extLst>
+          </p:cNvPr>
+          <p:cNvCxnSpPr>
+            <a:cxnSpLocks/>
+            <a:endCxn id="49" idx="2"/>
+          </p:cNvCxnSpPr>
+          <p:nvPr/>
+        </p:nvCxnSpPr>
+        <p:spPr>
+          <a:xfrm>
+            <a:off x="24518720" y="22125648"/>
+            <a:ext cx="2846071" cy="0"/>
+          </a:xfrm>
+          <a:prstGeom prst="straightConnector1">
+            <a:avLst/>
+          </a:prstGeom>
+          <a:ln w="19050">
+            <a:solidFill>
+              <a:srgbClr val="7030A0"/>
+            </a:solidFill>
+            <a:prstDash val="sysDash"/>
+            <a:headEnd type="arrow" w="med" len="med"/>
+            <a:tailEnd type="none" w="med" len="med"/>
+          </a:ln>
+        </p:spPr>
+        <p:style>
+          <a:lnRef idx="1">
+            <a:schemeClr val="accent1"/>
+          </a:lnRef>
+          <a:fillRef idx="0">
+            <a:schemeClr val="accent1"/>
+          </a:fillRef>
+          <a:effectRef idx="0">
+            <a:schemeClr val="accent1"/>
+          </a:effectRef>
+          <a:fontRef idx="minor">
+            <a:schemeClr val="tx1"/>
+          </a:fontRef>
+        </p:style>
+      </p:cxnSp>
+      <p:cxnSp>
+        <p:nvCxnSpPr>
+          <p:cNvPr id="95" name="Straight Connector 94">
+            <a:extLst>
+              <a:ext uri="{FF2B5EF4-FFF2-40B4-BE49-F238E27FC236}">
+                <a16:creationId xmlns:a16="http://schemas.microsoft.com/office/drawing/2014/main" id="{4F5D5954-0D03-704B-BF90-FE9A0320EA96}"/>
+              </a:ext>
+            </a:extLst>
+          </p:cNvPr>
+          <p:cNvCxnSpPr>
+            <a:cxnSpLocks/>
+          </p:cNvCxnSpPr>
+          <p:nvPr/>
+        </p:nvCxnSpPr>
+        <p:spPr>
+          <a:xfrm>
+            <a:off x="23129463" y="19917725"/>
+            <a:ext cx="14307" cy="3122325"/>
+          </a:xfrm>
+          <a:prstGeom prst="line">
+            <a:avLst/>
+          </a:prstGeom>
+          <a:ln w="19050">
+            <a:solidFill>
+              <a:srgbClr val="0070C0"/>
+            </a:solidFill>
+            <a:prstDash val="sysDash"/>
+          </a:ln>
+          <a:effectLst/>
+        </p:spPr>
+        <p:style>
+          <a:lnRef idx="1">
+            <a:schemeClr val="accent1"/>
+          </a:lnRef>
+          <a:fillRef idx="2">
+            <a:schemeClr val="accent1"/>
+          </a:fillRef>
+          <a:effectRef idx="1">
+            <a:schemeClr val="accent1"/>
+          </a:effectRef>
+          <a:fontRef idx="minor">
+            <a:schemeClr val="dk1"/>
+          </a:fontRef>
+        </p:style>
+      </p:cxnSp>
+      <p:cxnSp>
+        <p:nvCxnSpPr>
+          <p:cNvPr id="96" name="Straight Arrow Connector 95">
+            <a:extLst>
+              <a:ext uri="{FF2B5EF4-FFF2-40B4-BE49-F238E27FC236}">
+                <a16:creationId xmlns:a16="http://schemas.microsoft.com/office/drawing/2014/main" id="{8CB5DF48-20ED-C54F-BA25-25F3E3689388}"/>
+              </a:ext>
+            </a:extLst>
+          </p:cNvPr>
+          <p:cNvCxnSpPr>
+            <a:cxnSpLocks/>
+          </p:cNvCxnSpPr>
+          <p:nvPr/>
+        </p:nvCxnSpPr>
+        <p:spPr>
+          <a:xfrm>
+            <a:off x="18018244" y="19060223"/>
+            <a:ext cx="3520131" cy="0"/>
+          </a:xfrm>
+          <a:prstGeom prst="straightConnector1">
+            <a:avLst/>
+          </a:prstGeom>
+          <a:ln w="19050">
+            <a:solidFill>
+              <a:srgbClr val="0070C0"/>
+            </a:solidFill>
+            <a:tailEnd type="arrow"/>
+          </a:ln>
+        </p:spPr>
+        <p:style>
+          <a:lnRef idx="1">
+            <a:schemeClr val="accent1"/>
+          </a:lnRef>
+          <a:fillRef idx="0">
+            <a:schemeClr val="accent1"/>
+          </a:fillRef>
+          <a:effectRef idx="0">
+            <a:schemeClr val="accent1"/>
+          </a:effectRef>
+          <a:fontRef idx="minor">
+            <a:schemeClr val="tx1"/>
+          </a:fontRef>
+        </p:style>
+      </p:cxnSp>
+      <p:sp>
+        <p:nvSpPr>
+          <p:cNvPr id="97" name="Rectangle 62">
+            <a:extLst>
+              <a:ext uri="{FF2B5EF4-FFF2-40B4-BE49-F238E27FC236}">
+                <a16:creationId xmlns:a16="http://schemas.microsoft.com/office/drawing/2014/main" id="{60237B91-7105-7F4B-A28F-97C014A89F3F}"/>
+              </a:ext>
+            </a:extLst>
+          </p:cNvPr>
+          <p:cNvSpPr/>
+          <p:nvPr/>
+        </p:nvSpPr>
+        <p:spPr>
+          <a:xfrm>
+            <a:off x="23553730" y="19817903"/>
+            <a:ext cx="1726990" cy="459399"/>
+          </a:xfrm>
+          <a:prstGeom prst="rect">
+            <a:avLst/>
+          </a:prstGeom>
+          <a:solidFill>
+            <a:srgbClr val="0070C0"/>
+          </a:solidFill>
+          <a:ln w="19050">
+            <a:solidFill>
+              <a:srgbClr val="0070C0"/>
+            </a:solidFill>
+          </a:ln>
+          <a:effectLst/>
+        </p:spPr>
+        <p:style>
+          <a:lnRef idx="1">
+            <a:schemeClr val="accent2"/>
+          </a:lnRef>
+          <a:fillRef idx="2">
+            <a:schemeClr val="accent2"/>
+          </a:fillRef>
+          <a:effectRef idx="1">
+            <a:schemeClr val="accent2"/>
+          </a:effectRef>
+          <a:fontRef idx="minor">
+            <a:schemeClr val="dk1"/>
+          </a:fontRef>
+        </p:style>
+        <p:txBody>
+          <a:bodyPr rtlCol="0" anchor="ctr"/>
+          <a:lstStyle/>
+          <a:p>
+            <a:pPr algn="ctr"/>
+            <a:r>
+              <a:rPr lang="en-US" sz="1600" dirty="0">
+                <a:solidFill>
+                  <a:schemeClr val="bg1"/>
+                </a:solidFill>
+              </a:rPr>
+              <a:t>:FilterCommand</a:t>
+            </a:r>
+            <a:endParaRPr lang="en-SG" sz="1600" dirty="0">
+              <a:solidFill>
+                <a:schemeClr val="bg1"/>
+              </a:solidFill>
+            </a:endParaRPr>
+          </a:p>
+        </p:txBody>
+      </p:sp>
+      <p:sp>
+        <p:nvSpPr>
+          <p:cNvPr id="98" name="Rectangle 97">
+            <a:extLst>
+              <a:ext uri="{FF2B5EF4-FFF2-40B4-BE49-F238E27FC236}">
+                <a16:creationId xmlns:a16="http://schemas.microsoft.com/office/drawing/2014/main" id="{D134A3CD-1A58-A54B-9BAF-B8A385AC6DDE}"/>
+              </a:ext>
+            </a:extLst>
+          </p:cNvPr>
+          <p:cNvSpPr/>
+          <p:nvPr/>
+        </p:nvSpPr>
+        <p:spPr>
+          <a:xfrm>
+            <a:off x="24369266" y="20276203"/>
+            <a:ext cx="148035" cy="246027"/>
+          </a:xfrm>
+          <a:prstGeom prst="rect">
+            <a:avLst/>
+          </a:prstGeom>
+          <a:solidFill>
+            <a:srgbClr val="0070C0"/>
+          </a:solidFill>
+          <a:ln>
+            <a:solidFill>
+              <a:srgbClr val="0070C0"/>
+            </a:solidFill>
+          </a:ln>
+          <a:effectLst/>
+        </p:spPr>
+        <p:style>
+          <a:lnRef idx="1">
+            <a:schemeClr val="accent3"/>
+          </a:lnRef>
+          <a:fillRef idx="2">
+            <a:schemeClr val="accent3"/>
+          </a:fillRef>
+          <a:effectRef idx="1">
+            <a:schemeClr val="accent3"/>
+          </a:effectRef>
+          <a:fontRef idx="minor">
+            <a:schemeClr val="dk1"/>
+          </a:fontRef>
+        </p:style>
+        <p:txBody>
+          <a:bodyPr rtlCol="0" anchor="ctr"/>
+          <a:lstStyle/>
+          <a:p>
+            <a:pPr algn="ctr"/>
+            <a:endParaRPr lang="en-SG" sz="1400"/>
+          </a:p>
+        </p:txBody>
+      </p:sp>
+      <p:cxnSp>
+        <p:nvCxnSpPr>
+          <p:cNvPr id="99" name="Straight Arrow Connector 98">
+            <a:extLst>
+              <a:ext uri="{FF2B5EF4-FFF2-40B4-BE49-F238E27FC236}">
+                <a16:creationId xmlns:a16="http://schemas.microsoft.com/office/drawing/2014/main" id="{FD8C40DE-4B25-984F-8EF0-F00A9DFABF1F}"/>
+              </a:ext>
+            </a:extLst>
+          </p:cNvPr>
+          <p:cNvCxnSpPr>
+            <a:cxnSpLocks/>
+            <a:endCxn id="85" idx="2"/>
+          </p:cNvCxnSpPr>
+          <p:nvPr/>
+        </p:nvCxnSpPr>
+        <p:spPr>
+          <a:xfrm>
+            <a:off x="18066473" y="19904867"/>
+            <a:ext cx="5066292" cy="0"/>
+          </a:xfrm>
+          <a:prstGeom prst="straightConnector1">
+            <a:avLst/>
+          </a:prstGeom>
+          <a:ln w="19050">
+            <a:solidFill>
+              <a:srgbClr val="0070C0"/>
+            </a:solidFill>
+            <a:prstDash val="sysDash"/>
+            <a:headEnd type="arrow" w="med" len="med"/>
+            <a:tailEnd type="none" w="med" len="med"/>
+          </a:ln>
+        </p:spPr>
+        <p:style>
+          <a:lnRef idx="1">
+            <a:schemeClr val="accent1"/>
+          </a:lnRef>
+          <a:fillRef idx="0">
+            <a:schemeClr val="accent1"/>
+          </a:fillRef>
+          <a:effectRef idx="0">
+            <a:schemeClr val="accent1"/>
+          </a:effectRef>
+          <a:fontRef idx="minor">
+            <a:schemeClr val="tx1"/>
+          </a:fontRef>
+        </p:style>
+      </p:cxnSp>
+      <p:cxnSp>
+        <p:nvCxnSpPr>
+          <p:cNvPr id="102" name="Straight Connector 101">
+            <a:extLst>
+              <a:ext uri="{FF2B5EF4-FFF2-40B4-BE49-F238E27FC236}">
+                <a16:creationId xmlns:a16="http://schemas.microsoft.com/office/drawing/2014/main" id="{80926AFD-F5E8-884E-8DA5-960A68B0A52E}"/>
+              </a:ext>
+            </a:extLst>
+          </p:cNvPr>
+          <p:cNvCxnSpPr>
+            <a:cxnSpLocks/>
+          </p:cNvCxnSpPr>
+          <p:nvPr/>
+        </p:nvCxnSpPr>
+        <p:spPr>
+          <a:xfrm>
+            <a:off x="24446796" y="20449248"/>
+            <a:ext cx="14307" cy="2580434"/>
+          </a:xfrm>
+          <a:prstGeom prst="line">
+            <a:avLst/>
+          </a:prstGeom>
+          <a:ln w="19050">
+            <a:solidFill>
+              <a:srgbClr val="0070C0"/>
+            </a:solidFill>
+            <a:prstDash val="sysDash"/>
+          </a:ln>
+          <a:effectLst/>
+        </p:spPr>
+        <p:style>
+          <a:lnRef idx="1">
+            <a:schemeClr val="accent1"/>
+          </a:lnRef>
+          <a:fillRef idx="2">
+            <a:schemeClr val="accent1"/>
+          </a:fillRef>
+          <a:effectRef idx="1">
+            <a:schemeClr val="accent1"/>
+          </a:effectRef>
+          <a:fontRef idx="minor">
+            <a:schemeClr val="dk1"/>
+          </a:fontRef>
+        </p:style>
+      </p:cxnSp>
+      <p:sp>
+        <p:nvSpPr>
+          <p:cNvPr id="104" name="Rectangle 103">
+            <a:extLst>
+              <a:ext uri="{FF2B5EF4-FFF2-40B4-BE49-F238E27FC236}">
+                <a16:creationId xmlns:a16="http://schemas.microsoft.com/office/drawing/2014/main" id="{1A7462AB-6F68-F44B-BFC8-EE512D2057A2}"/>
+              </a:ext>
+            </a:extLst>
+          </p:cNvPr>
+          <p:cNvSpPr/>
+          <p:nvPr/>
+        </p:nvSpPr>
+        <p:spPr>
+          <a:xfrm>
+            <a:off x="24372234" y="21361527"/>
+            <a:ext cx="156567" cy="996432"/>
+          </a:xfrm>
+          <a:prstGeom prst="rect">
+            <a:avLst/>
+          </a:prstGeom>
+          <a:solidFill>
+            <a:srgbClr val="0070C0"/>
+          </a:solidFill>
+          <a:ln>
+            <a:solidFill>
+              <a:srgbClr val="0070C0"/>
+            </a:solidFill>
+          </a:ln>
+          <a:effectLst/>
+        </p:spPr>
+        <p:style>
+          <a:lnRef idx="1">
+            <a:schemeClr val="accent3"/>
+          </a:lnRef>
+          <a:fillRef idx="2">
+            <a:schemeClr val="accent3"/>
+          </a:fillRef>
+          <a:effectRef idx="1">
+            <a:schemeClr val="accent3"/>
+          </a:effectRef>
+          <a:fontRef idx="minor">
+            <a:schemeClr val="dk1"/>
+          </a:fontRef>
+        </p:style>
+        <p:txBody>
+          <a:bodyPr rtlCol="0" anchor="ctr"/>
+          <a:lstStyle/>
+          <a:p>
+            <a:pPr algn="ctr"/>
+            <a:endParaRPr lang="en-SG" sz="1400"/>
+          </a:p>
+        </p:txBody>
+      </p:sp>
+      <p:cxnSp>
+        <p:nvCxnSpPr>
+          <p:cNvPr id="108" name="Straight Arrow Connector 107">
+            <a:extLst>
+              <a:ext uri="{FF2B5EF4-FFF2-40B4-BE49-F238E27FC236}">
+                <a16:creationId xmlns:a16="http://schemas.microsoft.com/office/drawing/2014/main" id="{84D77CB7-B76E-4F45-B5FF-47FC03CC4918}"/>
+              </a:ext>
+            </a:extLst>
+          </p:cNvPr>
+          <p:cNvCxnSpPr>
+            <a:cxnSpLocks/>
+          </p:cNvCxnSpPr>
+          <p:nvPr/>
+        </p:nvCxnSpPr>
+        <p:spPr>
+          <a:xfrm flipV="1">
+            <a:off x="18136715" y="20521765"/>
+            <a:ext cx="6366813" cy="3220"/>
+          </a:xfrm>
+          <a:prstGeom prst="straightConnector1">
+            <a:avLst/>
+          </a:prstGeom>
+          <a:ln w="19050">
+            <a:solidFill>
+              <a:srgbClr val="0070C0"/>
+            </a:solidFill>
+            <a:prstDash val="sysDash"/>
+            <a:headEnd type="arrow" w="med" len="med"/>
+            <a:tailEnd type="none" w="med" len="med"/>
+          </a:ln>
+        </p:spPr>
+        <p:style>
+          <a:lnRef idx="1">
+            <a:schemeClr val="accent1"/>
+          </a:lnRef>
+          <a:fillRef idx="0">
+            <a:schemeClr val="accent1"/>
+          </a:fillRef>
+          <a:effectRef idx="0">
+            <a:schemeClr val="accent1"/>
+          </a:effectRef>
+          <a:fontRef idx="minor">
+            <a:schemeClr val="tx1"/>
+          </a:fontRef>
+        </p:style>
+      </p:cxnSp>
+      <p:sp>
+        <p:nvSpPr>
+          <p:cNvPr id="59" name="Rectangle 62">
+            <a:extLst>
+              <a:ext uri="{FF2B5EF4-FFF2-40B4-BE49-F238E27FC236}">
+                <a16:creationId xmlns:a16="http://schemas.microsoft.com/office/drawing/2014/main" id="{CC5684C2-D735-B14C-804C-C207A09E4BFA}"/>
+              </a:ext>
+            </a:extLst>
+          </p:cNvPr>
+          <p:cNvSpPr/>
+          <p:nvPr/>
+        </p:nvSpPr>
+        <p:spPr>
+          <a:xfrm>
+            <a:off x="19447669" y="15117084"/>
+            <a:ext cx="1880784" cy="609964"/>
+          </a:xfrm>
+          <a:prstGeom prst="rect">
+            <a:avLst/>
+          </a:prstGeom>
+          <a:solidFill>
+            <a:srgbClr val="0070C0"/>
+          </a:solidFill>
+          <a:ln w="19050">
+            <a:solidFill>
+              <a:srgbClr val="0070C0"/>
+            </a:solidFill>
+          </a:ln>
+          <a:effectLst/>
+        </p:spPr>
+        <p:style>
+          <a:lnRef idx="1">
+            <a:schemeClr val="accent2"/>
+          </a:lnRef>
+          <a:fillRef idx="2">
+            <a:schemeClr val="accent2"/>
+          </a:fillRef>
+          <a:effectRef idx="1">
+            <a:schemeClr val="accent2"/>
+          </a:effectRef>
+          <a:fontRef idx="minor">
+            <a:schemeClr val="dk1"/>
+          </a:fontRef>
+        </p:style>
+        <p:txBody>
+          <a:bodyPr rtlCol="0" anchor="ctr"/>
+          <a:lstStyle/>
+          <a:p>
+            <a:pPr algn="ctr"/>
+            <a:r>
+              <a:rPr lang="en-US" sz="1600" dirty="0">
+                <a:solidFill>
+                  <a:schemeClr val="bg1"/>
+                </a:solidFill>
+              </a:rPr>
+              <a:t>&lt;&lt;class&gt;&gt;</a:t>
+            </a:r>
+          </a:p>
+          <a:p>
+            <a:pPr algn="ctr"/>
+            <a:r>
+              <a:rPr lang="en-US" sz="1600" dirty="0">
+                <a:solidFill>
+                  <a:schemeClr val="bg1"/>
+                </a:solidFill>
+              </a:rPr>
+              <a:t>ArgumentTokenizer</a:t>
+            </a:r>
+            <a:endParaRPr lang="en-SG" sz="1600" dirty="0">
+              <a:solidFill>
+                <a:schemeClr val="bg1"/>
+              </a:solidFill>
+            </a:endParaRPr>
+          </a:p>
+        </p:txBody>
+      </p:sp>
+      <p:cxnSp>
+        <p:nvCxnSpPr>
+          <p:cNvPr id="61" name="Straight Connector 60">
+            <a:extLst>
+              <a:ext uri="{FF2B5EF4-FFF2-40B4-BE49-F238E27FC236}">
+                <a16:creationId xmlns:a16="http://schemas.microsoft.com/office/drawing/2014/main" id="{0A6906BE-C9F1-A94C-984F-D95B28971BC0}"/>
+              </a:ext>
+            </a:extLst>
+          </p:cNvPr>
+          <p:cNvCxnSpPr>
+            <a:cxnSpLocks/>
+          </p:cNvCxnSpPr>
+          <p:nvPr/>
+        </p:nvCxnSpPr>
+        <p:spPr>
+          <a:xfrm>
+            <a:off x="20403922" y="15677770"/>
+            <a:ext cx="14307" cy="7362279"/>
+          </a:xfrm>
+          <a:prstGeom prst="line">
+            <a:avLst/>
+          </a:prstGeom>
+          <a:ln w="19050">
+            <a:solidFill>
+              <a:srgbClr val="0070C0"/>
+            </a:solidFill>
+            <a:prstDash val="sysDash"/>
+          </a:ln>
+          <a:effectLst/>
+        </p:spPr>
+        <p:style>
+          <a:lnRef idx="1">
+            <a:schemeClr val="accent1"/>
+          </a:lnRef>
+          <a:fillRef idx="2">
+            <a:schemeClr val="accent1"/>
+          </a:fillRef>
+          <a:effectRef idx="1">
+            <a:schemeClr val="accent1"/>
+          </a:effectRef>
+          <a:fontRef idx="minor">
+            <a:schemeClr val="dk1"/>
+          </a:fontRef>
+        </p:style>
+      </p:cxnSp>
+      <p:cxnSp>
+        <p:nvCxnSpPr>
+          <p:cNvPr id="64" name="Straight Arrow Connector 63">
+            <a:extLst>
+              <a:ext uri="{FF2B5EF4-FFF2-40B4-BE49-F238E27FC236}">
+                <a16:creationId xmlns:a16="http://schemas.microsoft.com/office/drawing/2014/main" id="{D53211A0-53A0-144C-A993-900D0DC87818}"/>
+              </a:ext>
+            </a:extLst>
+          </p:cNvPr>
+          <p:cNvCxnSpPr>
+            <a:cxnSpLocks/>
+          </p:cNvCxnSpPr>
+          <p:nvPr/>
+        </p:nvCxnSpPr>
+        <p:spPr>
+          <a:xfrm flipV="1">
+            <a:off x="17997806" y="17266713"/>
+            <a:ext cx="2337396" cy="1"/>
+          </a:xfrm>
+          <a:prstGeom prst="straightConnector1">
+            <a:avLst/>
+          </a:prstGeom>
+          <a:ln w="19050">
+            <a:solidFill>
+              <a:srgbClr val="0070C0"/>
+            </a:solidFill>
+            <a:tailEnd type="arrow"/>
+          </a:ln>
+        </p:spPr>
+        <p:style>
+          <a:lnRef idx="1">
+            <a:schemeClr val="accent1"/>
+          </a:lnRef>
+          <a:fillRef idx="0">
+            <a:schemeClr val="accent1"/>
+          </a:fillRef>
+          <a:effectRef idx="0">
+            <a:schemeClr val="accent1"/>
+          </a:effectRef>
+          <a:fontRef idx="minor">
+            <a:schemeClr val="tx1"/>
+          </a:fontRef>
+        </p:style>
+      </p:cxnSp>
+      <p:sp>
+        <p:nvSpPr>
+          <p:cNvPr id="55" name="Rectangle 62">
+            <a:extLst>
+              <a:ext uri="{FF2B5EF4-FFF2-40B4-BE49-F238E27FC236}">
+                <a16:creationId xmlns:a16="http://schemas.microsoft.com/office/drawing/2014/main" id="{FA9F55C0-598F-C54A-9542-01C44603B870}"/>
+              </a:ext>
+            </a:extLst>
+          </p:cNvPr>
+          <p:cNvSpPr/>
+          <p:nvPr/>
+        </p:nvSpPr>
+        <p:spPr>
+          <a:xfrm>
+            <a:off x="20674181" y="17277763"/>
+            <a:ext cx="1880784" cy="459399"/>
+          </a:xfrm>
+          <a:prstGeom prst="rect">
+            <a:avLst/>
+          </a:prstGeom>
+          <a:solidFill>
+            <a:srgbClr val="0070C0"/>
+          </a:solidFill>
+          <a:ln w="19050">
+            <a:solidFill>
+              <a:srgbClr val="0070C0"/>
+            </a:solidFill>
+          </a:ln>
+          <a:effectLst/>
+        </p:spPr>
+        <p:style>
+          <a:lnRef idx="1">
+            <a:schemeClr val="accent2"/>
+          </a:lnRef>
+          <a:fillRef idx="2">
+            <a:schemeClr val="accent2"/>
+          </a:fillRef>
+          <a:effectRef idx="1">
+            <a:schemeClr val="accent2"/>
+          </a:effectRef>
+          <a:fontRef idx="minor">
+            <a:schemeClr val="dk1"/>
+          </a:fontRef>
+        </p:style>
+        <p:txBody>
+          <a:bodyPr rtlCol="0" anchor="ctr"/>
+          <a:lstStyle/>
+          <a:p>
+            <a:pPr algn="ctr"/>
+            <a:r>
+              <a:rPr lang="en-SG" sz="1600" dirty="0">
+                <a:solidFill>
+                  <a:schemeClr val="bg1"/>
+                </a:solidFill>
+              </a:rPr>
+              <a:t>:ArgumentMultimap</a:t>
+            </a:r>
+          </a:p>
+        </p:txBody>
+      </p:sp>
+      <p:cxnSp>
+        <p:nvCxnSpPr>
+          <p:cNvPr id="57" name="Straight Connector 56">
+            <a:extLst>
+              <a:ext uri="{FF2B5EF4-FFF2-40B4-BE49-F238E27FC236}">
+                <a16:creationId xmlns:a16="http://schemas.microsoft.com/office/drawing/2014/main" id="{E689F525-94C2-384D-B10A-117841677FFF}"/>
+              </a:ext>
+            </a:extLst>
+          </p:cNvPr>
+          <p:cNvCxnSpPr>
+            <a:cxnSpLocks/>
+          </p:cNvCxnSpPr>
+          <p:nvPr/>
+        </p:nvCxnSpPr>
+        <p:spPr>
+          <a:xfrm>
+            <a:off x="21614575" y="17706050"/>
+            <a:ext cx="1" cy="5329311"/>
+          </a:xfrm>
+          <a:prstGeom prst="line">
+            <a:avLst/>
+          </a:prstGeom>
+          <a:ln w="19050">
+            <a:solidFill>
+              <a:srgbClr val="0070C0"/>
+            </a:solidFill>
+            <a:prstDash val="sysDash"/>
+          </a:ln>
+          <a:effectLst/>
+        </p:spPr>
+        <p:style>
+          <a:lnRef idx="1">
+            <a:schemeClr val="accent1"/>
+          </a:lnRef>
+          <a:fillRef idx="2">
+            <a:schemeClr val="accent1"/>
+          </a:fillRef>
+          <a:effectRef idx="1">
+            <a:schemeClr val="accent1"/>
+          </a:effectRef>
+          <a:fontRef idx="minor">
+            <a:schemeClr val="dk1"/>
+          </a:fontRef>
+        </p:style>
+      </p:cxnSp>
+      <p:cxnSp>
+        <p:nvCxnSpPr>
+          <p:cNvPr id="58" name="Straight Arrow Connector 57">
+            <a:extLst>
+              <a:ext uri="{FF2B5EF4-FFF2-40B4-BE49-F238E27FC236}">
+                <a16:creationId xmlns:a16="http://schemas.microsoft.com/office/drawing/2014/main" id="{C2385958-C903-6C47-9895-466E29BA4C45}"/>
+              </a:ext>
+            </a:extLst>
+          </p:cNvPr>
+          <p:cNvCxnSpPr>
+            <a:cxnSpLocks/>
+          </p:cNvCxnSpPr>
+          <p:nvPr/>
+        </p:nvCxnSpPr>
+        <p:spPr>
+          <a:xfrm>
+            <a:off x="18015351" y="17844365"/>
+            <a:ext cx="3522123" cy="0"/>
+          </a:xfrm>
+          <a:prstGeom prst="straightConnector1">
+            <a:avLst/>
+          </a:prstGeom>
+          <a:ln w="19050">
+            <a:solidFill>
+              <a:srgbClr val="0070C0"/>
+            </a:solidFill>
+            <a:tailEnd type="arrow"/>
+          </a:ln>
+        </p:spPr>
+        <p:style>
+          <a:lnRef idx="1">
+            <a:schemeClr val="accent1"/>
+          </a:lnRef>
+          <a:fillRef idx="0">
+            <a:schemeClr val="accent1"/>
+          </a:fillRef>
+          <a:effectRef idx="0">
+            <a:schemeClr val="accent1"/>
+          </a:effectRef>
+          <a:fontRef idx="minor">
+            <a:schemeClr val="tx1"/>
+          </a:fontRef>
+        </p:style>
+      </p:cxnSp>
+      <p:sp>
+        <p:nvSpPr>
+          <p:cNvPr id="62" name="Rectangle 61">
+            <a:extLst>
+              <a:ext uri="{FF2B5EF4-FFF2-40B4-BE49-F238E27FC236}">
+                <a16:creationId xmlns:a16="http://schemas.microsoft.com/office/drawing/2014/main" id="{39CA9E49-9B48-3B4A-9E25-F09118B4F54E}"/>
+              </a:ext>
+            </a:extLst>
+          </p:cNvPr>
+          <p:cNvSpPr/>
+          <p:nvPr/>
+        </p:nvSpPr>
+        <p:spPr>
+          <a:xfrm>
+            <a:off x="21529927" y="17844365"/>
+            <a:ext cx="154202" cy="273146"/>
+          </a:xfrm>
+          <a:prstGeom prst="rect">
+            <a:avLst/>
+          </a:prstGeom>
+          <a:solidFill>
+            <a:srgbClr val="0070C0"/>
+          </a:solidFill>
+          <a:ln>
+            <a:solidFill>
+              <a:srgbClr val="0070C0"/>
+            </a:solidFill>
+          </a:ln>
+          <a:effectLst/>
+        </p:spPr>
+        <p:style>
+          <a:lnRef idx="1">
+            <a:schemeClr val="accent3"/>
+          </a:lnRef>
+          <a:fillRef idx="2">
+            <a:schemeClr val="accent3"/>
+          </a:fillRef>
+          <a:effectRef idx="1">
+            <a:schemeClr val="accent3"/>
+          </a:effectRef>
+          <a:fontRef idx="minor">
+            <a:schemeClr val="dk1"/>
+          </a:fontRef>
+        </p:style>
+        <p:txBody>
+          <a:bodyPr rtlCol="0" anchor="ctr"/>
+          <a:lstStyle/>
+          <a:p>
+            <a:pPr algn="ctr"/>
+            <a:endParaRPr lang="en-SG" sz="1400"/>
+          </a:p>
+        </p:txBody>
+      </p:sp>
+      <p:cxnSp>
+        <p:nvCxnSpPr>
+          <p:cNvPr id="65" name="Straight Arrow Connector 64">
+            <a:extLst>
+              <a:ext uri="{FF2B5EF4-FFF2-40B4-BE49-F238E27FC236}">
+                <a16:creationId xmlns:a16="http://schemas.microsoft.com/office/drawing/2014/main" id="{623DB0B0-8069-384B-B9FD-D2A47130C305}"/>
+              </a:ext>
+            </a:extLst>
+          </p:cNvPr>
+          <p:cNvCxnSpPr>
+            <a:cxnSpLocks/>
+          </p:cNvCxnSpPr>
+          <p:nvPr/>
+        </p:nvCxnSpPr>
+        <p:spPr>
+          <a:xfrm>
+            <a:off x="18146958" y="18117511"/>
+            <a:ext cx="3382971" cy="0"/>
+          </a:xfrm>
+          <a:prstGeom prst="straightConnector1">
+            <a:avLst/>
+          </a:prstGeom>
+          <a:ln w="19050">
+            <a:solidFill>
+              <a:srgbClr val="0070C0"/>
+            </a:solidFill>
+            <a:prstDash val="sysDash"/>
+            <a:headEnd type="arrow" w="med" len="med"/>
+            <a:tailEnd type="none" w="med" len="med"/>
+          </a:ln>
+        </p:spPr>
+        <p:style>
+          <a:lnRef idx="1">
+            <a:schemeClr val="accent1"/>
+          </a:lnRef>
+          <a:fillRef idx="0">
+            <a:schemeClr val="accent1"/>
+          </a:fillRef>
+          <a:effectRef idx="0">
+            <a:schemeClr val="accent1"/>
+          </a:effectRef>
+          <a:fontRef idx="minor">
+            <a:schemeClr val="tx1"/>
+          </a:fontRef>
+        </p:style>
+      </p:cxnSp>
+      <p:sp>
+        <p:nvSpPr>
+          <p:cNvPr id="68" name="TextBox 67">
+            <a:extLst>
+              <a:ext uri="{FF2B5EF4-FFF2-40B4-BE49-F238E27FC236}">
+                <a16:creationId xmlns:a16="http://schemas.microsoft.com/office/drawing/2014/main" id="{B32AD82D-882A-B045-BC84-C797DC13E77C}"/>
+              </a:ext>
+            </a:extLst>
+          </p:cNvPr>
+          <p:cNvSpPr txBox="1"/>
+          <p:nvPr/>
+        </p:nvSpPr>
+        <p:spPr>
+          <a:xfrm>
+            <a:off x="17655360" y="17612037"/>
+            <a:ext cx="2359015" cy="215444"/>
+          </a:xfrm>
+          <a:prstGeom prst="rect">
+            <a:avLst/>
+          </a:prstGeom>
+          <a:noFill/>
+        </p:spPr>
+        <p:txBody>
+          <a:bodyPr wrap="square" lIns="0" tIns="0" rIns="0" bIns="0" rtlCol="0">
+            <a:spAutoFit/>
+          </a:bodyPr>
+          <a:lstStyle>
+            <a:defPPr>
+              <a:defRPr lang="en-US"/>
+            </a:defPPr>
+            <a:lvl1pPr algn="r">
+              <a:defRPr sz="1400">
+                <a:solidFill>
+                  <a:srgbClr val="0070C0"/>
+                </a:solidFill>
+              </a:defRPr>
+            </a:lvl1pPr>
+          </a:lstStyle>
+          <a:p>
+            <a:r>
+              <a:rPr lang="en-US" dirty="0"/>
+              <a:t>getAllValues(“n/”)</a:t>
+            </a:r>
+          </a:p>
+        </p:txBody>
+      </p:sp>
+      <p:cxnSp>
+        <p:nvCxnSpPr>
+          <p:cNvPr id="77" name="Straight Arrow Connector 76">
+            <a:extLst>
+              <a:ext uri="{FF2B5EF4-FFF2-40B4-BE49-F238E27FC236}">
+                <a16:creationId xmlns:a16="http://schemas.microsoft.com/office/drawing/2014/main" id="{185D78C2-937D-9F4B-80C1-776B40361AC0}"/>
+              </a:ext>
+            </a:extLst>
+          </p:cNvPr>
+          <p:cNvCxnSpPr>
+            <a:cxnSpLocks/>
+          </p:cNvCxnSpPr>
+          <p:nvPr/>
+        </p:nvCxnSpPr>
+        <p:spPr>
+          <a:xfrm>
+            <a:off x="18150867" y="18468048"/>
+            <a:ext cx="3387506" cy="0"/>
+          </a:xfrm>
+          <a:prstGeom prst="straightConnector1">
+            <a:avLst/>
+          </a:prstGeom>
+          <a:ln w="19050">
+            <a:solidFill>
+              <a:srgbClr val="0070C0"/>
+            </a:solidFill>
+            <a:tailEnd type="arrow"/>
+          </a:ln>
+        </p:spPr>
+        <p:style>
+          <a:lnRef idx="1">
+            <a:schemeClr val="accent1"/>
+          </a:lnRef>
+          <a:fillRef idx="0">
+            <a:schemeClr val="accent1"/>
+          </a:fillRef>
+          <a:effectRef idx="0">
+            <a:schemeClr val="accent1"/>
+          </a:effectRef>
+          <a:fontRef idx="minor">
+            <a:schemeClr val="tx1"/>
+          </a:fontRef>
+        </p:style>
+      </p:cxnSp>
+      <p:sp>
+        <p:nvSpPr>
+          <p:cNvPr id="78" name="TextBox 77">
+            <a:extLst>
+              <a:ext uri="{FF2B5EF4-FFF2-40B4-BE49-F238E27FC236}">
+                <a16:creationId xmlns:a16="http://schemas.microsoft.com/office/drawing/2014/main" id="{F7DE1FC2-B5FD-2E4A-A940-2948E8DEFD96}"/>
+              </a:ext>
+            </a:extLst>
+          </p:cNvPr>
+          <p:cNvSpPr txBox="1"/>
+          <p:nvPr/>
+        </p:nvSpPr>
+        <p:spPr>
+          <a:xfrm>
+            <a:off x="17655359" y="18244101"/>
+            <a:ext cx="2359015" cy="215444"/>
+          </a:xfrm>
+          <a:prstGeom prst="rect">
+            <a:avLst/>
+          </a:prstGeom>
+          <a:noFill/>
+        </p:spPr>
+        <p:txBody>
+          <a:bodyPr wrap="square" lIns="0" tIns="0" rIns="0" bIns="0" rtlCol="0">
+            <a:spAutoFit/>
+          </a:bodyPr>
+          <a:lstStyle>
+            <a:defPPr>
+              <a:defRPr lang="en-US"/>
+            </a:defPPr>
+            <a:lvl1pPr algn="r">
+              <a:defRPr sz="1400">
+                <a:solidFill>
+                  <a:srgbClr val="0070C0"/>
+                </a:solidFill>
+              </a:defRPr>
+            </a:lvl1pPr>
+          </a:lstStyle>
+          <a:p>
+            <a:r>
+              <a:rPr lang="en-US" dirty="0"/>
+              <a:t>getAllValues(“a/”)</a:t>
+            </a:r>
+          </a:p>
+        </p:txBody>
+      </p:sp>
+      <p:sp>
+        <p:nvSpPr>
+          <p:cNvPr id="84" name="TextBox 83">
+            <a:extLst>
+              <a:ext uri="{FF2B5EF4-FFF2-40B4-BE49-F238E27FC236}">
+                <a16:creationId xmlns:a16="http://schemas.microsoft.com/office/drawing/2014/main" id="{2D2825A2-A9F6-2A4B-9CF1-56EEFA998F33}"/>
+              </a:ext>
+            </a:extLst>
+          </p:cNvPr>
+          <p:cNvSpPr txBox="1"/>
+          <p:nvPr/>
+        </p:nvSpPr>
+        <p:spPr>
+          <a:xfrm>
+            <a:off x="17653871" y="18810091"/>
+            <a:ext cx="2359015" cy="215444"/>
+          </a:xfrm>
+          <a:prstGeom prst="rect">
+            <a:avLst/>
+          </a:prstGeom>
+          <a:noFill/>
+        </p:spPr>
+        <p:txBody>
+          <a:bodyPr wrap="square" lIns="0" tIns="0" rIns="0" bIns="0" rtlCol="0">
+            <a:spAutoFit/>
+          </a:bodyPr>
+          <a:lstStyle>
+            <a:defPPr>
+              <a:defRPr lang="en-US"/>
+            </a:defPPr>
+            <a:lvl1pPr algn="r">
+              <a:defRPr sz="1400">
+                <a:solidFill>
+                  <a:srgbClr val="0070C0"/>
+                </a:solidFill>
+              </a:defRPr>
+            </a:lvl1pPr>
+          </a:lstStyle>
+          <a:p>
+            <a:r>
+              <a:rPr lang="en-US" dirty="0"/>
+              <a:t>getAllValues(“t/”)</a:t>
+            </a:r>
+          </a:p>
+        </p:txBody>
+      </p:sp>
+      <p:cxnSp>
+        <p:nvCxnSpPr>
+          <p:cNvPr id="86" name="Straight Arrow Connector 85">
+            <a:extLst>
+              <a:ext uri="{FF2B5EF4-FFF2-40B4-BE49-F238E27FC236}">
+                <a16:creationId xmlns:a16="http://schemas.microsoft.com/office/drawing/2014/main" id="{BD4260B6-EDBA-4847-9CD3-3A1546C49E54}"/>
+              </a:ext>
+            </a:extLst>
+          </p:cNvPr>
+          <p:cNvCxnSpPr>
+            <a:cxnSpLocks/>
+          </p:cNvCxnSpPr>
+          <p:nvPr/>
+        </p:nvCxnSpPr>
+        <p:spPr>
+          <a:xfrm>
+            <a:off x="18150867" y="18728170"/>
+            <a:ext cx="3387506" cy="0"/>
+          </a:xfrm>
+          <a:prstGeom prst="straightConnector1">
+            <a:avLst/>
+          </a:prstGeom>
+          <a:ln w="19050">
+            <a:solidFill>
+              <a:srgbClr val="0070C0"/>
+            </a:solidFill>
+            <a:prstDash val="sysDash"/>
+            <a:headEnd type="arrow" w="med" len="med"/>
+            <a:tailEnd type="none" w="med" len="med"/>
+          </a:ln>
+        </p:spPr>
+        <p:style>
+          <a:lnRef idx="1">
+            <a:schemeClr val="accent1"/>
+          </a:lnRef>
+          <a:fillRef idx="0">
+            <a:schemeClr val="accent1"/>
+          </a:fillRef>
+          <a:effectRef idx="0">
+            <a:schemeClr val="accent1"/>
+          </a:effectRef>
+          <a:fontRef idx="minor">
+            <a:schemeClr val="tx1"/>
+          </a:fontRef>
+        </p:style>
+      </p:cxnSp>
+      <p:sp>
+        <p:nvSpPr>
+          <p:cNvPr id="88" name="Rectangle 87">
+            <a:extLst>
+              <a:ext uri="{FF2B5EF4-FFF2-40B4-BE49-F238E27FC236}">
+                <a16:creationId xmlns:a16="http://schemas.microsoft.com/office/drawing/2014/main" id="{E29AD7CF-51FA-154A-ADBA-81D82EC83AF1}"/>
+              </a:ext>
+            </a:extLst>
+          </p:cNvPr>
+          <p:cNvSpPr/>
+          <p:nvPr/>
+        </p:nvSpPr>
+        <p:spPr>
+          <a:xfrm>
+            <a:off x="21537472" y="18465930"/>
+            <a:ext cx="154202" cy="273146"/>
+          </a:xfrm>
+          <a:prstGeom prst="rect">
+            <a:avLst/>
+          </a:prstGeom>
+          <a:solidFill>
+            <a:srgbClr val="0070C0"/>
+          </a:solidFill>
+          <a:ln>
+            <a:solidFill>
+              <a:srgbClr val="0070C0"/>
+            </a:solidFill>
+          </a:ln>
+          <a:effectLst/>
+        </p:spPr>
+        <p:style>
+          <a:lnRef idx="1">
+            <a:schemeClr val="accent3"/>
+          </a:lnRef>
+          <a:fillRef idx="2">
+            <a:schemeClr val="accent3"/>
+          </a:fillRef>
+          <a:effectRef idx="1">
+            <a:schemeClr val="accent3"/>
+          </a:effectRef>
+          <a:fontRef idx="minor">
+            <a:schemeClr val="dk1"/>
+          </a:fontRef>
+        </p:style>
+        <p:txBody>
+          <a:bodyPr rtlCol="0" anchor="ctr"/>
+          <a:lstStyle/>
+          <a:p>
+            <a:pPr algn="ctr"/>
+            <a:endParaRPr lang="en-SG" sz="1400"/>
+          </a:p>
+        </p:txBody>
+      </p:sp>
+      <p:sp>
+        <p:nvSpPr>
+          <p:cNvPr id="89" name="Rectangle 88">
+            <a:extLst>
+              <a:ext uri="{FF2B5EF4-FFF2-40B4-BE49-F238E27FC236}">
+                <a16:creationId xmlns:a16="http://schemas.microsoft.com/office/drawing/2014/main" id="{8AE48D11-EE20-6A40-B3FC-8AEC5A4A2E21}"/>
+              </a:ext>
+            </a:extLst>
+          </p:cNvPr>
+          <p:cNvSpPr/>
+          <p:nvPr/>
+        </p:nvSpPr>
+        <p:spPr>
+          <a:xfrm>
+            <a:off x="21529927" y="19050285"/>
+            <a:ext cx="154202" cy="273146"/>
+          </a:xfrm>
+          <a:prstGeom prst="rect">
+            <a:avLst/>
+          </a:prstGeom>
+          <a:solidFill>
+            <a:srgbClr val="0070C0"/>
+          </a:solidFill>
+          <a:ln>
+            <a:solidFill>
+              <a:srgbClr val="0070C0"/>
+            </a:solidFill>
+          </a:ln>
+          <a:effectLst/>
+        </p:spPr>
+        <p:style>
+          <a:lnRef idx="1">
+            <a:schemeClr val="accent3"/>
+          </a:lnRef>
+          <a:fillRef idx="2">
+            <a:schemeClr val="accent3"/>
+          </a:fillRef>
+          <a:effectRef idx="1">
+            <a:schemeClr val="accent3"/>
+          </a:effectRef>
+          <a:fontRef idx="minor">
+            <a:schemeClr val="dk1"/>
+          </a:fontRef>
+        </p:style>
+        <p:txBody>
+          <a:bodyPr rtlCol="0" anchor="ctr"/>
+          <a:lstStyle/>
+          <a:p>
+            <a:pPr algn="ctr"/>
+            <a:endParaRPr lang="en-SG" sz="1400" dirty="0"/>
+          </a:p>
+        </p:txBody>
+      </p:sp>
+      <p:cxnSp>
+        <p:nvCxnSpPr>
+          <p:cNvPr id="94" name="Straight Arrow Connector 93">
+            <a:extLst>
+              <a:ext uri="{FF2B5EF4-FFF2-40B4-BE49-F238E27FC236}">
+                <a16:creationId xmlns:a16="http://schemas.microsoft.com/office/drawing/2014/main" id="{2553109B-ECBD-E744-BF1D-A0AA8074F324}"/>
+              </a:ext>
+            </a:extLst>
+          </p:cNvPr>
+          <p:cNvCxnSpPr>
+            <a:cxnSpLocks/>
+            <a:endCxn id="75" idx="1"/>
+          </p:cNvCxnSpPr>
+          <p:nvPr/>
+        </p:nvCxnSpPr>
+        <p:spPr>
+          <a:xfrm>
+            <a:off x="18075364" y="19411729"/>
+            <a:ext cx="4219300" cy="1"/>
+          </a:xfrm>
+          <a:prstGeom prst="straightConnector1">
+            <a:avLst/>
+          </a:prstGeom>
+          <a:ln w="19050">
+            <a:solidFill>
+              <a:srgbClr val="0070C0"/>
+            </a:solidFill>
+            <a:tailEnd type="arrow"/>
+          </a:ln>
+        </p:spPr>
+        <p:style>
+          <a:lnRef idx="1">
+            <a:schemeClr val="accent1"/>
+          </a:lnRef>
+          <a:fillRef idx="0">
+            <a:schemeClr val="accent1"/>
+          </a:fillRef>
+          <a:effectRef idx="0">
+            <a:schemeClr val="accent1"/>
+          </a:effectRef>
+          <a:fontRef idx="minor">
+            <a:schemeClr val="tx1"/>
+          </a:fontRef>
+        </p:style>
+      </p:cxnSp>
+      <p:cxnSp>
+        <p:nvCxnSpPr>
+          <p:cNvPr id="100" name="Straight Arrow Connector 99">
+            <a:extLst>
+              <a:ext uri="{FF2B5EF4-FFF2-40B4-BE49-F238E27FC236}">
+                <a16:creationId xmlns:a16="http://schemas.microsoft.com/office/drawing/2014/main" id="{219AE417-A7B7-6F45-8782-C58521B554D7}"/>
+              </a:ext>
+            </a:extLst>
+          </p:cNvPr>
+          <p:cNvCxnSpPr>
+            <a:cxnSpLocks/>
+            <a:endCxn id="97" idx="1"/>
+          </p:cNvCxnSpPr>
+          <p:nvPr/>
+        </p:nvCxnSpPr>
+        <p:spPr>
+          <a:xfrm>
+            <a:off x="18078781" y="20047215"/>
+            <a:ext cx="5474951" cy="386"/>
+          </a:xfrm>
+          <a:prstGeom prst="straightConnector1">
+            <a:avLst/>
+          </a:prstGeom>
+          <a:ln w="19050">
+            <a:solidFill>
+              <a:srgbClr val="0070C0"/>
+            </a:solidFill>
+            <a:tailEnd type="arrow"/>
+          </a:ln>
+        </p:spPr>
+        <p:style>
+          <a:lnRef idx="1">
+            <a:schemeClr val="accent1"/>
+          </a:lnRef>
+          <a:fillRef idx="0">
+            <a:schemeClr val="accent1"/>
+          </a:fillRef>
+          <a:effectRef idx="0">
+            <a:schemeClr val="accent1"/>
+          </a:effectRef>
+          <a:fontRef idx="minor">
+            <a:schemeClr val="tx1"/>
+          </a:fontRef>
+        </p:style>
+      </p:cxnSp>
+      <p:sp>
+        <p:nvSpPr>
+          <p:cNvPr id="101" name="Rectangle 100">
+            <a:extLst>
+              <a:ext uri="{FF2B5EF4-FFF2-40B4-BE49-F238E27FC236}">
+                <a16:creationId xmlns:a16="http://schemas.microsoft.com/office/drawing/2014/main" id="{4E580936-4744-D04E-8AFA-95AFD12A1EBB}"/>
+              </a:ext>
+            </a:extLst>
+          </p:cNvPr>
+          <p:cNvSpPr/>
+          <p:nvPr/>
+        </p:nvSpPr>
+        <p:spPr>
+          <a:xfrm>
+            <a:off x="20338449" y="17248848"/>
+            <a:ext cx="154202" cy="273146"/>
+          </a:xfrm>
+          <a:prstGeom prst="rect">
+            <a:avLst/>
+          </a:prstGeom>
+          <a:solidFill>
+            <a:srgbClr val="0070C0"/>
+          </a:solidFill>
+          <a:ln>
+            <a:solidFill>
+              <a:srgbClr val="0070C0"/>
+            </a:solidFill>
+          </a:ln>
+          <a:effectLst/>
+        </p:spPr>
+        <p:style>
+          <a:lnRef idx="1">
+            <a:schemeClr val="accent3"/>
+          </a:lnRef>
+          <a:fillRef idx="2">
+            <a:schemeClr val="accent3"/>
+          </a:fillRef>
+          <a:effectRef idx="1">
+            <a:schemeClr val="accent3"/>
+          </a:effectRef>
+          <a:fontRef idx="minor">
+            <a:schemeClr val="dk1"/>
+          </a:fontRef>
+        </p:style>
+        <p:txBody>
+          <a:bodyPr rtlCol="0" anchor="ctr"/>
+          <a:lstStyle/>
+          <a:p>
+            <a:pPr algn="ctr"/>
+            <a:endParaRPr lang="en-SG" sz="1400"/>
+          </a:p>
+        </p:txBody>
+      </p:sp>
+      <p:cxnSp>
+        <p:nvCxnSpPr>
+          <p:cNvPr id="107" name="Straight Arrow Connector 106">
+            <a:extLst>
+              <a:ext uri="{FF2B5EF4-FFF2-40B4-BE49-F238E27FC236}">
+                <a16:creationId xmlns:a16="http://schemas.microsoft.com/office/drawing/2014/main" id="{7C32A1D3-4E24-FF44-8906-7A203DC6CA1B}"/>
+              </a:ext>
+            </a:extLst>
+          </p:cNvPr>
+          <p:cNvCxnSpPr>
+            <a:cxnSpLocks/>
+          </p:cNvCxnSpPr>
+          <p:nvPr/>
+        </p:nvCxnSpPr>
+        <p:spPr>
+          <a:xfrm flipV="1">
+            <a:off x="13622121" y="22350291"/>
+            <a:ext cx="10821997" cy="1610"/>
+          </a:xfrm>
+          <a:prstGeom prst="straightConnector1">
+            <a:avLst/>
+          </a:prstGeom>
+          <a:ln w="19050">
+            <a:solidFill>
+              <a:srgbClr val="0070C0"/>
+            </a:solidFill>
+            <a:prstDash val="sysDash"/>
+            <a:headEnd type="arrow" w="med" len="med"/>
+            <a:tailEnd type="none" w="med" len="med"/>
+          </a:ln>
+        </p:spPr>
+        <p:style>
+          <a:lnRef idx="1">
+            <a:schemeClr val="accent1"/>
+          </a:lnRef>
+          <a:fillRef idx="0">
+            <a:schemeClr val="accent1"/>
+          </a:fillRef>
+          <a:effectRef idx="0">
+            <a:schemeClr val="accent1"/>
+          </a:effectRef>
+          <a:fontRef idx="minor">
+            <a:schemeClr val="tx1"/>
+          </a:fontRef>
+        </p:style>
+      </p:cxnSp>
     </p:spTree>
     <p:extLst>
       <p:ext uri="{BB962C8B-B14F-4D97-AF65-F5344CB8AC3E}">
